--- a/PCB/02 Plans & Actuals/2.1_Project Plan/Project Plan_(presentation)v0.1_Clay.pptx
+++ b/PCB/02 Plans & Actuals/2.1_Project Plan/Project Plan_(presentation)v0.1_Clay.pptx
@@ -2,35 +2,35 @@
 <file path=ppt/presentation.xml><?xml version="1.0" encoding="utf-8"?>
 <p:presentation xmlns:a="http://schemas.openxmlformats.org/drawingml/2006/main" xmlns:r="http://schemas.openxmlformats.org/officeDocument/2006/relationships" xmlns:p="http://schemas.openxmlformats.org/presentationml/2006/main">
   <p:sldMasterIdLst>
-    <p:sldMasterId id="2147483648" r:id="rId5"/>
+    <p:sldMasterId id="2147483648" r:id="rId1"/>
   </p:sldMasterIdLst>
   <p:notesMasterIdLst>
-    <p:notesMasterId r:id="rId7"/>
+    <p:notesMasterId r:id="rId23"/>
   </p:notesMasterIdLst>
   <p:sldIdLst>
-    <p:sldId id="256" r:id="rId8"/>
-    <p:sldId id="257" r:id="rId9"/>
-    <p:sldId id="258" r:id="rId10"/>
-    <p:sldId id="259" r:id="rId11"/>
-    <p:sldId id="260" r:id="rId12"/>
-    <p:sldId id="261" r:id="rId13"/>
-    <p:sldId id="262" r:id="rId14"/>
-    <p:sldId id="263" r:id="rId15"/>
-    <p:sldId id="264" r:id="rId16"/>
-    <p:sldId id="265" r:id="rId17"/>
-    <p:sldId id="266" r:id="rId18"/>
-    <p:sldId id="267" r:id="rId19"/>
-    <p:sldId id="268" r:id="rId20"/>
-    <p:sldId id="269" r:id="rId21"/>
-    <p:sldId id="270" r:id="rId22"/>
-    <p:sldId id="271" r:id="rId23"/>
-    <p:sldId id="272" r:id="rId24"/>
-    <p:sldId id="273" r:id="rId25"/>
-    <p:sldId id="274" r:id="rId26"/>
-    <p:sldId id="275" r:id="rId27"/>
-    <p:sldId id="276" r:id="rId28"/>
+    <p:sldId id="256" r:id="rId2"/>
+    <p:sldId id="257" r:id="rId3"/>
+    <p:sldId id="258" r:id="rId4"/>
+    <p:sldId id="259" r:id="rId5"/>
+    <p:sldId id="260" r:id="rId6"/>
+    <p:sldId id="261" r:id="rId7"/>
+    <p:sldId id="262" r:id="rId8"/>
+    <p:sldId id="263" r:id="rId9"/>
+    <p:sldId id="264" r:id="rId10"/>
+    <p:sldId id="265" r:id="rId11"/>
+    <p:sldId id="266" r:id="rId12"/>
+    <p:sldId id="267" r:id="rId13"/>
+    <p:sldId id="268" r:id="rId14"/>
+    <p:sldId id="269" r:id="rId15"/>
+    <p:sldId id="270" r:id="rId16"/>
+    <p:sldId id="271" r:id="rId17"/>
+    <p:sldId id="272" r:id="rId18"/>
+    <p:sldId id="273" r:id="rId19"/>
+    <p:sldId id="274" r:id="rId20"/>
+    <p:sldId id="275" r:id="rId21"/>
+    <p:sldId id="276" r:id="rId22"/>
   </p:sldIdLst>
-  <p:sldSz cx="9144000" cy="6858000"/>
+  <p:sldSz cx="9144000" cy="6858000" type="screen4x3"/>
   <p:notesSz cx="6858000" cy="9144000"/>
   <p:defaultTextStyle>
     <a:lvl1pPr>
@@ -106,16 +106,22 @@
       </a:defRPr>
     </a:lvl9pPr>
   </p:defaultTextStyle>
+  <p:extLst>
+    <p:ext uri="{EFAFB233-063F-42B5-8137-9DF3F51BA10A}">
+      <p15:sldGuideLst xmlns:p15="http://schemas.microsoft.com/office/powerpoint/2012/main"/>
+    </p:ext>
+  </p:extLst>
 </p:presentation>
-</file>
-
-<file path=ppt/commentAuthors.xml><?xml version="1.0" encoding="utf-8"?>
-<p:cmAuthorLst xmlns:a="http://schemas.openxmlformats.org/drawingml/2006/main" xmlns:r="http://schemas.openxmlformats.org/officeDocument/2006/relationships" xmlns:p="http://schemas.openxmlformats.org/presentationml/2006/main"/>
 </file>
 
 <file path=ppt/notesMasters/notesMaster1.xml><?xml version="1.0" encoding="utf-8"?>
 <p:notesMaster xmlns:a="http://schemas.openxmlformats.org/drawingml/2006/main" xmlns:r="http://schemas.openxmlformats.org/officeDocument/2006/relationships" xmlns:p="http://schemas.openxmlformats.org/presentationml/2006/main">
   <p:cSld>
+    <p:bg>
+      <p:bgRef idx="1001">
+        <a:schemeClr val="bg1"/>
+      </p:bgRef>
+    </p:bg>
     <p:spTree>
       <p:nvGrpSpPr>
         <p:cNvPr id="1" name=""/>
@@ -133,7 +139,9 @@
       <p:sp>
         <p:nvSpPr>
           <p:cNvPr id="148" name="Shape 148"/>
-          <p:cNvSpPr/>
+          <p:cNvSpPr>
+            <a:spLocks noGrp="1" noRot="1" noChangeAspect="1"/>
+          </p:cNvSpPr>
           <p:nvPr>
             <p:ph type="sldImg"/>
           </p:nvPr>
@@ -152,13 +160,16 @@
           <a:lstStyle/>
           <a:p>
             <a:pPr lvl="0"/>
+            <a:endParaRPr/>
           </a:p>
         </p:txBody>
       </p:sp>
       <p:sp>
         <p:nvSpPr>
           <p:cNvPr id="149" name="Shape 149"/>
-          <p:cNvSpPr/>
+          <p:cNvSpPr>
+            <a:spLocks noGrp="1"/>
+          </p:cNvSpPr>
           <p:nvPr>
             <p:ph type="body" sz="quarter" idx="1"/>
           </p:nvPr>
@@ -177,10 +188,16 @@
           <a:lstStyle/>
           <a:p>
             <a:pPr lvl="0"/>
+            <a:endParaRPr/>
           </a:p>
         </p:txBody>
       </p:sp>
     </p:spTree>
+    <p:extLst>
+      <p:ext uri="{BB962C8B-B14F-4D97-AF65-F5344CB8AC3E}">
+        <p14:creationId xmlns:p14="http://schemas.microsoft.com/office/powerpoint/2010/main" val="1561040365"/>
+      </p:ext>
+    </p:extLst>
   </p:cSld>
   <p:clrMap bg1="lt1" tx1="dk1" bg2="lt2" tx2="dk2" accent1="accent1" accent2="accent2" accent3="accent3" accent4="accent4" accent5="accent5" accent6="accent6" hlink="hlink" folHlink="folHlink"/>
   <p:notesStyle>
@@ -288,7 +305,7 @@
 </file>
 
 <file path=ppt/slideLayouts/slideLayout1.xml><?xml version="1.0" encoding="utf-8"?>
-<p:sldLayout xmlns:a="http://schemas.openxmlformats.org/drawingml/2006/main" xmlns:r="http://schemas.openxmlformats.org/officeDocument/2006/relationships" xmlns:p="http://schemas.openxmlformats.org/presentationml/2006/main" type="tx" showMasterSp="0" showMasterPhAnim="1">
+<p:sldLayout xmlns:a="http://schemas.openxmlformats.org/drawingml/2006/main" xmlns:r="http://schemas.openxmlformats.org/officeDocument/2006/relationships" xmlns:p="http://schemas.openxmlformats.org/presentationml/2006/main" showMasterSp="0" type="tx">
   <p:cSld name="标题幻灯片">
     <p:spTree>
       <p:nvGrpSpPr>
@@ -307,7 +324,9 @@
       <p:sp>
         <p:nvSpPr>
           <p:cNvPr id="11" name="Shape 11"/>
-          <p:cNvSpPr/>
+          <p:cNvSpPr>
+            <a:spLocks noGrp="1"/>
+          </p:cNvSpPr>
           <p:nvPr>
             <p:ph type="sldNum" sz="quarter" idx="2"/>
           </p:nvPr>
@@ -322,7 +341,10 @@
           <a:lstStyle/>
           <a:p>
             <a:pPr lvl="0"/>
-            <a:fld id="{86CB4B4D-7CA3-9044-876B-883B54F8677D}" type="slidenum"/>
+            <a:fld id="{86CB4B4D-7CA3-9044-876B-883B54F8677D}" type="slidenum">
+              <a:t>‹#›</a:t>
+            </a:fld>
+            <a:endParaRPr/>
           </a:p>
         </p:txBody>
       </p:sp>
@@ -364,6 +386,7 @@
                 <a:sym typeface="Corbel"/>
               </a:defRPr>
             </a:pPr>
+            <a:endParaRPr/>
           </a:p>
         </p:txBody>
       </p:sp>
@@ -417,6 +440,7 @@
                   </a:solidFill>
                 </a:defRPr>
               </a:pPr>
+              <a:endParaRPr/>
             </a:p>
           </p:txBody>
         </p:sp>
@@ -456,6 +480,7 @@
                   </a:solidFill>
                 </a:defRPr>
               </a:pPr>
+              <a:endParaRPr/>
             </a:p>
           </p:txBody>
         </p:sp>
@@ -495,6 +520,7 @@
                   </a:solidFill>
                 </a:defRPr>
               </a:pPr>
+              <a:endParaRPr/>
             </a:p>
           </p:txBody>
         </p:sp>
@@ -518,7 +544,7 @@
           </a:ln>
           <a:extLst>
             <a:ext uri="{C572A759-6A51-4108-AA02-DFA0A04FC94B}">
-              <ma14:wrappingTextBoxFlag xmlns:ma14="http://schemas.microsoft.com/office/mac/drawingml/2011/main" val="1"/>
+              <ma14:wrappingTextBoxFlag xmlns="" xmlns:ma14="http://schemas.microsoft.com/office/mac/drawingml/2011/main" val="1"/>
             </a:ext>
           </a:extLst>
         </p:spPr>
@@ -561,7 +587,9 @@
       <p:sp>
         <p:nvSpPr>
           <p:cNvPr id="18" name="Shape 18"/>
-          <p:cNvSpPr/>
+          <p:cNvSpPr>
+            <a:spLocks noGrp="1"/>
+          </p:cNvSpPr>
           <p:nvPr>
             <p:ph type="title"/>
           </p:nvPr>
@@ -608,7 +636,9 @@
       <p:sp>
         <p:nvSpPr>
           <p:cNvPr id="19" name="Shape 19"/>
-          <p:cNvSpPr/>
+          <p:cNvSpPr>
+            <a:spLocks noGrp="1"/>
+          </p:cNvSpPr>
           <p:nvPr>
             <p:ph type="body" idx="1"/>
           </p:nvPr>
@@ -693,6 +723,7 @@
                 </a:solidFill>
               </a:defRPr>
             </a:pPr>
+            <a:endParaRPr/>
           </a:p>
         </p:txBody>
       </p:sp>
@@ -701,12 +732,12 @@
   <p:clrMapOvr>
     <a:masterClrMapping/>
   </p:clrMapOvr>
-  <p:transition spd="med" advClick="1"/>
+  <p:transition spd="med"/>
 </p:sldLayout>
 </file>
 
 <file path=ppt/slideLayouts/slideLayout10.xml><?xml version="1.0" encoding="utf-8"?>
-<p:sldLayout xmlns:a="http://schemas.openxmlformats.org/drawingml/2006/main" xmlns:r="http://schemas.openxmlformats.org/officeDocument/2006/relationships" xmlns:p="http://schemas.openxmlformats.org/presentationml/2006/main" type="tx" showMasterSp="0" showMasterPhAnim="1">
+<p:sldLayout xmlns:a="http://schemas.openxmlformats.org/drawingml/2006/main" xmlns:r="http://schemas.openxmlformats.org/officeDocument/2006/relationships" xmlns:p="http://schemas.openxmlformats.org/presentationml/2006/main" showMasterSp="0" type="tx">
   <p:cSld name="内容与标题">
     <p:spTree>
       <p:nvGrpSpPr>
@@ -725,7 +756,9 @@
       <p:sp>
         <p:nvSpPr>
           <p:cNvPr id="93" name="Shape 93"/>
-          <p:cNvSpPr/>
+          <p:cNvSpPr>
+            <a:spLocks noGrp="1"/>
+          </p:cNvSpPr>
           <p:nvPr>
             <p:ph type="title"/>
           </p:nvPr>
@@ -775,7 +808,9 @@
       <p:sp>
         <p:nvSpPr>
           <p:cNvPr id="94" name="Shape 94"/>
-          <p:cNvSpPr/>
+          <p:cNvSpPr>
+            <a:spLocks noGrp="1"/>
+          </p:cNvSpPr>
           <p:nvPr>
             <p:ph type="body" idx="1"/>
           </p:nvPr>
@@ -824,11 +859,6 @@
               </a:rPr>
               <a:t>单击此处编辑母版文本样式</a:t>
             </a:r>
-            <a:endParaRPr sz="2200">
-              <a:solidFill>
-                <a:srgbClr val="262626"/>
-              </a:solidFill>
-            </a:endParaRPr>
           </a:p>
           <a:p>
             <a:pPr lvl="1">
@@ -846,11 +876,6 @@
               </a:rPr>
               <a:t>二级</a:t>
             </a:r>
-            <a:endParaRPr sz="2200">
-              <a:solidFill>
-                <a:srgbClr val="262626"/>
-              </a:solidFill>
-            </a:endParaRPr>
           </a:p>
           <a:p>
             <a:pPr lvl="2">
@@ -868,11 +893,6 @@
               </a:rPr>
               <a:t>三级</a:t>
             </a:r>
-            <a:endParaRPr sz="2200">
-              <a:solidFill>
-                <a:srgbClr val="262626"/>
-              </a:solidFill>
-            </a:endParaRPr>
           </a:p>
           <a:p>
             <a:pPr lvl="3">
@@ -890,11 +910,6 @@
               </a:rPr>
               <a:t>四级</a:t>
             </a:r>
-            <a:endParaRPr sz="2200">
-              <a:solidFill>
-                <a:srgbClr val="262626"/>
-              </a:solidFill>
-            </a:endParaRPr>
           </a:p>
           <a:p>
             <a:pPr lvl="4">
@@ -918,7 +933,9 @@
       <p:sp>
         <p:nvSpPr>
           <p:cNvPr id="95" name="Shape 95"/>
-          <p:cNvSpPr/>
+          <p:cNvSpPr>
+            <a:spLocks noGrp="1"/>
+          </p:cNvSpPr>
           <p:nvPr>
             <p:ph type="sldNum" sz="quarter" idx="2"/>
           </p:nvPr>
@@ -933,7 +950,10 @@
           <a:lstStyle/>
           <a:p>
             <a:pPr lvl="0"/>
-            <a:fld id="{86CB4B4D-7CA3-9044-876B-883B54F8677D}" type="slidenum"/>
+            <a:fld id="{86CB4B4D-7CA3-9044-876B-883B54F8677D}" type="slidenum">
+              <a:t>‹#›</a:t>
+            </a:fld>
+            <a:endParaRPr/>
           </a:p>
         </p:txBody>
       </p:sp>
@@ -987,6 +1007,7 @@
                   </a:solidFill>
                 </a:defRPr>
               </a:pPr>
+              <a:endParaRPr/>
             </a:p>
           </p:txBody>
         </p:sp>
@@ -1026,6 +1047,7 @@
                   </a:solidFill>
                 </a:defRPr>
               </a:pPr>
+              <a:endParaRPr/>
             </a:p>
           </p:txBody>
         </p:sp>
@@ -1065,6 +1087,7 @@
                   </a:solidFill>
                 </a:defRPr>
               </a:pPr>
+              <a:endParaRPr/>
             </a:p>
           </p:txBody>
         </p:sp>
@@ -1074,12 +1097,12 @@
   <p:clrMapOvr>
     <a:masterClrMapping/>
   </p:clrMapOvr>
-  <p:transition spd="med" advClick="1"/>
+  <p:transition spd="med"/>
 </p:sldLayout>
 </file>
 
 <file path=ppt/slideLayouts/slideLayout11.xml><?xml version="1.0" encoding="utf-8"?>
-<p:sldLayout xmlns:a="http://schemas.openxmlformats.org/drawingml/2006/main" xmlns:r="http://schemas.openxmlformats.org/officeDocument/2006/relationships" xmlns:p="http://schemas.openxmlformats.org/presentationml/2006/main" type="tx" showMasterSp="0" showMasterPhAnim="1">
+<p:sldLayout xmlns:a="http://schemas.openxmlformats.org/drawingml/2006/main" xmlns:r="http://schemas.openxmlformats.org/officeDocument/2006/relationships" xmlns:p="http://schemas.openxmlformats.org/presentationml/2006/main" showMasterSp="0" type="tx">
   <p:cSld name="图片与标题">
     <p:spTree>
       <p:nvGrpSpPr>
@@ -1133,6 +1156,7 @@
                 <a:sym typeface="Corbel"/>
               </a:defRPr>
             </a:pPr>
+            <a:endParaRPr/>
           </a:p>
         </p:txBody>
       </p:sp>
@@ -1186,6 +1210,7 @@
                   </a:solidFill>
                 </a:defRPr>
               </a:pPr>
+              <a:endParaRPr/>
             </a:p>
           </p:txBody>
         </p:sp>
@@ -1225,6 +1250,7 @@
                   </a:solidFill>
                 </a:defRPr>
               </a:pPr>
+              <a:endParaRPr/>
             </a:p>
           </p:txBody>
         </p:sp>
@@ -1264,6 +1290,7 @@
                   </a:solidFill>
                 </a:defRPr>
               </a:pPr>
+              <a:endParaRPr/>
             </a:p>
           </p:txBody>
         </p:sp>
@@ -1271,7 +1298,9 @@
       <p:sp>
         <p:nvSpPr>
           <p:cNvPr id="106" name="Shape 106"/>
-          <p:cNvSpPr/>
+          <p:cNvSpPr>
+            <a:spLocks noGrp="1"/>
+          </p:cNvSpPr>
           <p:nvPr>
             <p:ph type="title"/>
           </p:nvPr>
@@ -1315,7 +1344,9 @@
       <p:sp>
         <p:nvSpPr>
           <p:cNvPr id="107" name="Shape 107"/>
-          <p:cNvSpPr/>
+          <p:cNvSpPr>
+            <a:spLocks noGrp="1"/>
+          </p:cNvSpPr>
           <p:nvPr>
             <p:ph type="body" idx="1"/>
           </p:nvPr>
@@ -1369,7 +1400,9 @@
       <p:sp>
         <p:nvSpPr>
           <p:cNvPr id="108" name="Shape 108"/>
-          <p:cNvSpPr/>
+          <p:cNvSpPr>
+            <a:spLocks noGrp="1"/>
+          </p:cNvSpPr>
           <p:nvPr>
             <p:ph type="sldNum" sz="quarter" idx="2"/>
           </p:nvPr>
@@ -1384,7 +1417,10 @@
           <a:lstStyle/>
           <a:p>
             <a:pPr lvl="0"/>
-            <a:fld id="{86CB4B4D-7CA3-9044-876B-883B54F8677D}" type="slidenum"/>
+            <a:fld id="{86CB4B4D-7CA3-9044-876B-883B54F8677D}" type="slidenum">
+              <a:t>‹#›</a:t>
+            </a:fld>
+            <a:endParaRPr/>
           </a:p>
         </p:txBody>
       </p:sp>
@@ -1393,12 +1429,12 @@
   <p:clrMapOvr>
     <a:masterClrMapping/>
   </p:clrMapOvr>
-  <p:transition spd="med" advClick="1"/>
+  <p:transition spd="med"/>
 </p:sldLayout>
 </file>
 
 <file path=ppt/slideLayouts/slideLayout12.xml><?xml version="1.0" encoding="utf-8"?>
-<p:sldLayout xmlns:a="http://schemas.openxmlformats.org/drawingml/2006/main" xmlns:r="http://schemas.openxmlformats.org/officeDocument/2006/relationships" xmlns:p="http://schemas.openxmlformats.org/presentationml/2006/main" type="tx" showMasterSp="0" showMasterPhAnim="1">
+<p:sldLayout xmlns:a="http://schemas.openxmlformats.org/drawingml/2006/main" xmlns:r="http://schemas.openxmlformats.org/officeDocument/2006/relationships" xmlns:p="http://schemas.openxmlformats.org/presentationml/2006/main" showMasterSp="0" type="tx">
   <p:cSld name="图片(带标题，可选)">
     <p:spTree>
       <p:nvGrpSpPr>
@@ -1464,6 +1500,7 @@
                   </a:solidFill>
                 </a:defRPr>
               </a:pPr>
+              <a:endParaRPr/>
             </a:p>
           </p:txBody>
         </p:sp>
@@ -1503,6 +1540,7 @@
                   </a:solidFill>
                 </a:defRPr>
               </a:pPr>
+              <a:endParaRPr/>
             </a:p>
           </p:txBody>
         </p:sp>
@@ -1542,6 +1580,7 @@
                   </a:solidFill>
                 </a:defRPr>
               </a:pPr>
+              <a:endParaRPr/>
             </a:p>
           </p:txBody>
         </p:sp>
@@ -1549,7 +1588,9 @@
       <p:sp>
         <p:nvSpPr>
           <p:cNvPr id="114" name="Shape 114"/>
-          <p:cNvSpPr/>
+          <p:cNvSpPr>
+            <a:spLocks noGrp="1"/>
+          </p:cNvSpPr>
           <p:nvPr>
             <p:ph type="title"/>
           </p:nvPr>
@@ -1597,7 +1638,9 @@
       <p:sp>
         <p:nvSpPr>
           <p:cNvPr id="115" name="Shape 115"/>
-          <p:cNvSpPr/>
+          <p:cNvSpPr>
+            <a:spLocks noGrp="1"/>
+          </p:cNvSpPr>
           <p:nvPr>
             <p:ph type="body" idx="1"/>
           </p:nvPr>
@@ -1647,7 +1690,9 @@
       <p:sp>
         <p:nvSpPr>
           <p:cNvPr id="116" name="Shape 116"/>
-          <p:cNvSpPr/>
+          <p:cNvSpPr>
+            <a:spLocks noGrp="1"/>
+          </p:cNvSpPr>
           <p:nvPr>
             <p:ph type="sldNum" sz="quarter" idx="2"/>
           </p:nvPr>
@@ -1662,7 +1707,10 @@
           <a:lstStyle/>
           <a:p>
             <a:pPr lvl="0"/>
-            <a:fld id="{86CB4B4D-7CA3-9044-876B-883B54F8677D}" type="slidenum"/>
+            <a:fld id="{86CB4B4D-7CA3-9044-876B-883B54F8677D}" type="slidenum">
+              <a:t>‹#›</a:t>
+            </a:fld>
+            <a:endParaRPr/>
           </a:p>
         </p:txBody>
       </p:sp>
@@ -1671,12 +1719,12 @@
   <p:clrMapOvr>
     <a:masterClrMapping/>
   </p:clrMapOvr>
-  <p:transition spd="med" advClick="1"/>
+  <p:transition spd="med"/>
 </p:sldLayout>
 </file>
 
 <file path=ppt/slideLayouts/slideLayout13.xml><?xml version="1.0" encoding="utf-8"?>
-<p:sldLayout xmlns:a="http://schemas.openxmlformats.org/drawingml/2006/main" xmlns:r="http://schemas.openxmlformats.org/officeDocument/2006/relationships" xmlns:p="http://schemas.openxmlformats.org/presentationml/2006/main" type="tx" showMasterSp="0" showMasterPhAnim="1">
+<p:sldLayout xmlns:a="http://schemas.openxmlformats.org/drawingml/2006/main" xmlns:r="http://schemas.openxmlformats.org/officeDocument/2006/relationships" xmlns:p="http://schemas.openxmlformats.org/presentationml/2006/main" showMasterSp="0" type="tx">
   <p:cSld name="内容、图片和标题">
     <p:spTree>
       <p:nvGrpSpPr>
@@ -1695,7 +1743,9 @@
       <p:sp>
         <p:nvSpPr>
           <p:cNvPr id="118" name="Shape 118"/>
-          <p:cNvSpPr/>
+          <p:cNvSpPr>
+            <a:spLocks noGrp="1"/>
+          </p:cNvSpPr>
           <p:nvPr>
             <p:ph type="body" idx="1"/>
           </p:nvPr>
@@ -1744,11 +1794,6 @@
               </a:rPr>
               <a:t>单击此处编辑母版文本样式</a:t>
             </a:r>
-            <a:endParaRPr sz="2200">
-              <a:solidFill>
-                <a:srgbClr val="262626"/>
-              </a:solidFill>
-            </a:endParaRPr>
           </a:p>
           <a:p>
             <a:pPr lvl="1">
@@ -1766,11 +1811,6 @@
               </a:rPr>
               <a:t>二级</a:t>
             </a:r>
-            <a:endParaRPr sz="2200">
-              <a:solidFill>
-                <a:srgbClr val="262626"/>
-              </a:solidFill>
-            </a:endParaRPr>
           </a:p>
           <a:p>
             <a:pPr lvl="2">
@@ -1788,11 +1828,6 @@
               </a:rPr>
               <a:t>三级</a:t>
             </a:r>
-            <a:endParaRPr sz="2200">
-              <a:solidFill>
-                <a:srgbClr val="262626"/>
-              </a:solidFill>
-            </a:endParaRPr>
           </a:p>
           <a:p>
             <a:pPr lvl="3">
@@ -1810,11 +1845,6 @@
               </a:rPr>
               <a:t>四级</a:t>
             </a:r>
-            <a:endParaRPr sz="2200">
-              <a:solidFill>
-                <a:srgbClr val="262626"/>
-              </a:solidFill>
-            </a:endParaRPr>
           </a:p>
           <a:p>
             <a:pPr lvl="4">
@@ -1838,7 +1868,9 @@
       <p:sp>
         <p:nvSpPr>
           <p:cNvPr id="119" name="Shape 119"/>
-          <p:cNvSpPr/>
+          <p:cNvSpPr>
+            <a:spLocks noGrp="1"/>
+          </p:cNvSpPr>
           <p:nvPr>
             <p:ph type="sldNum" sz="quarter" idx="2"/>
           </p:nvPr>
@@ -1853,7 +1885,10 @@
           <a:lstStyle/>
           <a:p>
             <a:pPr lvl="0"/>
-            <a:fld id="{86CB4B4D-7CA3-9044-876B-883B54F8677D}" type="slidenum"/>
+            <a:fld id="{86CB4B4D-7CA3-9044-876B-883B54F8677D}" type="slidenum">
+              <a:t>‹#›</a:t>
+            </a:fld>
+            <a:endParaRPr/>
           </a:p>
         </p:txBody>
       </p:sp>
@@ -1895,13 +1930,16 @@
                 <a:sym typeface="Corbel"/>
               </a:defRPr>
             </a:pPr>
+            <a:endParaRPr/>
           </a:p>
         </p:txBody>
       </p:sp>
       <p:sp>
         <p:nvSpPr>
           <p:cNvPr id="121" name="Shape 121"/>
-          <p:cNvSpPr/>
+          <p:cNvSpPr>
+            <a:spLocks noGrp="1"/>
+          </p:cNvSpPr>
           <p:nvPr>
             <p:ph type="title"/>
           </p:nvPr>
@@ -1992,6 +2030,7 @@
                   </a:solidFill>
                 </a:defRPr>
               </a:pPr>
+              <a:endParaRPr/>
             </a:p>
           </p:txBody>
         </p:sp>
@@ -2031,6 +2070,7 @@
                   </a:solidFill>
                 </a:defRPr>
               </a:pPr>
+              <a:endParaRPr/>
             </a:p>
           </p:txBody>
         </p:sp>
@@ -2070,6 +2110,7 @@
                   </a:solidFill>
                 </a:defRPr>
               </a:pPr>
+              <a:endParaRPr/>
             </a:p>
           </p:txBody>
         </p:sp>
@@ -2079,12 +2120,12 @@
   <p:clrMapOvr>
     <a:masterClrMapping/>
   </p:clrMapOvr>
-  <p:transition spd="med" advClick="1"/>
+  <p:transition spd="med"/>
 </p:sldLayout>
 </file>
 
 <file path=ppt/slideLayouts/slideLayout14.xml><?xml version="1.0" encoding="utf-8"?>
-<p:sldLayout xmlns:a="http://schemas.openxmlformats.org/drawingml/2006/main" xmlns:r="http://schemas.openxmlformats.org/officeDocument/2006/relationships" xmlns:p="http://schemas.openxmlformats.org/presentationml/2006/main" type="tx" showMasterSp="0" showMasterPhAnim="1">
+<p:sldLayout xmlns:a="http://schemas.openxmlformats.org/drawingml/2006/main" xmlns:r="http://schemas.openxmlformats.org/officeDocument/2006/relationships" xmlns:p="http://schemas.openxmlformats.org/presentationml/2006/main" showMasterSp="0" type="tx">
   <p:cSld name="3 张图片(带标题)">
     <p:spTree>
       <p:nvGrpSpPr>
@@ -2138,6 +2179,7 @@
                 <a:sym typeface="Corbel"/>
               </a:defRPr>
             </a:pPr>
+            <a:endParaRPr/>
           </a:p>
         </p:txBody>
       </p:sp>
@@ -2191,6 +2233,7 @@
                   </a:solidFill>
                 </a:defRPr>
               </a:pPr>
+              <a:endParaRPr/>
             </a:p>
           </p:txBody>
         </p:sp>
@@ -2230,6 +2273,7 @@
                   </a:solidFill>
                 </a:defRPr>
               </a:pPr>
+              <a:endParaRPr/>
             </a:p>
           </p:txBody>
         </p:sp>
@@ -2269,6 +2313,7 @@
                   </a:solidFill>
                 </a:defRPr>
               </a:pPr>
+              <a:endParaRPr/>
             </a:p>
           </p:txBody>
         </p:sp>
@@ -2276,7 +2321,9 @@
       <p:sp>
         <p:nvSpPr>
           <p:cNvPr id="132" name="Shape 132"/>
-          <p:cNvSpPr/>
+          <p:cNvSpPr>
+            <a:spLocks noGrp="1"/>
+          </p:cNvSpPr>
           <p:nvPr>
             <p:ph type="title"/>
           </p:nvPr>
@@ -2320,7 +2367,9 @@
       <p:sp>
         <p:nvSpPr>
           <p:cNvPr id="133" name="Shape 133"/>
-          <p:cNvSpPr/>
+          <p:cNvSpPr>
+            <a:spLocks noGrp="1"/>
+          </p:cNvSpPr>
           <p:nvPr>
             <p:ph type="body" idx="1"/>
           </p:nvPr>
@@ -2374,7 +2423,9 @@
       <p:sp>
         <p:nvSpPr>
           <p:cNvPr id="134" name="Shape 134"/>
-          <p:cNvSpPr/>
+          <p:cNvSpPr>
+            <a:spLocks noGrp="1"/>
+          </p:cNvSpPr>
           <p:nvPr>
             <p:ph type="sldNum" sz="quarter" idx="2"/>
           </p:nvPr>
@@ -2389,7 +2440,10 @@
           <a:lstStyle/>
           <a:p>
             <a:pPr lvl="0"/>
-            <a:fld id="{86CB4B4D-7CA3-9044-876B-883B54F8677D}" type="slidenum"/>
+            <a:fld id="{86CB4B4D-7CA3-9044-876B-883B54F8677D}" type="slidenum">
+              <a:t>‹#›</a:t>
+            </a:fld>
+            <a:endParaRPr/>
           </a:p>
         </p:txBody>
       </p:sp>
@@ -2398,12 +2452,12 @@
   <p:clrMapOvr>
     <a:masterClrMapping/>
   </p:clrMapOvr>
-  <p:transition spd="med" advClick="1"/>
+  <p:transition spd="med"/>
 </p:sldLayout>
 </file>
 
 <file path=ppt/slideLayouts/slideLayout15.xml><?xml version="1.0" encoding="utf-8"?>
-<p:sldLayout xmlns:a="http://schemas.openxmlformats.org/drawingml/2006/main" xmlns:r="http://schemas.openxmlformats.org/officeDocument/2006/relationships" xmlns:p="http://schemas.openxmlformats.org/presentationml/2006/main" type="tx" showMasterSp="0" showMasterPhAnim="1">
+<p:sldLayout xmlns:a="http://schemas.openxmlformats.org/drawingml/2006/main" xmlns:r="http://schemas.openxmlformats.org/officeDocument/2006/relationships" xmlns:p="http://schemas.openxmlformats.org/presentationml/2006/main" showMasterSp="0" type="tx">
   <p:cSld name="标题和竖排文本">
     <p:spTree>
       <p:nvGrpSpPr>
@@ -2453,6 +2507,7 @@
                 </a:solidFill>
               </a:defRPr>
             </a:pPr>
+            <a:endParaRPr/>
           </a:p>
         </p:txBody>
       </p:sp>
@@ -2506,6 +2561,7 @@
                   </a:solidFill>
                 </a:defRPr>
               </a:pPr>
+              <a:endParaRPr/>
             </a:p>
           </p:txBody>
         </p:sp>
@@ -2545,6 +2601,7 @@
                   </a:solidFill>
                 </a:defRPr>
               </a:pPr>
+              <a:endParaRPr/>
             </a:p>
           </p:txBody>
         </p:sp>
@@ -2584,6 +2641,7 @@
                   </a:solidFill>
                 </a:defRPr>
               </a:pPr>
+              <a:endParaRPr/>
             </a:p>
           </p:txBody>
         </p:sp>
@@ -2591,7 +2649,9 @@
       <p:sp>
         <p:nvSpPr>
           <p:cNvPr id="141" name="Shape 141"/>
-          <p:cNvSpPr/>
+          <p:cNvSpPr>
+            <a:spLocks noGrp="1"/>
+          </p:cNvSpPr>
           <p:nvPr>
             <p:ph type="title"/>
           </p:nvPr>
@@ -2634,7 +2694,9 @@
       <p:sp>
         <p:nvSpPr>
           <p:cNvPr id="142" name="Shape 142"/>
-          <p:cNvSpPr/>
+          <p:cNvSpPr>
+            <a:spLocks noGrp="1"/>
+          </p:cNvSpPr>
           <p:nvPr>
             <p:ph type="body" idx="1"/>
           </p:nvPr>
@@ -2667,11 +2729,6 @@
               </a:rPr>
               <a:t>单击此处编辑母版文本样式</a:t>
             </a:r>
-            <a:endParaRPr sz="2400">
-              <a:solidFill>
-                <a:srgbClr val="262626"/>
-              </a:solidFill>
-            </a:endParaRPr>
           </a:p>
           <a:p>
             <a:pPr lvl="1">
@@ -2689,11 +2746,6 @@
               </a:rPr>
               <a:t>二级</a:t>
             </a:r>
-            <a:endParaRPr sz="2400">
-              <a:solidFill>
-                <a:srgbClr val="262626"/>
-              </a:solidFill>
-            </a:endParaRPr>
           </a:p>
           <a:p>
             <a:pPr lvl="2">
@@ -2711,11 +2763,6 @@
               </a:rPr>
               <a:t>三级</a:t>
             </a:r>
-            <a:endParaRPr sz="2400">
-              <a:solidFill>
-                <a:srgbClr val="262626"/>
-              </a:solidFill>
-            </a:endParaRPr>
           </a:p>
           <a:p>
             <a:pPr lvl="3">
@@ -2733,11 +2780,6 @@
               </a:rPr>
               <a:t>四级</a:t>
             </a:r>
-            <a:endParaRPr sz="2400">
-              <a:solidFill>
-                <a:srgbClr val="262626"/>
-              </a:solidFill>
-            </a:endParaRPr>
           </a:p>
           <a:p>
             <a:pPr lvl="4">
@@ -2761,7 +2803,9 @@
       <p:sp>
         <p:nvSpPr>
           <p:cNvPr id="143" name="Shape 143"/>
-          <p:cNvSpPr/>
+          <p:cNvSpPr>
+            <a:spLocks noGrp="1"/>
+          </p:cNvSpPr>
           <p:nvPr>
             <p:ph type="sldNum" sz="quarter" idx="2"/>
           </p:nvPr>
@@ -2776,7 +2820,10 @@
           <a:lstStyle/>
           <a:p>
             <a:pPr lvl="0"/>
-            <a:fld id="{86CB4B4D-7CA3-9044-876B-883B54F8677D}" type="slidenum"/>
+            <a:fld id="{86CB4B4D-7CA3-9044-876B-883B54F8677D}" type="slidenum">
+              <a:t>‹#›</a:t>
+            </a:fld>
+            <a:endParaRPr/>
           </a:p>
         </p:txBody>
       </p:sp>
@@ -2785,12 +2832,12 @@
   <p:clrMapOvr>
     <a:masterClrMapping/>
   </p:clrMapOvr>
-  <p:transition spd="med" advClick="1"/>
+  <p:transition spd="med"/>
 </p:sldLayout>
 </file>
 
 <file path=ppt/slideLayouts/slideLayout16.xml><?xml version="1.0" encoding="utf-8"?>
-<p:sldLayout xmlns:a="http://schemas.openxmlformats.org/drawingml/2006/main" xmlns:r="http://schemas.openxmlformats.org/officeDocument/2006/relationships" xmlns:p="http://schemas.openxmlformats.org/presentationml/2006/main" type="tx" showMasterSp="1" showMasterPhAnim="1">
+<p:sldLayout xmlns:a="http://schemas.openxmlformats.org/drawingml/2006/main" xmlns:r="http://schemas.openxmlformats.org/officeDocument/2006/relationships" xmlns:p="http://schemas.openxmlformats.org/presentationml/2006/main" type="tx">
   <p:cSld name="竖排标题和文本">
     <p:spTree>
       <p:nvGrpSpPr>
@@ -2809,7 +2856,9 @@
       <p:sp>
         <p:nvSpPr>
           <p:cNvPr id="145" name="Shape 145"/>
-          <p:cNvSpPr/>
+          <p:cNvSpPr>
+            <a:spLocks noGrp="1"/>
+          </p:cNvSpPr>
           <p:nvPr>
             <p:ph type="title"/>
           </p:nvPr>
@@ -2844,7 +2893,9 @@
       <p:sp>
         <p:nvSpPr>
           <p:cNvPr id="146" name="Shape 146"/>
-          <p:cNvSpPr/>
+          <p:cNvSpPr>
+            <a:spLocks noGrp="1"/>
+          </p:cNvSpPr>
           <p:nvPr>
             <p:ph type="body" idx="1"/>
           </p:nvPr>
@@ -2873,11 +2924,6 @@
               </a:rPr>
               <a:t>单击此处编辑母版文本样式</a:t>
             </a:r>
-            <a:endParaRPr sz="2400">
-              <a:solidFill>
-                <a:srgbClr val="262626"/>
-              </a:solidFill>
-            </a:endParaRPr>
           </a:p>
           <a:p>
             <a:pPr lvl="1">
@@ -2895,11 +2941,6 @@
               </a:rPr>
               <a:t>二级</a:t>
             </a:r>
-            <a:endParaRPr sz="2400">
-              <a:solidFill>
-                <a:srgbClr val="262626"/>
-              </a:solidFill>
-            </a:endParaRPr>
           </a:p>
           <a:p>
             <a:pPr lvl="2">
@@ -2917,11 +2958,6 @@
               </a:rPr>
               <a:t>三级</a:t>
             </a:r>
-            <a:endParaRPr sz="2400">
-              <a:solidFill>
-                <a:srgbClr val="262626"/>
-              </a:solidFill>
-            </a:endParaRPr>
           </a:p>
           <a:p>
             <a:pPr lvl="3">
@@ -2939,11 +2975,6 @@
               </a:rPr>
               <a:t>四级</a:t>
             </a:r>
-            <a:endParaRPr sz="2400">
-              <a:solidFill>
-                <a:srgbClr val="262626"/>
-              </a:solidFill>
-            </a:endParaRPr>
           </a:p>
           <a:p>
             <a:pPr lvl="4">
@@ -2967,7 +2998,9 @@
       <p:sp>
         <p:nvSpPr>
           <p:cNvPr id="147" name="Shape 147"/>
-          <p:cNvSpPr/>
+          <p:cNvSpPr>
+            <a:spLocks noGrp="1"/>
+          </p:cNvSpPr>
           <p:nvPr>
             <p:ph type="sldNum" sz="quarter" idx="2"/>
           </p:nvPr>
@@ -2982,7 +3015,10 @@
           <a:lstStyle/>
           <a:p>
             <a:pPr lvl="0"/>
-            <a:fld id="{86CB4B4D-7CA3-9044-876B-883B54F8677D}" type="slidenum"/>
+            <a:fld id="{86CB4B4D-7CA3-9044-876B-883B54F8677D}" type="slidenum">
+              <a:t>‹#›</a:t>
+            </a:fld>
+            <a:endParaRPr/>
           </a:p>
         </p:txBody>
       </p:sp>
@@ -2991,12 +3027,12 @@
   <p:clrMapOvr>
     <a:masterClrMapping/>
   </p:clrMapOvr>
-  <p:transition spd="med" advClick="1"/>
+  <p:transition spd="med"/>
 </p:sldLayout>
 </file>
 
 <file path=ppt/slideLayouts/slideLayout2.xml><?xml version="1.0" encoding="utf-8"?>
-<p:sldLayout xmlns:a="http://schemas.openxmlformats.org/drawingml/2006/main" xmlns:r="http://schemas.openxmlformats.org/officeDocument/2006/relationships" xmlns:p="http://schemas.openxmlformats.org/presentationml/2006/main" type="tx" showMasterSp="0" showMasterPhAnim="1">
+<p:sldLayout xmlns:a="http://schemas.openxmlformats.org/drawingml/2006/main" xmlns:r="http://schemas.openxmlformats.org/officeDocument/2006/relationships" xmlns:p="http://schemas.openxmlformats.org/presentationml/2006/main" showMasterSp="0" type="tx">
   <p:cSld name="标题和内容">
     <p:spTree>
       <p:nvGrpSpPr>
@@ -3046,6 +3082,7 @@
                 </a:solidFill>
               </a:defRPr>
             </a:pPr>
+            <a:endParaRPr/>
           </a:p>
         </p:txBody>
       </p:sp>
@@ -3099,6 +3136,7 @@
                   </a:solidFill>
                 </a:defRPr>
               </a:pPr>
+              <a:endParaRPr/>
             </a:p>
           </p:txBody>
         </p:sp>
@@ -3138,6 +3176,7 @@
                   </a:solidFill>
                 </a:defRPr>
               </a:pPr>
+              <a:endParaRPr/>
             </a:p>
           </p:txBody>
         </p:sp>
@@ -3177,6 +3216,7 @@
                   </a:solidFill>
                 </a:defRPr>
               </a:pPr>
+              <a:endParaRPr/>
             </a:p>
           </p:txBody>
         </p:sp>
@@ -3184,7 +3224,9 @@
       <p:sp>
         <p:nvSpPr>
           <p:cNvPr id="27" name="Shape 27"/>
-          <p:cNvSpPr/>
+          <p:cNvSpPr>
+            <a:spLocks noGrp="1"/>
+          </p:cNvSpPr>
           <p:nvPr>
             <p:ph type="title"/>
           </p:nvPr>
@@ -3227,7 +3269,9 @@
       <p:sp>
         <p:nvSpPr>
           <p:cNvPr id="28" name="Shape 28"/>
-          <p:cNvSpPr/>
+          <p:cNvSpPr>
+            <a:spLocks noGrp="1"/>
+          </p:cNvSpPr>
           <p:nvPr>
             <p:ph type="body" idx="1"/>
           </p:nvPr>
@@ -3260,11 +3304,6 @@
               </a:rPr>
               <a:t>单击此处编辑母版文本样式</a:t>
             </a:r>
-            <a:endParaRPr sz="2400">
-              <a:solidFill>
-                <a:srgbClr val="262626"/>
-              </a:solidFill>
-            </a:endParaRPr>
           </a:p>
           <a:p>
             <a:pPr lvl="1">
@@ -3282,11 +3321,6 @@
               </a:rPr>
               <a:t>二级</a:t>
             </a:r>
-            <a:endParaRPr sz="2400">
-              <a:solidFill>
-                <a:srgbClr val="262626"/>
-              </a:solidFill>
-            </a:endParaRPr>
           </a:p>
           <a:p>
             <a:pPr lvl="2">
@@ -3304,11 +3338,6 @@
               </a:rPr>
               <a:t>三级</a:t>
             </a:r>
-            <a:endParaRPr sz="2400">
-              <a:solidFill>
-                <a:srgbClr val="262626"/>
-              </a:solidFill>
-            </a:endParaRPr>
           </a:p>
           <a:p>
             <a:pPr lvl="3">
@@ -3326,11 +3355,6 @@
               </a:rPr>
               <a:t>四级</a:t>
             </a:r>
-            <a:endParaRPr sz="2400">
-              <a:solidFill>
-                <a:srgbClr val="262626"/>
-              </a:solidFill>
-            </a:endParaRPr>
           </a:p>
           <a:p>
             <a:pPr lvl="4">
@@ -3354,7 +3378,9 @@
       <p:sp>
         <p:nvSpPr>
           <p:cNvPr id="29" name="Shape 29"/>
-          <p:cNvSpPr/>
+          <p:cNvSpPr>
+            <a:spLocks noGrp="1"/>
+          </p:cNvSpPr>
           <p:nvPr>
             <p:ph type="sldNum" sz="quarter" idx="2"/>
           </p:nvPr>
@@ -3369,7 +3395,10 @@
           <a:lstStyle/>
           <a:p>
             <a:pPr lvl="0"/>
-            <a:fld id="{86CB4B4D-7CA3-9044-876B-883B54F8677D}" type="slidenum"/>
+            <a:fld id="{86CB4B4D-7CA3-9044-876B-883B54F8677D}" type="slidenum">
+              <a:t>‹#›</a:t>
+            </a:fld>
+            <a:endParaRPr/>
           </a:p>
         </p:txBody>
       </p:sp>
@@ -3378,12 +3407,12 @@
   <p:clrMapOvr>
     <a:masterClrMapping/>
   </p:clrMapOvr>
-  <p:transition spd="med" advClick="1"/>
+  <p:transition spd="med"/>
 </p:sldLayout>
 </file>
 
 <file path=ppt/slideLayouts/slideLayout3.xml><?xml version="1.0" encoding="utf-8"?>
-<p:sldLayout xmlns:a="http://schemas.openxmlformats.org/drawingml/2006/main" xmlns:r="http://schemas.openxmlformats.org/officeDocument/2006/relationships" xmlns:p="http://schemas.openxmlformats.org/presentationml/2006/main" type="tx" showMasterSp="0" showMasterPhAnim="1">
+<p:sldLayout xmlns:a="http://schemas.openxmlformats.org/drawingml/2006/main" xmlns:r="http://schemas.openxmlformats.org/officeDocument/2006/relationships" xmlns:p="http://schemas.openxmlformats.org/presentationml/2006/main" showMasterSp="0" type="tx">
   <p:cSld name="标题幻灯片(带图片)">
     <p:spTree>
       <p:nvGrpSpPr>
@@ -3437,13 +3466,16 @@
                 <a:sym typeface="Corbel"/>
               </a:defRPr>
             </a:pPr>
+            <a:endParaRPr/>
           </a:p>
         </p:txBody>
       </p:sp>
       <p:sp>
         <p:nvSpPr>
           <p:cNvPr id="32" name="Shape 32"/>
-          <p:cNvSpPr/>
+          <p:cNvSpPr>
+            <a:spLocks noGrp="1"/>
+          </p:cNvSpPr>
           <p:nvPr>
             <p:ph type="sldNum" sz="quarter" idx="2"/>
           </p:nvPr>
@@ -3458,14 +3490,19 @@
           <a:lstStyle/>
           <a:p>
             <a:pPr lvl="0"/>
-            <a:fld id="{86CB4B4D-7CA3-9044-876B-883B54F8677D}" type="slidenum"/>
+            <a:fld id="{86CB4B4D-7CA3-9044-876B-883B54F8677D}" type="slidenum">
+              <a:t>‹#›</a:t>
+            </a:fld>
+            <a:endParaRPr/>
           </a:p>
         </p:txBody>
       </p:sp>
       <p:sp>
         <p:nvSpPr>
           <p:cNvPr id="33" name="Shape 33"/>
-          <p:cNvSpPr/>
+          <p:cNvSpPr>
+            <a:spLocks noGrp="1"/>
+          </p:cNvSpPr>
           <p:nvPr>
             <p:ph type="body" idx="1"/>
           </p:nvPr>
@@ -3566,6 +3603,7 @@
                   </a:solidFill>
                 </a:defRPr>
               </a:pPr>
+              <a:endParaRPr/>
             </a:p>
           </p:txBody>
         </p:sp>
@@ -3605,6 +3643,7 @@
                   </a:solidFill>
                 </a:defRPr>
               </a:pPr>
+              <a:endParaRPr/>
             </a:p>
           </p:txBody>
         </p:sp>
@@ -3644,6 +3683,7 @@
                   </a:solidFill>
                 </a:defRPr>
               </a:pPr>
+              <a:endParaRPr/>
             </a:p>
           </p:txBody>
         </p:sp>
@@ -3667,7 +3707,7 @@
           </a:ln>
           <a:extLst>
             <a:ext uri="{C572A759-6A51-4108-AA02-DFA0A04FC94B}">
-              <ma14:wrappingTextBoxFlag xmlns:ma14="http://schemas.microsoft.com/office/mac/drawingml/2011/main" val="1"/>
+              <ma14:wrappingTextBoxFlag xmlns="" xmlns:ma14="http://schemas.microsoft.com/office/mac/drawingml/2011/main" val="1"/>
             </a:ext>
           </a:extLst>
         </p:spPr>
@@ -3710,7 +3750,9 @@
       <p:sp>
         <p:nvSpPr>
           <p:cNvPr id="39" name="Shape 39"/>
-          <p:cNvSpPr/>
+          <p:cNvSpPr>
+            <a:spLocks noGrp="1"/>
+          </p:cNvSpPr>
           <p:nvPr>
             <p:ph type="title"/>
           </p:nvPr>
@@ -3759,12 +3801,12 @@
   <p:clrMapOvr>
     <a:masterClrMapping/>
   </p:clrMapOvr>
-  <p:transition spd="med" advClick="1"/>
+  <p:transition spd="med"/>
 </p:sldLayout>
 </file>
 
 <file path=ppt/slideLayouts/slideLayout4.xml><?xml version="1.0" encoding="utf-8"?>
-<p:sldLayout xmlns:a="http://schemas.openxmlformats.org/drawingml/2006/main" xmlns:r="http://schemas.openxmlformats.org/officeDocument/2006/relationships" xmlns:p="http://schemas.openxmlformats.org/presentationml/2006/main" type="tx" showMasterSp="0" showMasterPhAnim="1">
+<p:sldLayout xmlns:a="http://schemas.openxmlformats.org/drawingml/2006/main" xmlns:r="http://schemas.openxmlformats.org/officeDocument/2006/relationships" xmlns:p="http://schemas.openxmlformats.org/presentationml/2006/main" showMasterSp="0" type="tx">
   <p:cSld name="节标题">
     <p:spTree>
       <p:nvGrpSpPr>
@@ -3818,6 +3860,7 @@
                 <a:sym typeface="Corbel"/>
               </a:defRPr>
             </a:pPr>
+            <a:endParaRPr/>
           </a:p>
         </p:txBody>
       </p:sp>
@@ -3871,6 +3914,7 @@
                   </a:solidFill>
                 </a:defRPr>
               </a:pPr>
+              <a:endParaRPr/>
             </a:p>
           </p:txBody>
         </p:sp>
@@ -3910,6 +3954,7 @@
                   </a:solidFill>
                 </a:defRPr>
               </a:pPr>
+              <a:endParaRPr/>
             </a:p>
           </p:txBody>
         </p:sp>
@@ -3949,6 +3994,7 @@
                   </a:solidFill>
                 </a:defRPr>
               </a:pPr>
+              <a:endParaRPr/>
             </a:p>
           </p:txBody>
         </p:sp>
@@ -3972,7 +4018,7 @@
           </a:ln>
           <a:extLst>
             <a:ext uri="{C572A759-6A51-4108-AA02-DFA0A04FC94B}">
-              <ma14:wrappingTextBoxFlag xmlns:ma14="http://schemas.microsoft.com/office/mac/drawingml/2011/main" val="1"/>
+              <ma14:wrappingTextBoxFlag xmlns="" xmlns:ma14="http://schemas.microsoft.com/office/mac/drawingml/2011/main" val="1"/>
             </a:ext>
           </a:extLst>
         </p:spPr>
@@ -4015,7 +4061,9 @@
       <p:sp>
         <p:nvSpPr>
           <p:cNvPr id="47" name="Shape 47"/>
-          <p:cNvSpPr/>
+          <p:cNvSpPr>
+            <a:spLocks noGrp="1"/>
+          </p:cNvSpPr>
           <p:nvPr>
             <p:ph type="title"/>
           </p:nvPr>
@@ -4059,7 +4107,9 @@
       <p:sp>
         <p:nvSpPr>
           <p:cNvPr id="48" name="Shape 48"/>
-          <p:cNvSpPr/>
+          <p:cNvSpPr>
+            <a:spLocks noGrp="1"/>
+          </p:cNvSpPr>
           <p:nvPr>
             <p:ph type="body" idx="1"/>
           </p:nvPr>
@@ -4110,7 +4160,9 @@
       <p:sp>
         <p:nvSpPr>
           <p:cNvPr id="49" name="Shape 49"/>
-          <p:cNvSpPr/>
+          <p:cNvSpPr>
+            <a:spLocks noGrp="1"/>
+          </p:cNvSpPr>
           <p:nvPr>
             <p:ph type="sldNum" sz="quarter" idx="2"/>
           </p:nvPr>
@@ -4125,7 +4177,10 @@
           <a:lstStyle/>
           <a:p>
             <a:pPr lvl="0"/>
-            <a:fld id="{86CB4B4D-7CA3-9044-876B-883B54F8677D}" type="slidenum"/>
+            <a:fld id="{86CB4B4D-7CA3-9044-876B-883B54F8677D}" type="slidenum">
+              <a:t>‹#›</a:t>
+            </a:fld>
+            <a:endParaRPr/>
           </a:p>
         </p:txBody>
       </p:sp>
@@ -4134,12 +4189,12 @@
   <p:clrMapOvr>
     <a:masterClrMapping/>
   </p:clrMapOvr>
-  <p:transition spd="med" advClick="1"/>
+  <p:transition spd="med"/>
 </p:sldLayout>
 </file>
 
 <file path=ppt/slideLayouts/slideLayout5.xml><?xml version="1.0" encoding="utf-8"?>
-<p:sldLayout xmlns:a="http://schemas.openxmlformats.org/drawingml/2006/main" xmlns:r="http://schemas.openxmlformats.org/officeDocument/2006/relationships" xmlns:p="http://schemas.openxmlformats.org/presentationml/2006/main" type="tx" showMasterSp="0" showMasterPhAnim="1">
+<p:sldLayout xmlns:a="http://schemas.openxmlformats.org/drawingml/2006/main" xmlns:r="http://schemas.openxmlformats.org/officeDocument/2006/relationships" xmlns:p="http://schemas.openxmlformats.org/presentationml/2006/main" showMasterSp="0" type="tx">
   <p:cSld name="节(带图片)">
     <p:spTree>
       <p:nvGrpSpPr>
@@ -4158,7 +4213,9 @@
       <p:sp>
         <p:nvSpPr>
           <p:cNvPr id="51" name="Shape 51"/>
-          <p:cNvSpPr/>
+          <p:cNvSpPr>
+            <a:spLocks noGrp="1"/>
+          </p:cNvSpPr>
           <p:nvPr>
             <p:ph type="sldNum" sz="quarter" idx="2"/>
           </p:nvPr>
@@ -4173,7 +4230,10 @@
           <a:lstStyle/>
           <a:p>
             <a:pPr lvl="0"/>
-            <a:fld id="{86CB4B4D-7CA3-9044-876B-883B54F8677D}" type="slidenum"/>
+            <a:fld id="{86CB4B4D-7CA3-9044-876B-883B54F8677D}" type="slidenum">
+              <a:t>‹#›</a:t>
+            </a:fld>
+            <a:endParaRPr/>
           </a:p>
         </p:txBody>
       </p:sp>
@@ -4215,6 +4275,7 @@
                 <a:sym typeface="Corbel"/>
               </a:defRPr>
             </a:pPr>
+            <a:endParaRPr/>
           </a:p>
         </p:txBody>
       </p:sp>
@@ -4268,6 +4329,7 @@
                   </a:solidFill>
                 </a:defRPr>
               </a:pPr>
+              <a:endParaRPr/>
             </a:p>
           </p:txBody>
         </p:sp>
@@ -4307,6 +4369,7 @@
                   </a:solidFill>
                 </a:defRPr>
               </a:pPr>
+              <a:endParaRPr/>
             </a:p>
           </p:txBody>
         </p:sp>
@@ -4346,6 +4409,7 @@
                   </a:solidFill>
                 </a:defRPr>
               </a:pPr>
+              <a:endParaRPr/>
             </a:p>
           </p:txBody>
         </p:sp>
@@ -4369,7 +4433,7 @@
           </a:ln>
           <a:extLst>
             <a:ext uri="{C572A759-6A51-4108-AA02-DFA0A04FC94B}">
-              <ma14:wrappingTextBoxFlag xmlns:ma14="http://schemas.microsoft.com/office/mac/drawingml/2011/main" val="1"/>
+              <ma14:wrappingTextBoxFlag xmlns="" xmlns:ma14="http://schemas.microsoft.com/office/mac/drawingml/2011/main" val="1"/>
             </a:ext>
           </a:extLst>
         </p:spPr>
@@ -4412,7 +4476,9 @@
       <p:sp>
         <p:nvSpPr>
           <p:cNvPr id="58" name="Shape 58"/>
-          <p:cNvSpPr/>
+          <p:cNvSpPr>
+            <a:spLocks noGrp="1"/>
+          </p:cNvSpPr>
           <p:nvPr>
             <p:ph type="title"/>
           </p:nvPr>
@@ -4456,7 +4522,9 @@
       <p:sp>
         <p:nvSpPr>
           <p:cNvPr id="59" name="Shape 59"/>
-          <p:cNvSpPr/>
+          <p:cNvSpPr>
+            <a:spLocks noGrp="1"/>
+          </p:cNvSpPr>
           <p:nvPr>
             <p:ph type="body" idx="1"/>
           </p:nvPr>
@@ -4512,12 +4580,12 @@
   <p:clrMapOvr>
     <a:masterClrMapping/>
   </p:clrMapOvr>
-  <p:transition spd="med" advClick="1"/>
+  <p:transition spd="med"/>
 </p:sldLayout>
 </file>
 
 <file path=ppt/slideLayouts/slideLayout6.xml><?xml version="1.0" encoding="utf-8"?>
-<p:sldLayout xmlns:a="http://schemas.openxmlformats.org/drawingml/2006/main" xmlns:r="http://schemas.openxmlformats.org/officeDocument/2006/relationships" xmlns:p="http://schemas.openxmlformats.org/presentationml/2006/main" type="tx" showMasterSp="0" showMasterPhAnim="1">
+<p:sldLayout xmlns:a="http://schemas.openxmlformats.org/drawingml/2006/main" xmlns:r="http://schemas.openxmlformats.org/officeDocument/2006/relationships" xmlns:p="http://schemas.openxmlformats.org/presentationml/2006/main" showMasterSp="0" type="tx">
   <p:cSld name="两项内容">
     <p:spTree>
       <p:nvGrpSpPr>
@@ -4567,6 +4635,7 @@
                 </a:solidFill>
               </a:defRPr>
             </a:pPr>
+            <a:endParaRPr/>
           </a:p>
         </p:txBody>
       </p:sp>
@@ -4620,6 +4689,7 @@
                   </a:solidFill>
                 </a:defRPr>
               </a:pPr>
+              <a:endParaRPr/>
             </a:p>
           </p:txBody>
         </p:sp>
@@ -4659,6 +4729,7 @@
                   </a:solidFill>
                 </a:defRPr>
               </a:pPr>
+              <a:endParaRPr/>
             </a:p>
           </p:txBody>
         </p:sp>
@@ -4698,6 +4769,7 @@
                   </a:solidFill>
                 </a:defRPr>
               </a:pPr>
+              <a:endParaRPr/>
             </a:p>
           </p:txBody>
         </p:sp>
@@ -4705,7 +4777,9 @@
       <p:sp>
         <p:nvSpPr>
           <p:cNvPr id="66" name="Shape 66"/>
-          <p:cNvSpPr/>
+          <p:cNvSpPr>
+            <a:spLocks noGrp="1"/>
+          </p:cNvSpPr>
           <p:nvPr>
             <p:ph type="title"/>
           </p:nvPr>
@@ -4748,7 +4822,9 @@
       <p:sp>
         <p:nvSpPr>
           <p:cNvPr id="67" name="Shape 67"/>
-          <p:cNvSpPr/>
+          <p:cNvSpPr>
+            <a:spLocks noGrp="1"/>
+          </p:cNvSpPr>
           <p:nvPr>
             <p:ph type="body" idx="1"/>
           </p:nvPr>
@@ -4797,11 +4873,6 @@
               </a:rPr>
               <a:t>单击此处编辑母版文本样式</a:t>
             </a:r>
-            <a:endParaRPr sz="2200">
-              <a:solidFill>
-                <a:srgbClr val="262626"/>
-              </a:solidFill>
-            </a:endParaRPr>
           </a:p>
           <a:p>
             <a:pPr lvl="1">
@@ -4819,11 +4890,6 @@
               </a:rPr>
               <a:t>二级</a:t>
             </a:r>
-            <a:endParaRPr sz="2200">
-              <a:solidFill>
-                <a:srgbClr val="262626"/>
-              </a:solidFill>
-            </a:endParaRPr>
           </a:p>
           <a:p>
             <a:pPr lvl="2">
@@ -4841,11 +4907,6 @@
               </a:rPr>
               <a:t>三级</a:t>
             </a:r>
-            <a:endParaRPr sz="2200">
-              <a:solidFill>
-                <a:srgbClr val="262626"/>
-              </a:solidFill>
-            </a:endParaRPr>
           </a:p>
           <a:p>
             <a:pPr lvl="3">
@@ -4863,11 +4924,6 @@
               </a:rPr>
               <a:t>四级</a:t>
             </a:r>
-            <a:endParaRPr sz="2200">
-              <a:solidFill>
-                <a:srgbClr val="262626"/>
-              </a:solidFill>
-            </a:endParaRPr>
           </a:p>
           <a:p>
             <a:pPr lvl="4">
@@ -4891,7 +4947,9 @@
       <p:sp>
         <p:nvSpPr>
           <p:cNvPr id="68" name="Shape 68"/>
-          <p:cNvSpPr/>
+          <p:cNvSpPr>
+            <a:spLocks noGrp="1"/>
+          </p:cNvSpPr>
           <p:nvPr>
             <p:ph type="sldNum" sz="quarter" idx="2"/>
           </p:nvPr>
@@ -4906,7 +4964,10 @@
           <a:lstStyle/>
           <a:p>
             <a:pPr lvl="0"/>
-            <a:fld id="{86CB4B4D-7CA3-9044-876B-883B54F8677D}" type="slidenum"/>
+            <a:fld id="{86CB4B4D-7CA3-9044-876B-883B54F8677D}" type="slidenum">
+              <a:t>‹#›</a:t>
+            </a:fld>
+            <a:endParaRPr/>
           </a:p>
         </p:txBody>
       </p:sp>
@@ -4915,12 +4976,12 @@
   <p:clrMapOvr>
     <a:masterClrMapping/>
   </p:clrMapOvr>
-  <p:transition spd="med" advClick="1"/>
+  <p:transition spd="med"/>
 </p:sldLayout>
 </file>
 
 <file path=ppt/slideLayouts/slideLayout7.xml><?xml version="1.0" encoding="utf-8"?>
-<p:sldLayout xmlns:a="http://schemas.openxmlformats.org/drawingml/2006/main" xmlns:r="http://schemas.openxmlformats.org/officeDocument/2006/relationships" xmlns:p="http://schemas.openxmlformats.org/presentationml/2006/main" type="tx" showMasterSp="0" showMasterPhAnim="1">
+<p:sldLayout xmlns:a="http://schemas.openxmlformats.org/drawingml/2006/main" xmlns:r="http://schemas.openxmlformats.org/officeDocument/2006/relationships" xmlns:p="http://schemas.openxmlformats.org/presentationml/2006/main" showMasterSp="0" type="tx">
   <p:cSld name="比较">
     <p:spTree>
       <p:nvGrpSpPr>
@@ -4970,6 +5031,7 @@
                 </a:solidFill>
               </a:defRPr>
             </a:pPr>
+            <a:endParaRPr/>
           </a:p>
         </p:txBody>
       </p:sp>
@@ -5023,6 +5085,7 @@
                   </a:solidFill>
                 </a:defRPr>
               </a:pPr>
+              <a:endParaRPr/>
             </a:p>
           </p:txBody>
         </p:sp>
@@ -5062,6 +5125,7 @@
                   </a:solidFill>
                 </a:defRPr>
               </a:pPr>
+              <a:endParaRPr/>
             </a:p>
           </p:txBody>
         </p:sp>
@@ -5101,6 +5165,7 @@
                   </a:solidFill>
                 </a:defRPr>
               </a:pPr>
+              <a:endParaRPr/>
             </a:p>
           </p:txBody>
         </p:sp>
@@ -5108,7 +5173,9 @@
       <p:sp>
         <p:nvSpPr>
           <p:cNvPr id="75" name="Shape 75"/>
-          <p:cNvSpPr/>
+          <p:cNvSpPr>
+            <a:spLocks noGrp="1"/>
+          </p:cNvSpPr>
           <p:nvPr>
             <p:ph type="title"/>
           </p:nvPr>
@@ -5151,7 +5218,9 @@
       <p:sp>
         <p:nvSpPr>
           <p:cNvPr id="76" name="Shape 76"/>
-          <p:cNvSpPr/>
+          <p:cNvSpPr>
+            <a:spLocks noGrp="1"/>
+          </p:cNvSpPr>
           <p:nvPr>
             <p:ph type="body" idx="1"/>
           </p:nvPr>
@@ -5207,7 +5276,9 @@
       <p:sp>
         <p:nvSpPr>
           <p:cNvPr id="77" name="Shape 77"/>
-          <p:cNvSpPr/>
+          <p:cNvSpPr>
+            <a:spLocks noGrp="1"/>
+          </p:cNvSpPr>
           <p:nvPr>
             <p:ph type="sldNum" sz="quarter" idx="2"/>
           </p:nvPr>
@@ -5222,7 +5293,10 @@
           <a:lstStyle/>
           <a:p>
             <a:pPr lvl="0"/>
-            <a:fld id="{86CB4B4D-7CA3-9044-876B-883B54F8677D}" type="slidenum"/>
+            <a:fld id="{86CB4B4D-7CA3-9044-876B-883B54F8677D}" type="slidenum">
+              <a:t>‹#›</a:t>
+            </a:fld>
+            <a:endParaRPr/>
           </a:p>
         </p:txBody>
       </p:sp>
@@ -5231,12 +5305,12 @@
   <p:clrMapOvr>
     <a:masterClrMapping/>
   </p:clrMapOvr>
-  <p:transition spd="med" advClick="1"/>
+  <p:transition spd="med"/>
 </p:sldLayout>
 </file>
 
 <file path=ppt/slideLayouts/slideLayout8.xml><?xml version="1.0" encoding="utf-8"?>
-<p:sldLayout xmlns:a="http://schemas.openxmlformats.org/drawingml/2006/main" xmlns:r="http://schemas.openxmlformats.org/officeDocument/2006/relationships" xmlns:p="http://schemas.openxmlformats.org/presentationml/2006/main" type="tx" showMasterSp="0" showMasterPhAnim="1">
+<p:sldLayout xmlns:a="http://schemas.openxmlformats.org/drawingml/2006/main" xmlns:r="http://schemas.openxmlformats.org/officeDocument/2006/relationships" xmlns:p="http://schemas.openxmlformats.org/presentationml/2006/main" showMasterSp="0" type="tx">
   <p:cSld name="仅标题">
     <p:spTree>
       <p:nvGrpSpPr>
@@ -5286,6 +5360,7 @@
                 </a:solidFill>
               </a:defRPr>
             </a:pPr>
+            <a:endParaRPr/>
           </a:p>
         </p:txBody>
       </p:sp>
@@ -5339,6 +5414,7 @@
                   </a:solidFill>
                 </a:defRPr>
               </a:pPr>
+              <a:endParaRPr/>
             </a:p>
           </p:txBody>
         </p:sp>
@@ -5378,6 +5454,7 @@
                   </a:solidFill>
                 </a:defRPr>
               </a:pPr>
+              <a:endParaRPr/>
             </a:p>
           </p:txBody>
         </p:sp>
@@ -5417,6 +5494,7 @@
                   </a:solidFill>
                 </a:defRPr>
               </a:pPr>
+              <a:endParaRPr/>
             </a:p>
           </p:txBody>
         </p:sp>
@@ -5424,7 +5502,9 @@
       <p:sp>
         <p:nvSpPr>
           <p:cNvPr id="84" name="Shape 84"/>
-          <p:cNvSpPr/>
+          <p:cNvSpPr>
+            <a:spLocks noGrp="1"/>
+          </p:cNvSpPr>
           <p:nvPr>
             <p:ph type="title"/>
           </p:nvPr>
@@ -5467,7 +5547,9 @@
       <p:sp>
         <p:nvSpPr>
           <p:cNvPr id="85" name="Shape 85"/>
-          <p:cNvSpPr/>
+          <p:cNvSpPr>
+            <a:spLocks noGrp="1"/>
+          </p:cNvSpPr>
           <p:nvPr>
             <p:ph type="sldNum" sz="quarter" idx="2"/>
           </p:nvPr>
@@ -5482,7 +5564,10 @@
           <a:lstStyle/>
           <a:p>
             <a:pPr lvl="0"/>
-            <a:fld id="{86CB4B4D-7CA3-9044-876B-883B54F8677D}" type="slidenum"/>
+            <a:fld id="{86CB4B4D-7CA3-9044-876B-883B54F8677D}" type="slidenum">
+              <a:t>‹#›</a:t>
+            </a:fld>
+            <a:endParaRPr/>
           </a:p>
         </p:txBody>
       </p:sp>
@@ -5491,12 +5576,12 @@
   <p:clrMapOvr>
     <a:masterClrMapping/>
   </p:clrMapOvr>
-  <p:transition spd="med" advClick="1"/>
+  <p:transition spd="med"/>
 </p:sldLayout>
 </file>
 
 <file path=ppt/slideLayouts/slideLayout9.xml><?xml version="1.0" encoding="utf-8"?>
-<p:sldLayout xmlns:a="http://schemas.openxmlformats.org/drawingml/2006/main" xmlns:r="http://schemas.openxmlformats.org/officeDocument/2006/relationships" xmlns:p="http://schemas.openxmlformats.org/presentationml/2006/main" type="tx" showMasterSp="0" showMasterPhAnim="1">
+<p:sldLayout xmlns:a="http://schemas.openxmlformats.org/drawingml/2006/main" xmlns:r="http://schemas.openxmlformats.org/officeDocument/2006/relationships" xmlns:p="http://schemas.openxmlformats.org/presentationml/2006/main" showMasterSp="0" type="tx">
   <p:cSld name="空白">
     <p:spTree>
       <p:nvGrpSpPr>
@@ -5515,7 +5600,9 @@
       <p:sp>
         <p:nvSpPr>
           <p:cNvPr id="87" name="Shape 87"/>
-          <p:cNvSpPr/>
+          <p:cNvSpPr>
+            <a:spLocks noGrp="1"/>
+          </p:cNvSpPr>
           <p:nvPr>
             <p:ph type="sldNum" sz="quarter" idx="2"/>
           </p:nvPr>
@@ -5530,7 +5617,10 @@
           <a:lstStyle/>
           <a:p>
             <a:pPr lvl="0"/>
-            <a:fld id="{86CB4B4D-7CA3-9044-876B-883B54F8677D}" type="slidenum"/>
+            <a:fld id="{86CB4B4D-7CA3-9044-876B-883B54F8677D}" type="slidenum">
+              <a:t>‹#›</a:t>
+            </a:fld>
+            <a:endParaRPr/>
           </a:p>
         </p:txBody>
       </p:sp>
@@ -5584,6 +5674,7 @@
                   </a:solidFill>
                 </a:defRPr>
               </a:pPr>
+              <a:endParaRPr/>
             </a:p>
           </p:txBody>
         </p:sp>
@@ -5623,6 +5714,7 @@
                   </a:solidFill>
                 </a:defRPr>
               </a:pPr>
+              <a:endParaRPr/>
             </a:p>
           </p:txBody>
         </p:sp>
@@ -5662,6 +5754,7 @@
                   </a:solidFill>
                 </a:defRPr>
               </a:pPr>
+              <a:endParaRPr/>
             </a:p>
           </p:txBody>
         </p:sp>
@@ -5671,7 +5764,7 @@
   <p:clrMapOvr>
     <a:masterClrMapping/>
   </p:clrMapOvr>
-  <p:transition spd="med" advClick="1"/>
+  <p:transition spd="med"/>
 </p:sldLayout>
 </file>
 
@@ -5683,6 +5776,7 @@
         <a:solidFill>
           <a:srgbClr val="FFFFFF"/>
         </a:solidFill>
+        <a:effectLst/>
       </p:bgPr>
     </p:bg>
     <p:spTree>
@@ -5733,13 +5827,16 @@
                 </a:solidFill>
               </a:defRPr>
             </a:pPr>
+            <a:endParaRPr/>
           </a:p>
         </p:txBody>
       </p:sp>
       <p:sp>
         <p:nvSpPr>
           <p:cNvPr id="3" name="Shape 3"/>
-          <p:cNvSpPr/>
+          <p:cNvSpPr>
+            <a:spLocks noGrp="1"/>
+          </p:cNvSpPr>
           <p:nvPr>
             <p:ph type="title"/>
           </p:nvPr>
@@ -5762,13 +5859,13 @@
           </a:ln>
           <a:extLst>
             <a:ext uri="{C572A759-6A51-4108-AA02-DFA0A04FC94B}">
-              <ma14:wrappingTextBoxFlag xmlns:ma14="http://schemas.microsoft.com/office/mac/drawingml/2011/main" val="1"/>
+              <ma14:wrappingTextBoxFlag xmlns="" xmlns:ma14="http://schemas.microsoft.com/office/mac/drawingml/2011/main" val="1"/>
             </a:ext>
           </a:extLst>
         </p:spPr>
         <p:txBody>
           <a:bodyPr lIns="45719" rIns="45719" anchor="ctr">
-            <a:normAutofit fontScale="100000" lnSpcReduction="0"/>
+            <a:normAutofit/>
           </a:bodyPr>
           <a:lstStyle/>
           <a:p>
@@ -5793,7 +5890,9 @@
       <p:sp>
         <p:nvSpPr>
           <p:cNvPr id="4" name="Shape 4"/>
-          <p:cNvSpPr/>
+          <p:cNvSpPr>
+            <a:spLocks noGrp="1"/>
+          </p:cNvSpPr>
           <p:nvPr>
             <p:ph type="body" idx="1"/>
           </p:nvPr>
@@ -5811,13 +5910,13 @@
           </a:ln>
           <a:extLst>
             <a:ext uri="{C572A759-6A51-4108-AA02-DFA0A04FC94B}">
-              <ma14:wrappingTextBoxFlag xmlns:ma14="http://schemas.microsoft.com/office/mac/drawingml/2011/main" val="1"/>
+              <ma14:wrappingTextBoxFlag xmlns="" xmlns:ma14="http://schemas.microsoft.com/office/mac/drawingml/2011/main" val="1"/>
             </a:ext>
           </a:extLst>
         </p:spPr>
         <p:txBody>
           <a:bodyPr lIns="45719" rIns="45719">
-            <a:normAutofit fontScale="100000" lnSpcReduction="0"/>
+            <a:normAutofit/>
           </a:bodyPr>
           <a:lstStyle/>
           <a:p>
@@ -5836,11 +5935,6 @@
               </a:rPr>
               <a:t>单击此处编辑母版文本样式</a:t>
             </a:r>
-            <a:endParaRPr sz="2400">
-              <a:solidFill>
-                <a:srgbClr val="262626"/>
-              </a:solidFill>
-            </a:endParaRPr>
           </a:p>
           <a:p>
             <a:pPr lvl="1">
@@ -5858,11 +5952,6 @@
               </a:rPr>
               <a:t>二级</a:t>
             </a:r>
-            <a:endParaRPr sz="2400">
-              <a:solidFill>
-                <a:srgbClr val="262626"/>
-              </a:solidFill>
-            </a:endParaRPr>
           </a:p>
           <a:p>
             <a:pPr lvl="2">
@@ -5880,11 +5969,6 @@
               </a:rPr>
               <a:t>三级</a:t>
             </a:r>
-            <a:endParaRPr sz="2400">
-              <a:solidFill>
-                <a:srgbClr val="262626"/>
-              </a:solidFill>
-            </a:endParaRPr>
           </a:p>
           <a:p>
             <a:pPr lvl="3">
@@ -5902,11 +5986,6 @@
               </a:rPr>
               <a:t>四级</a:t>
             </a:r>
-            <a:endParaRPr sz="2400">
-              <a:solidFill>
-                <a:srgbClr val="262626"/>
-              </a:solidFill>
-            </a:endParaRPr>
           </a:p>
           <a:p>
             <a:pPr lvl="4">
@@ -5930,7 +6009,9 @@
       <p:sp>
         <p:nvSpPr>
           <p:cNvPr id="5" name="Shape 5"/>
-          <p:cNvSpPr/>
+          <p:cNvSpPr>
+            <a:spLocks noGrp="1"/>
+          </p:cNvSpPr>
           <p:nvPr>
             <p:ph type="sldNum" sz="quarter" idx="2"/>
           </p:nvPr>
@@ -5953,7 +6034,7 @@
           </a:bodyPr>
           <a:lstStyle>
             <a:lvl1pPr algn="r">
-              <a:defRPr b="1" sz="1400">
+              <a:defRPr sz="1400" b="1">
                 <a:solidFill>
                   <a:srgbClr val="262626"/>
                 </a:solidFill>
@@ -5962,7 +6043,10 @@
           </a:lstStyle>
           <a:p>
             <a:pPr lvl="0"/>
-            <a:fld id="{86CB4B4D-7CA3-9044-876B-883B54F8677D}" type="slidenum"/>
+            <a:fld id="{86CB4B4D-7CA3-9044-876B-883B54F8677D}" type="slidenum">
+              <a:t>‹#›</a:t>
+            </a:fld>
+            <a:endParaRPr/>
           </a:p>
         </p:txBody>
       </p:sp>
@@ -6016,6 +6100,7 @@
                   </a:solidFill>
                 </a:defRPr>
               </a:pPr>
+              <a:endParaRPr/>
             </a:p>
           </p:txBody>
         </p:sp>
@@ -6055,6 +6140,7 @@
                   </a:solidFill>
                 </a:defRPr>
               </a:pPr>
+              <a:endParaRPr/>
             </a:p>
           </p:txBody>
         </p:sp>
@@ -6094,6 +6180,7 @@
                   </a:solidFill>
                 </a:defRPr>
               </a:pPr>
+              <a:endParaRPr/>
             </a:p>
           </p:txBody>
         </p:sp>
@@ -6102,24 +6189,24 @@
   </p:cSld>
   <p:clrMap bg1="lt1" tx1="dk1" bg2="lt2" tx2="dk2" accent1="accent1" accent2="accent2" accent3="accent3" accent4="accent4" accent5="accent5" accent6="accent6" hlink="hlink" folHlink="folHlink"/>
   <p:sldLayoutIdLst>
-    <p:sldLayoutId id="2147483649" r:id="rId2"/>
-    <p:sldLayoutId id="2147483650" r:id="rId3"/>
-    <p:sldLayoutId id="2147483651" r:id="rId4"/>
-    <p:sldLayoutId id="2147483652" r:id="rId5"/>
-    <p:sldLayoutId id="2147483653" r:id="rId6"/>
-    <p:sldLayoutId id="2147483654" r:id="rId7"/>
-    <p:sldLayoutId id="2147483655" r:id="rId8"/>
-    <p:sldLayoutId id="2147483656" r:id="rId9"/>
-    <p:sldLayoutId id="2147483657" r:id="rId10"/>
-    <p:sldLayoutId id="2147483658" r:id="rId11"/>
-    <p:sldLayoutId id="2147483659" r:id="rId12"/>
-    <p:sldLayoutId id="2147483660" r:id="rId13"/>
-    <p:sldLayoutId id="2147483661" r:id="rId14"/>
-    <p:sldLayoutId id="2147483662" r:id="rId15"/>
-    <p:sldLayoutId id="2147483663" r:id="rId16"/>
-    <p:sldLayoutId id="2147483664" r:id="rId17"/>
+    <p:sldLayoutId id="2147483649" r:id="rId1"/>
+    <p:sldLayoutId id="2147483650" r:id="rId2"/>
+    <p:sldLayoutId id="2147483651" r:id="rId3"/>
+    <p:sldLayoutId id="2147483652" r:id="rId4"/>
+    <p:sldLayoutId id="2147483653" r:id="rId5"/>
+    <p:sldLayoutId id="2147483654" r:id="rId6"/>
+    <p:sldLayoutId id="2147483655" r:id="rId7"/>
+    <p:sldLayoutId id="2147483656" r:id="rId8"/>
+    <p:sldLayoutId id="2147483657" r:id="rId9"/>
+    <p:sldLayoutId id="2147483658" r:id="rId10"/>
+    <p:sldLayoutId id="2147483659" r:id="rId11"/>
+    <p:sldLayoutId id="2147483660" r:id="rId12"/>
+    <p:sldLayoutId id="2147483661" r:id="rId13"/>
+    <p:sldLayoutId id="2147483662" r:id="rId14"/>
+    <p:sldLayoutId id="2147483663" r:id="rId15"/>
+    <p:sldLayoutId id="2147483664" r:id="rId16"/>
   </p:sldLayoutIdLst>
-  <p:transition spd="med" advClick="1"/>
+  <p:transition spd="med"/>
   <p:txStyles>
     <p:titleStyle>
       <a:lvl1pPr>
@@ -6406,7 +6493,7 @@
     </p:bodyStyle>
     <p:otherStyle>
       <a:lvl1pPr algn="r">
-        <a:defRPr b="1" sz="1400">
+        <a:defRPr sz="1400" b="1">
           <a:solidFill>
             <a:schemeClr val="tx1"/>
           </a:solidFill>
@@ -6417,7 +6504,7 @@
         </a:defRPr>
       </a:lvl1pPr>
       <a:lvl2pPr indent="457200" algn="r">
-        <a:defRPr b="1" sz="1400">
+        <a:defRPr sz="1400" b="1">
           <a:solidFill>
             <a:schemeClr val="tx1"/>
           </a:solidFill>
@@ -6428,7 +6515,7 @@
         </a:defRPr>
       </a:lvl2pPr>
       <a:lvl3pPr indent="914400" algn="r">
-        <a:defRPr b="1" sz="1400">
+        <a:defRPr sz="1400" b="1">
           <a:solidFill>
             <a:schemeClr val="tx1"/>
           </a:solidFill>
@@ -6439,7 +6526,7 @@
         </a:defRPr>
       </a:lvl3pPr>
       <a:lvl4pPr indent="1371600" algn="r">
-        <a:defRPr b="1" sz="1400">
+        <a:defRPr sz="1400" b="1">
           <a:solidFill>
             <a:schemeClr val="tx1"/>
           </a:solidFill>
@@ -6450,7 +6537,7 @@
         </a:defRPr>
       </a:lvl4pPr>
       <a:lvl5pPr indent="1828800" algn="r">
-        <a:defRPr b="1" sz="1400">
+        <a:defRPr sz="1400" b="1">
           <a:solidFill>
             <a:schemeClr val="tx1"/>
           </a:solidFill>
@@ -6461,7 +6548,7 @@
         </a:defRPr>
       </a:lvl5pPr>
       <a:lvl6pPr indent="2286000" algn="r">
-        <a:defRPr b="1" sz="1400">
+        <a:defRPr sz="1400" b="1">
           <a:solidFill>
             <a:schemeClr val="tx1"/>
           </a:solidFill>
@@ -6472,7 +6559,7 @@
         </a:defRPr>
       </a:lvl6pPr>
       <a:lvl7pPr indent="2743200" algn="r">
-        <a:defRPr b="1" sz="1400">
+        <a:defRPr sz="1400" b="1">
           <a:solidFill>
             <a:schemeClr val="tx1"/>
           </a:solidFill>
@@ -6483,7 +6570,7 @@
         </a:defRPr>
       </a:lvl7pPr>
       <a:lvl8pPr indent="3200400" algn="r">
-        <a:defRPr b="1" sz="1400">
+        <a:defRPr sz="1400" b="1">
           <a:solidFill>
             <a:schemeClr val="tx1"/>
           </a:solidFill>
@@ -6494,7 +6581,7 @@
         </a:defRPr>
       </a:lvl8pPr>
       <a:lvl9pPr indent="3657600" algn="r">
-        <a:defRPr b="1" sz="1400">
+        <a:defRPr sz="1400" b="1">
           <a:solidFill>
             <a:schemeClr val="tx1"/>
           </a:solidFill>
@@ -6510,7 +6597,7 @@
 </file>
 
 <file path=ppt/slides/slide1.xml><?xml version="1.0" encoding="utf-8"?>
-<p:sld xmlns:a="http://schemas.openxmlformats.org/drawingml/2006/main" xmlns:r="http://schemas.openxmlformats.org/officeDocument/2006/relationships" xmlns:p="http://schemas.openxmlformats.org/presentationml/2006/main" showMasterSp="1" showMasterPhAnim="1">
+<p:sld xmlns:a="http://schemas.openxmlformats.org/drawingml/2006/main" xmlns:r="http://schemas.openxmlformats.org/officeDocument/2006/relationships" xmlns:p="http://schemas.openxmlformats.org/presentationml/2006/main">
   <p:cSld>
     <p:spTree>
       <p:nvGrpSpPr>
@@ -6545,7 +6632,7 @@
           </a:ln>
           <a:extLst>
             <a:ext uri="{C572A759-6A51-4108-AA02-DFA0A04FC94B}">
-              <ma14:wrappingTextBoxFlag xmlns:ma14="http://schemas.microsoft.com/office/mac/drawingml/2011/main" val="1"/>
+              <ma14:wrappingTextBoxFlag xmlns="" xmlns:ma14="http://schemas.microsoft.com/office/mac/drawingml/2011/main" val="1"/>
             </a:ext>
           </a:extLst>
         </p:spPr>
@@ -6560,7 +6647,6 @@
               <a:rPr sz="4000"/>
               <a:t>Online Edu. Employment (Android)</a:t>
             </a:r>
-            <a:endParaRPr sz="4000"/>
           </a:p>
           <a:p>
             <a:pPr lvl="0"/>
@@ -6568,7 +6654,6 @@
               <a:rPr sz="3200"/>
               <a:t>Project Plan</a:t>
             </a:r>
-            <a:endParaRPr sz="3200"/>
           </a:p>
           <a:p>
             <a:pPr lvl="0" algn="r"/>
@@ -6589,12 +6674,12 @@
   <p:clrMapOvr>
     <a:masterClrMapping/>
   </p:clrMapOvr>
-  <p:transition spd="med" advClick="1"/>
+  <p:transition spd="med"/>
 </p:sld>
 </file>
 
 <file path=ppt/slides/slide10.xml><?xml version="1.0" encoding="utf-8"?>
-<p:sld xmlns:a="http://schemas.openxmlformats.org/drawingml/2006/main" xmlns:r="http://schemas.openxmlformats.org/officeDocument/2006/relationships" xmlns:p="http://schemas.openxmlformats.org/presentationml/2006/main" showMasterSp="1" showMasterPhAnim="1">
+<p:sld xmlns:a="http://schemas.openxmlformats.org/drawingml/2006/main" xmlns:r="http://schemas.openxmlformats.org/officeDocument/2006/relationships" xmlns:p="http://schemas.openxmlformats.org/presentationml/2006/main">
   <p:cSld>
     <p:spTree>
       <p:nvGrpSpPr>
@@ -6613,7 +6698,9 @@
       <p:sp>
         <p:nvSpPr>
           <p:cNvPr id="182" name="Shape 182"/>
-          <p:cNvSpPr/>
+          <p:cNvSpPr>
+            <a:spLocks noGrp="1"/>
+          </p:cNvSpPr>
           <p:nvPr>
             <p:ph type="title"/>
           </p:nvPr>
@@ -6670,7 +6757,7 @@
           </a:ln>
           <a:extLst>
             <a:ext uri="{C572A759-6A51-4108-AA02-DFA0A04FC94B}">
-              <ma14:wrappingTextBoxFlag xmlns:ma14="http://schemas.microsoft.com/office/mac/drawingml/2011/main" val="1"/>
+              <ma14:wrappingTextBoxFlag xmlns="" xmlns:ma14="http://schemas.microsoft.com/office/mac/drawingml/2011/main" val="1"/>
             </a:ext>
           </a:extLst>
         </p:spPr>
@@ -6681,9 +6768,11 @@
           <a:lstStyle/>
           <a:p>
             <a:pPr lvl="0"/>
+            <a:endParaRPr/>
           </a:p>
           <a:p>
             <a:pPr lvl="0"/>
+            <a:endParaRPr/>
           </a:p>
         </p:txBody>
       </p:sp>
@@ -6728,7 +6817,7 @@
               <a:bevel/>
             </a:ln>
             <a:effectLst>
-              <a:outerShdw sx="100000" sy="100000" kx="0" ky="0" algn="b" rotWithShape="0" blurRad="38100" dist="25400" dir="6600000">
+              <a:outerShdw blurRad="38100" dist="25400" dir="6600000" rotWithShape="0">
                 <a:srgbClr val="000000">
                   <a:alpha val="75000"/>
                 </a:srgbClr>
@@ -6748,6 +6837,7 @@
                   </a:solidFill>
                 </a:defRPr>
               </a:pPr>
+              <a:endParaRPr/>
             </a:p>
           </p:txBody>
         </p:sp>
@@ -6773,7 +6863,7 @@
             <a:effectLst/>
             <a:extLst>
               <a:ext uri="{C572A759-6A51-4108-AA02-DFA0A04FC94B}">
-                <ma14:wrappingTextBoxFlag xmlns:ma14="http://schemas.microsoft.com/office/mac/drawingml/2011/main" val="1"/>
+                <ma14:wrappingTextBoxFlag xmlns="" xmlns:ma14="http://schemas.microsoft.com/office/mac/drawingml/2011/main" val="1"/>
               </a:ext>
             </a:extLst>
           </p:spPr>
@@ -6785,22 +6875,17 @@
             <a:p>
               <a:pPr lvl="0"/>
               <a:r>
-                <a:rPr b="1" sz="2200">
+                <a:rPr sz="2200" b="1" dirty="0">
                   <a:solidFill>
                     <a:srgbClr val="FFFFFF"/>
                   </a:solidFill>
                 </a:rPr>
                 <a:t>Sprint 2</a:t>
               </a:r>
-              <a:endParaRPr b="1" sz="2200">
-                <a:solidFill>
-                  <a:srgbClr val="FFFFFF"/>
-                </a:solidFill>
-              </a:endParaRPr>
             </a:p>
             <a:p>
               <a:pPr lvl="0"/>
-              <a:endParaRPr b="1" sz="2200">
+              <a:endParaRPr sz="2200" b="1" dirty="0">
                 <a:solidFill>
                   <a:srgbClr val="FFFFFF"/>
                 </a:solidFill>
@@ -6809,7 +6894,7 @@
             <a:p>
               <a:pPr lvl="1"/>
               <a:r>
-                <a:rPr sz="2000">
+                <a:rPr sz="2000" dirty="0">
                   <a:solidFill>
                     <a:srgbClr val="FFFFFF"/>
                   </a:solidFill>
@@ -6817,39 +6902,130 @@
                 <a:t>V</a:t>
               </a:r>
               <a:r>
-                <a:rPr b="1" sz="2000">
+                <a:rPr sz="2000" b="1" dirty="0">
                   <a:solidFill>
                     <a:srgbClr val="FFFFFF"/>
                   </a:solidFill>
                 </a:rPr>
-                <a:t>isitor customised content</a:t>
+                <a:t>isitor </a:t>
               </a:r>
               <a:r>
-                <a:rPr>
+                <a:rPr sz="2000" b="1" dirty="0" smtClean="0">
+                  <a:solidFill>
+                    <a:srgbClr val="FFFFFF"/>
+                  </a:solidFill>
+                </a:rPr>
+                <a:t>customized </a:t>
+              </a:r>
+              <a:r>
+                <a:rPr sz="2000" b="1" dirty="0">
+                  <a:solidFill>
+                    <a:srgbClr val="FFFFFF"/>
+                  </a:solidFill>
+                </a:rPr>
+                <a:t>content</a:t>
+              </a:r>
+              <a:r>
+                <a:rPr dirty="0">
                   <a:solidFill>
                     <a:srgbClr val="DDDDDD"/>
                   </a:solidFill>
                 </a:rPr>
-                <a:t> focus on functionality on recognition of visitor’s personal background, and generate customised content for each type of visitor, display successfully stories and corresponding courses which leads to high possibility of commit deals. </a:t>
+                <a:t> focus on functionality on recognition of visitor’s </a:t>
               </a:r>
-              <a:endParaRPr>
-                <a:solidFill>
-                  <a:srgbClr val="DDDDDD"/>
-                </a:solidFill>
-              </a:endParaRPr>
-            </a:p>
-            <a:p>
-              <a:pPr lvl="1"/>
-              <a:endParaRPr>
-                <a:solidFill>
-                  <a:srgbClr val="DDDDDD"/>
-                </a:solidFill>
-              </a:endParaRPr>
+              <a:r>
+                <a:rPr lang="en-NZ" dirty="0" smtClean="0">
+                  <a:solidFill>
+                    <a:srgbClr val="DDDDDD"/>
+                  </a:solidFill>
+                </a:rPr>
+                <a:t>	</a:t>
+              </a:r>
+              <a:r>
+                <a:rPr dirty="0" smtClean="0">
+                  <a:solidFill>
+                    <a:srgbClr val="DDDDDD"/>
+                  </a:solidFill>
+                </a:rPr>
+                <a:t>personal </a:t>
+              </a:r>
+              <a:r>
+                <a:rPr dirty="0">
+                  <a:solidFill>
+                    <a:srgbClr val="DDDDDD"/>
+                  </a:solidFill>
+                </a:rPr>
+                <a:t>background, and generate </a:t>
+              </a:r>
+              <a:r>
+                <a:rPr dirty="0" smtClean="0">
+                  <a:solidFill>
+                    <a:srgbClr val="DDDDDD"/>
+                  </a:solidFill>
+                </a:rPr>
+                <a:t>customized </a:t>
+              </a:r>
+              <a:r>
+                <a:rPr dirty="0">
+                  <a:solidFill>
+                    <a:srgbClr val="DDDDDD"/>
+                  </a:solidFill>
+                </a:rPr>
+                <a:t>content for each type of </a:t>
+              </a:r>
+              <a:r>
+                <a:rPr lang="en-NZ" dirty="0" smtClean="0">
+                  <a:solidFill>
+                    <a:srgbClr val="DDDDDD"/>
+                  </a:solidFill>
+                </a:rPr>
+                <a:t>	</a:t>
+              </a:r>
+              <a:r>
+                <a:rPr dirty="0" smtClean="0">
+                  <a:solidFill>
+                    <a:srgbClr val="DDDDDD"/>
+                  </a:solidFill>
+                </a:rPr>
+                <a:t>visitor</a:t>
+              </a:r>
+              <a:r>
+                <a:rPr dirty="0">
+                  <a:solidFill>
+                    <a:srgbClr val="DDDDDD"/>
+                  </a:solidFill>
+                </a:rPr>
+                <a:t>, display successfully stories and corresponding courses which leads to </a:t>
+              </a:r>
+              <a:r>
+                <a:rPr lang="en-NZ" dirty="0" smtClean="0">
+                  <a:solidFill>
+                    <a:srgbClr val="DDDDDD"/>
+                  </a:solidFill>
+                </a:rPr>
+                <a:t>	</a:t>
+              </a:r>
+              <a:r>
+                <a:rPr dirty="0" smtClean="0">
+                  <a:solidFill>
+                    <a:srgbClr val="DDDDDD"/>
+                  </a:solidFill>
+                </a:rPr>
+                <a:t>high </a:t>
+              </a:r>
+              <a:r>
+                <a:rPr dirty="0">
+                  <a:solidFill>
+                    <a:srgbClr val="DDDDDD"/>
+                  </a:solidFill>
+                </a:rPr>
+                <a:t>possibility of commit deals. </a:t>
+              </a:r>
             </a:p>
             <a:p>
               <a:pPr lvl="1"/>
               <a:r>
-                <a:rPr b="1" sz="2000">
+                <a:rPr sz="2000" b="1" dirty="0">
                   <a:solidFill>
                     <a:srgbClr val="FFFFFF"/>
                   </a:solidFill>
@@ -6857,7 +7033,7 @@
                 <a:t>Deliverable</a:t>
               </a:r>
               <a:r>
-                <a:rPr>
+                <a:rPr dirty="0">
                   <a:solidFill>
                     <a:srgbClr val="FFFFFF"/>
                   </a:solidFill>
@@ -6865,12 +7041,36 @@
                 <a:t> </a:t>
               </a:r>
               <a:r>
-                <a:rPr>
+                <a:rPr dirty="0">
                   <a:solidFill>
                     <a:srgbClr val="DDDDDD"/>
                   </a:solidFill>
                 </a:rPr>
-                <a:t>consist of visitor recognition functionality, dynamic content, successful stories and corresponding courses.</a:t>
+                <a:t>consist of visitor recognition functionality, dynamic content, </a:t>
+              </a:r>
+              <a:r>
+                <a:rPr lang="en-NZ" dirty="0" smtClean="0">
+                  <a:solidFill>
+                    <a:srgbClr val="DDDDDD"/>
+                  </a:solidFill>
+                </a:rPr>
+                <a:t>	</a:t>
+              </a:r>
+              <a:r>
+                <a:rPr dirty="0" smtClean="0">
+                  <a:solidFill>
+                    <a:srgbClr val="DDDDDD"/>
+                  </a:solidFill>
+                </a:rPr>
+                <a:t>successful </a:t>
+              </a:r>
+              <a:r>
+                <a:rPr dirty="0">
+                  <a:solidFill>
+                    <a:srgbClr val="DDDDDD"/>
+                  </a:solidFill>
+                </a:rPr>
+                <a:t>stories and corresponding courses.</a:t>
               </a:r>
             </a:p>
           </p:txBody>
@@ -6881,12 +7081,12 @@
   <p:clrMapOvr>
     <a:masterClrMapping/>
   </p:clrMapOvr>
-  <p:transition spd="med" advClick="1"/>
+  <p:transition spd="med"/>
 </p:sld>
 </file>
 
 <file path=ppt/slides/slide11.xml><?xml version="1.0" encoding="utf-8"?>
-<p:sld xmlns:a="http://schemas.openxmlformats.org/drawingml/2006/main" xmlns:r="http://schemas.openxmlformats.org/officeDocument/2006/relationships" xmlns:p="http://schemas.openxmlformats.org/presentationml/2006/main" showMasterSp="1" showMasterPhAnim="1">
+<p:sld xmlns:a="http://schemas.openxmlformats.org/drawingml/2006/main" xmlns:r="http://schemas.openxmlformats.org/officeDocument/2006/relationships" xmlns:p="http://schemas.openxmlformats.org/presentationml/2006/main">
   <p:cSld>
     <p:spTree>
       <p:nvGrpSpPr>
@@ -6905,7 +7105,9 @@
       <p:sp>
         <p:nvSpPr>
           <p:cNvPr id="188" name="Shape 188"/>
-          <p:cNvSpPr/>
+          <p:cNvSpPr>
+            <a:spLocks noGrp="1"/>
+          </p:cNvSpPr>
           <p:nvPr>
             <p:ph type="title"/>
           </p:nvPr>
@@ -6962,7 +7164,7 @@
           </a:ln>
           <a:extLst>
             <a:ext uri="{C572A759-6A51-4108-AA02-DFA0A04FC94B}">
-              <ma14:wrappingTextBoxFlag xmlns:ma14="http://schemas.microsoft.com/office/mac/drawingml/2011/main" val="1"/>
+              <ma14:wrappingTextBoxFlag xmlns="" xmlns:ma14="http://schemas.microsoft.com/office/mac/drawingml/2011/main" val="1"/>
             </a:ext>
           </a:extLst>
         </p:spPr>
@@ -6973,9 +7175,11 @@
           <a:lstStyle/>
           <a:p>
             <a:pPr lvl="0"/>
+            <a:endParaRPr/>
           </a:p>
           <a:p>
             <a:pPr lvl="0"/>
+            <a:endParaRPr/>
           </a:p>
         </p:txBody>
       </p:sp>
@@ -7020,7 +7224,7 @@
               <a:bevel/>
             </a:ln>
             <a:effectLst>
-              <a:outerShdw sx="100000" sy="100000" kx="0" ky="0" algn="b" rotWithShape="0" blurRad="38100" dist="25400" dir="6600000">
+              <a:outerShdw blurRad="38100" dist="25400" dir="6600000" rotWithShape="0">
                 <a:srgbClr val="000000">
                   <a:alpha val="75000"/>
                 </a:srgbClr>
@@ -7040,6 +7244,7 @@
                   </a:solidFill>
                 </a:defRPr>
               </a:pPr>
+              <a:endParaRPr/>
             </a:p>
           </p:txBody>
         </p:sp>
@@ -7065,7 +7270,7 @@
             <a:effectLst/>
             <a:extLst>
               <a:ext uri="{C572A759-6A51-4108-AA02-DFA0A04FC94B}">
-                <ma14:wrappingTextBoxFlag xmlns:ma14="http://schemas.microsoft.com/office/mac/drawingml/2011/main" val="1"/>
+                <ma14:wrappingTextBoxFlag xmlns="" xmlns:ma14="http://schemas.microsoft.com/office/mac/drawingml/2011/main" val="1"/>
               </a:ext>
             </a:extLst>
           </p:spPr>
@@ -7077,22 +7282,17 @@
             <a:p>
               <a:pPr lvl="0"/>
               <a:r>
-                <a:rPr b="1" sz="2200">
+                <a:rPr sz="2200" b="1" dirty="0">
                   <a:solidFill>
                     <a:srgbClr val="FFFFFF"/>
                   </a:solidFill>
                 </a:rPr>
                 <a:t>Sprint 3</a:t>
               </a:r>
-              <a:endParaRPr b="1" sz="2200">
-                <a:solidFill>
-                  <a:srgbClr val="FFFFFF"/>
-                </a:solidFill>
-              </a:endParaRPr>
             </a:p>
             <a:p>
               <a:pPr lvl="0"/>
-              <a:endParaRPr b="1" sz="2200">
+              <a:endParaRPr sz="2200" b="1" dirty="0">
                 <a:solidFill>
                   <a:srgbClr val="FFFFFF"/>
                 </a:solidFill>
@@ -7101,22 +7301,41 @@
             <a:p>
               <a:pPr lvl="1"/>
               <a:r>
-                <a:rPr>
+                <a:rPr dirty="0">
                   <a:solidFill>
                     <a:srgbClr val="DDDDDD"/>
                   </a:solidFill>
                 </a:rPr>
-                <a:t>On-line help desk, shopping cart, and other potential customer requirements. According to the customer, these functionalities need further discussion. </a:t>
+                <a:t>On-line help desk, shopping cart, and other potential customer requirements. </a:t>
               </a:r>
-              <a:endParaRPr>
-                <a:solidFill>
-                  <a:srgbClr val="DDDDDD"/>
-                </a:solidFill>
-              </a:endParaRPr>
+              <a:r>
+                <a:rPr lang="en-NZ" dirty="0" smtClean="0">
+                  <a:solidFill>
+                    <a:srgbClr val="DDDDDD"/>
+                  </a:solidFill>
+                </a:rPr>
+                <a:t>	</a:t>
+              </a:r>
+              <a:r>
+                <a:rPr dirty="0" smtClean="0">
+                  <a:solidFill>
+                    <a:srgbClr val="DDDDDD"/>
+                  </a:solidFill>
+                </a:rPr>
+                <a:t>According </a:t>
+              </a:r>
+              <a:r>
+                <a:rPr dirty="0">
+                  <a:solidFill>
+                    <a:srgbClr val="DDDDDD"/>
+                  </a:solidFill>
+                </a:rPr>
+                <a:t>to the customer, these functionalities need further discussion. </a:t>
+              </a:r>
             </a:p>
             <a:p>
               <a:pPr lvl="1"/>
-              <a:endParaRPr>
+              <a:endParaRPr dirty="0">
                 <a:solidFill>
                   <a:srgbClr val="DDDDDD"/>
                 </a:solidFill>
@@ -7125,22 +7344,17 @@
             <a:p>
               <a:pPr lvl="1"/>
               <a:r>
-                <a:rPr>
+                <a:rPr dirty="0">
                   <a:solidFill>
                     <a:srgbClr val="DDDDDD"/>
                   </a:solidFill>
                 </a:rPr>
                 <a:t>Refinement of product backlog will be done along while project on-going. </a:t>
               </a:r>
-              <a:endParaRPr>
-                <a:solidFill>
-                  <a:srgbClr val="DDDDDD"/>
-                </a:solidFill>
-              </a:endParaRPr>
             </a:p>
             <a:p>
               <a:pPr lvl="1"/>
-              <a:endParaRPr>
+              <a:endParaRPr dirty="0">
                 <a:solidFill>
                   <a:srgbClr val="DDDDDD"/>
                 </a:solidFill>
@@ -7149,7 +7363,7 @@
             <a:p>
               <a:pPr lvl="1"/>
               <a:r>
-                <a:rPr b="1" sz="2000">
+                <a:rPr sz="2000" b="1" dirty="0">
                   <a:solidFill>
                     <a:srgbClr val="FFFFFF"/>
                   </a:solidFill>
@@ -7157,7 +7371,7 @@
                 <a:t>Deliverable</a:t>
               </a:r>
               <a:r>
-                <a:rPr>
+                <a:rPr dirty="0">
                   <a:solidFill>
                     <a:srgbClr val="FFFFFF"/>
                   </a:solidFill>
@@ -7165,7 +7379,7 @@
                 <a:t> </a:t>
               </a:r>
               <a:r>
-                <a:rPr>
+                <a:rPr dirty="0">
                   <a:solidFill>
                     <a:srgbClr val="DDDDDD"/>
                   </a:solidFill>
@@ -7181,12 +7395,12 @@
   <p:clrMapOvr>
     <a:masterClrMapping/>
   </p:clrMapOvr>
-  <p:transition spd="med" advClick="1"/>
+  <p:transition spd="med"/>
 </p:sld>
 </file>
 
 <file path=ppt/slides/slide12.xml><?xml version="1.0" encoding="utf-8"?>
-<p:sld xmlns:a="http://schemas.openxmlformats.org/drawingml/2006/main" xmlns:r="http://schemas.openxmlformats.org/officeDocument/2006/relationships" xmlns:p="http://schemas.openxmlformats.org/presentationml/2006/main" showMasterSp="1" showMasterPhAnim="1">
+<p:sld xmlns:a="http://schemas.openxmlformats.org/drawingml/2006/main" xmlns:r="http://schemas.openxmlformats.org/officeDocument/2006/relationships" xmlns:p="http://schemas.openxmlformats.org/presentationml/2006/main">
   <p:cSld>
     <p:spTree>
       <p:nvGrpSpPr>
@@ -7205,7 +7419,9 @@
       <p:sp>
         <p:nvSpPr>
           <p:cNvPr id="194" name="Shape 194"/>
-          <p:cNvSpPr/>
+          <p:cNvSpPr>
+            <a:spLocks noGrp="1"/>
+          </p:cNvSpPr>
           <p:nvPr>
             <p:ph type="title"/>
           </p:nvPr>
@@ -7262,7 +7478,7 @@
           </a:ln>
           <a:extLst>
             <a:ext uri="{C572A759-6A51-4108-AA02-DFA0A04FC94B}">
-              <ma14:wrappingTextBoxFlag xmlns:ma14="http://schemas.microsoft.com/office/mac/drawingml/2011/main" val="1"/>
+              <ma14:wrappingTextBoxFlag xmlns="" xmlns:ma14="http://schemas.microsoft.com/office/mac/drawingml/2011/main" val="1"/>
             </a:ext>
           </a:extLst>
         </p:spPr>
@@ -7273,9 +7489,11 @@
           <a:lstStyle/>
           <a:p>
             <a:pPr lvl="0"/>
+            <a:endParaRPr/>
           </a:p>
           <a:p>
             <a:pPr lvl="0"/>
+            <a:endParaRPr/>
           </a:p>
         </p:txBody>
       </p:sp>
@@ -7320,7 +7538,7 @@
               <a:bevel/>
             </a:ln>
             <a:effectLst>
-              <a:outerShdw sx="100000" sy="100000" kx="0" ky="0" algn="b" rotWithShape="0" blurRad="38100" dist="25400" dir="6600000">
+              <a:outerShdw blurRad="38100" dist="25400" dir="6600000" rotWithShape="0">
                 <a:srgbClr val="000000">
                   <a:alpha val="75000"/>
                 </a:srgbClr>
@@ -7340,6 +7558,7 @@
                   </a:solidFill>
                 </a:defRPr>
               </a:pPr>
+              <a:endParaRPr/>
             </a:p>
           </p:txBody>
         </p:sp>
@@ -7365,7 +7584,7 @@
             <a:effectLst/>
             <a:extLst>
               <a:ext uri="{C572A759-6A51-4108-AA02-DFA0A04FC94B}">
-                <ma14:wrappingTextBoxFlag xmlns:ma14="http://schemas.microsoft.com/office/mac/drawingml/2011/main" val="1"/>
+                <ma14:wrappingTextBoxFlag xmlns="" xmlns:ma14="http://schemas.microsoft.com/office/mac/drawingml/2011/main" val="1"/>
               </a:ext>
             </a:extLst>
           </p:spPr>
@@ -7377,22 +7596,17 @@
             <a:p>
               <a:pPr lvl="0"/>
               <a:r>
-                <a:rPr b="1" sz="2200">
+                <a:rPr sz="2200" b="1" dirty="0">
                   <a:solidFill>
                     <a:srgbClr val="FFFFFF"/>
                   </a:solidFill>
                 </a:rPr>
                 <a:t>Software Testing</a:t>
               </a:r>
-              <a:endParaRPr b="1" sz="2200">
-                <a:solidFill>
-                  <a:srgbClr val="FFFFFF"/>
-                </a:solidFill>
-              </a:endParaRPr>
             </a:p>
             <a:p>
               <a:pPr lvl="0"/>
-              <a:endParaRPr b="1" sz="2200">
+              <a:endParaRPr sz="2200" b="1" dirty="0">
                 <a:solidFill>
                   <a:srgbClr val="FFFFFF"/>
                 </a:solidFill>
@@ -7401,22 +7615,17 @@
             <a:p>
               <a:pPr lvl="1"/>
               <a:r>
-                <a:rPr>
+                <a:rPr dirty="0">
                   <a:solidFill>
                     <a:srgbClr val="DDDDDD"/>
                   </a:solidFill>
                 </a:rPr>
                 <a:t>Test scenarios will be designed and test cases will be executed within each sprint.  </a:t>
               </a:r>
-              <a:endParaRPr>
-                <a:solidFill>
-                  <a:srgbClr val="DDDDDD"/>
-                </a:solidFill>
-              </a:endParaRPr>
             </a:p>
             <a:p>
               <a:pPr lvl="1"/>
-              <a:endParaRPr>
+              <a:endParaRPr dirty="0">
                 <a:solidFill>
                   <a:srgbClr val="DDDDDD"/>
                 </a:solidFill>
@@ -7425,22 +7634,41 @@
             <a:p>
               <a:pPr lvl="1"/>
               <a:r>
-                <a:rPr>
+                <a:rPr dirty="0">
                   <a:solidFill>
                     <a:srgbClr val="DDDDDD"/>
                   </a:solidFill>
                 </a:rPr>
-                <a:t>Including unit testing, integration testing, system testing and customer acceptance tests.</a:t>
+                <a:t>Including unit testing, integration testing, system testing and customer acceptance </a:t>
               </a:r>
-              <a:endParaRPr>
-                <a:solidFill>
-                  <a:srgbClr val="DDDDDD"/>
-                </a:solidFill>
-              </a:endParaRPr>
+              <a:r>
+                <a:rPr lang="en-NZ" dirty="0" smtClean="0">
+                  <a:solidFill>
+                    <a:srgbClr val="DDDDDD"/>
+                  </a:solidFill>
+                </a:rPr>
+                <a:t>	</a:t>
+              </a:r>
+              <a:r>
+                <a:rPr dirty="0" smtClean="0">
+                  <a:solidFill>
+                    <a:srgbClr val="DDDDDD"/>
+                  </a:solidFill>
+                </a:rPr>
+                <a:t>tests</a:t>
+              </a:r>
+              <a:r>
+                <a:rPr dirty="0">
+                  <a:solidFill>
+                    <a:srgbClr val="DDDDDD"/>
+                  </a:solidFill>
+                </a:rPr>
+                <a:t>.</a:t>
+              </a:r>
             </a:p>
             <a:p>
               <a:pPr lvl="1"/>
-              <a:endParaRPr>
+              <a:endParaRPr dirty="0">
                 <a:solidFill>
                   <a:srgbClr val="DDDDDD"/>
                 </a:solidFill>
@@ -7449,7 +7677,7 @@
             <a:p>
               <a:pPr lvl="1"/>
               <a:r>
-                <a:rPr b="1" sz="2000">
+                <a:rPr sz="2000" b="1" dirty="0">
                   <a:solidFill>
                     <a:srgbClr val="FFFFFF"/>
                   </a:solidFill>
@@ -7457,7 +7685,7 @@
                 <a:t>Deliverable</a:t>
               </a:r>
               <a:r>
-                <a:rPr>
+                <a:rPr dirty="0">
                   <a:solidFill>
                     <a:srgbClr val="FFFFFF"/>
                   </a:solidFill>
@@ -7465,7 +7693,7 @@
                 <a:t> </a:t>
               </a:r>
               <a:r>
-                <a:rPr>
+                <a:rPr dirty="0">
                   <a:solidFill>
                     <a:srgbClr val="DDDDDD"/>
                   </a:solidFill>
@@ -7481,12 +7709,12 @@
   <p:clrMapOvr>
     <a:masterClrMapping/>
   </p:clrMapOvr>
-  <p:transition spd="med" advClick="1"/>
+  <p:transition spd="med"/>
 </p:sld>
 </file>
 
 <file path=ppt/slides/slide13.xml><?xml version="1.0" encoding="utf-8"?>
-<p:sld xmlns:a="http://schemas.openxmlformats.org/drawingml/2006/main" xmlns:r="http://schemas.openxmlformats.org/officeDocument/2006/relationships" xmlns:p="http://schemas.openxmlformats.org/presentationml/2006/main" showMasterSp="1" showMasterPhAnim="1">
+<p:sld xmlns:a="http://schemas.openxmlformats.org/drawingml/2006/main" xmlns:r="http://schemas.openxmlformats.org/officeDocument/2006/relationships" xmlns:p="http://schemas.openxmlformats.org/presentationml/2006/main">
   <p:cSld>
     <p:spTree>
       <p:nvGrpSpPr>
@@ -7505,7 +7733,9 @@
       <p:sp>
         <p:nvSpPr>
           <p:cNvPr id="200" name="Shape 200"/>
-          <p:cNvSpPr/>
+          <p:cNvSpPr>
+            <a:spLocks noGrp="1"/>
+          </p:cNvSpPr>
           <p:nvPr>
             <p:ph type="title"/>
           </p:nvPr>
@@ -7562,7 +7792,7 @@
           </a:ln>
           <a:extLst>
             <a:ext uri="{C572A759-6A51-4108-AA02-DFA0A04FC94B}">
-              <ma14:wrappingTextBoxFlag xmlns:ma14="http://schemas.microsoft.com/office/mac/drawingml/2011/main" val="1"/>
+              <ma14:wrappingTextBoxFlag xmlns="" xmlns:ma14="http://schemas.microsoft.com/office/mac/drawingml/2011/main" val="1"/>
             </a:ext>
           </a:extLst>
         </p:spPr>
@@ -7573,9 +7803,11 @@
           <a:lstStyle/>
           <a:p>
             <a:pPr lvl="0"/>
+            <a:endParaRPr/>
           </a:p>
           <a:p>
             <a:pPr lvl="0"/>
+            <a:endParaRPr/>
           </a:p>
         </p:txBody>
       </p:sp>
@@ -7620,7 +7852,7 @@
               <a:bevel/>
             </a:ln>
             <a:effectLst>
-              <a:outerShdw sx="100000" sy="100000" kx="0" ky="0" algn="b" rotWithShape="0" blurRad="38100" dist="25400" dir="6600000">
+              <a:outerShdw blurRad="38100" dist="25400" dir="6600000" rotWithShape="0">
                 <a:srgbClr val="000000">
                   <a:alpha val="75000"/>
                 </a:srgbClr>
@@ -7640,6 +7872,7 @@
                   </a:solidFill>
                 </a:defRPr>
               </a:pPr>
+              <a:endParaRPr/>
             </a:p>
           </p:txBody>
         </p:sp>
@@ -7665,7 +7898,7 @@
             <a:effectLst/>
             <a:extLst>
               <a:ext uri="{C572A759-6A51-4108-AA02-DFA0A04FC94B}">
-                <ma14:wrappingTextBoxFlag xmlns:ma14="http://schemas.microsoft.com/office/mac/drawingml/2011/main" val="1"/>
+                <ma14:wrappingTextBoxFlag xmlns="" xmlns:ma14="http://schemas.microsoft.com/office/mac/drawingml/2011/main" val="1"/>
               </a:ext>
             </a:extLst>
           </p:spPr>
@@ -7677,22 +7910,17 @@
             <a:p>
               <a:pPr lvl="0"/>
               <a:r>
-                <a:rPr b="1" sz="2200">
+                <a:rPr sz="2200" b="1" dirty="0">
                   <a:solidFill>
                     <a:srgbClr val="FFFFFF"/>
                   </a:solidFill>
                 </a:rPr>
                 <a:t>Defect Management</a:t>
               </a:r>
-              <a:endParaRPr b="1" sz="2200">
-                <a:solidFill>
-                  <a:srgbClr val="FFFFFF"/>
-                </a:solidFill>
-              </a:endParaRPr>
             </a:p>
             <a:p>
               <a:pPr lvl="0"/>
-              <a:endParaRPr b="1" sz="2200">
+              <a:endParaRPr sz="2200" b="1" dirty="0">
                 <a:solidFill>
                   <a:srgbClr val="FFFFFF"/>
                 </a:solidFill>
@@ -7701,22 +7929,41 @@
             <a:p>
               <a:pPr lvl="2" indent="457200"/>
               <a:r>
-                <a:rPr>
+                <a:rPr dirty="0">
                   <a:solidFill>
                     <a:srgbClr val="DDDDDD"/>
                   </a:solidFill>
                 </a:rPr>
-                <a:t>Defect management tool will be used on demands. Defects will be labelled with 3 levels of severity: </a:t>
+                <a:t>Defect management tool will be used on demands. Defects will be labelled with 3 </a:t>
               </a:r>
-              <a:endParaRPr>
-                <a:solidFill>
-                  <a:srgbClr val="DDDDDD"/>
-                </a:solidFill>
-              </a:endParaRPr>
+              <a:r>
+                <a:rPr lang="en-NZ" dirty="0" smtClean="0">
+                  <a:solidFill>
+                    <a:srgbClr val="DDDDDD"/>
+                  </a:solidFill>
+                </a:rPr>
+                <a:t>	</a:t>
+              </a:r>
+              <a:r>
+                <a:rPr dirty="0" smtClean="0">
+                  <a:solidFill>
+                    <a:srgbClr val="DDDDDD"/>
+                  </a:solidFill>
+                </a:rPr>
+                <a:t>levels </a:t>
+              </a:r>
+              <a:r>
+                <a:rPr dirty="0">
+                  <a:solidFill>
+                    <a:srgbClr val="DDDDDD"/>
+                  </a:solidFill>
+                </a:rPr>
+                <a:t>of severity: </a:t>
+              </a:r>
             </a:p>
             <a:p>
               <a:pPr lvl="1" indent="228600"/>
-              <a:endParaRPr>
+              <a:endParaRPr dirty="0">
                 <a:solidFill>
                   <a:srgbClr val="DDDDDD"/>
                 </a:solidFill>
@@ -7725,7 +7972,7 @@
             <a:p>
               <a:pPr lvl="2" indent="457200"/>
               <a:r>
-                <a:rPr b="1" sz="2000">
+                <a:rPr sz="2000" b="1" dirty="0">
                   <a:solidFill>
                     <a:srgbClr val="FFFFFF"/>
                   </a:solidFill>
@@ -7733,23 +7980,18 @@
                 <a:t>Critical</a:t>
               </a:r>
               <a:r>
-                <a:rPr>
+                <a:rPr dirty="0">
                   <a:solidFill>
                     <a:srgbClr val="DDDDDD"/>
                   </a:solidFill>
                 </a:rPr>
                 <a:t> – system clash, module level failure, infrastructure failure, etc.</a:t>
               </a:r>
-              <a:endParaRPr>
-                <a:solidFill>
-                  <a:srgbClr val="DDDDDD"/>
-                </a:solidFill>
-              </a:endParaRPr>
             </a:p>
             <a:p>
               <a:pPr lvl="2" indent="457200"/>
               <a:r>
-                <a:rPr b="1" sz="2000">
+                <a:rPr sz="2000" b="1" dirty="0">
                   <a:solidFill>
                     <a:srgbClr val="FFFFFF"/>
                   </a:solidFill>
@@ -7757,23 +7999,34 @@
                 <a:t>Major</a:t>
               </a:r>
               <a:r>
-                <a:rPr>
+                <a:rPr dirty="0">
                   <a:solidFill>
                     <a:srgbClr val="DDDDDD"/>
                   </a:solidFill>
                 </a:rPr>
-                <a:t> – functional misbehaviour, missing functionality, etc.</a:t>
+                <a:t> – functional </a:t>
               </a:r>
-              <a:endParaRPr>
-                <a:solidFill>
-                  <a:srgbClr val="DDDDDD"/>
-                </a:solidFill>
-              </a:endParaRPr>
+              <a:r>
+                <a:rPr dirty="0" smtClean="0">
+                  <a:solidFill>
+                    <a:srgbClr val="DDDDDD"/>
+                  </a:solidFill>
+                </a:rPr>
+                <a:t>misbehavior, </a:t>
+              </a:r>
+              <a:r>
+                <a:rPr dirty="0">
+                  <a:solidFill>
+                    <a:srgbClr val="DDDDDD"/>
+                  </a:solidFill>
+                </a:rPr>
+                <a:t>missing functionality, etc.</a:t>
+              </a:r>
             </a:p>
             <a:p>
               <a:pPr lvl="2" indent="457200"/>
               <a:r>
-                <a:rPr b="1" sz="2000">
+                <a:rPr sz="2000" b="1" dirty="0">
                   <a:solidFill>
                     <a:srgbClr val="FFFFFF"/>
                   </a:solidFill>
@@ -7781,7 +8034,7 @@
                 <a:t>Minor</a:t>
               </a:r>
               <a:r>
-                <a:rPr>
+                <a:rPr dirty="0">
                   <a:solidFill>
                     <a:srgbClr val="DDDDDD"/>
                   </a:solidFill>
@@ -7797,12 +8050,12 @@
   <p:clrMapOvr>
     <a:masterClrMapping/>
   </p:clrMapOvr>
-  <p:transition spd="med" advClick="1"/>
+  <p:transition spd="med"/>
 </p:sld>
 </file>
 
 <file path=ppt/slides/slide14.xml><?xml version="1.0" encoding="utf-8"?>
-<p:sld xmlns:a="http://schemas.openxmlformats.org/drawingml/2006/main" xmlns:r="http://schemas.openxmlformats.org/officeDocument/2006/relationships" xmlns:p="http://schemas.openxmlformats.org/presentationml/2006/main" showMasterSp="1" showMasterPhAnim="1">
+<p:sld xmlns:a="http://schemas.openxmlformats.org/drawingml/2006/main" xmlns:r="http://schemas.openxmlformats.org/officeDocument/2006/relationships" xmlns:p="http://schemas.openxmlformats.org/presentationml/2006/main">
   <p:cSld>
     <p:spTree>
       <p:nvGrpSpPr>
@@ -7821,7 +8074,9 @@
       <p:sp>
         <p:nvSpPr>
           <p:cNvPr id="206" name="Shape 206"/>
-          <p:cNvSpPr/>
+          <p:cNvSpPr>
+            <a:spLocks noGrp="1"/>
+          </p:cNvSpPr>
           <p:nvPr>
             <p:ph type="title"/>
           </p:nvPr>
@@ -7878,7 +8133,7 @@
           </a:ln>
           <a:extLst>
             <a:ext uri="{C572A759-6A51-4108-AA02-DFA0A04FC94B}">
-              <ma14:wrappingTextBoxFlag xmlns:ma14="http://schemas.microsoft.com/office/mac/drawingml/2011/main" val="1"/>
+              <ma14:wrappingTextBoxFlag xmlns="" xmlns:ma14="http://schemas.microsoft.com/office/mac/drawingml/2011/main" val="1"/>
             </a:ext>
           </a:extLst>
         </p:spPr>
@@ -7889,9 +8144,11 @@
           <a:lstStyle/>
           <a:p>
             <a:pPr lvl="0"/>
+            <a:endParaRPr/>
           </a:p>
           <a:p>
             <a:pPr lvl="0"/>
+            <a:endParaRPr/>
           </a:p>
         </p:txBody>
       </p:sp>
@@ -7936,7 +8193,7 @@
               <a:bevel/>
             </a:ln>
             <a:effectLst>
-              <a:outerShdw sx="100000" sy="100000" kx="0" ky="0" algn="b" rotWithShape="0" blurRad="38100" dist="25400" dir="6600000">
+              <a:outerShdw blurRad="38100" dist="25400" dir="6600000" rotWithShape="0">
                 <a:srgbClr val="000000">
                   <a:alpha val="75000"/>
                 </a:srgbClr>
@@ -7956,6 +8213,7 @@
                   </a:solidFill>
                 </a:defRPr>
               </a:pPr>
+              <a:endParaRPr/>
             </a:p>
           </p:txBody>
         </p:sp>
@@ -7981,7 +8239,7 @@
             <a:effectLst/>
             <a:extLst>
               <a:ext uri="{C572A759-6A51-4108-AA02-DFA0A04FC94B}">
-                <ma14:wrappingTextBoxFlag xmlns:ma14="http://schemas.microsoft.com/office/mac/drawingml/2011/main" val="1"/>
+                <ma14:wrappingTextBoxFlag xmlns="" xmlns:ma14="http://schemas.microsoft.com/office/mac/drawingml/2011/main" val="1"/>
               </a:ext>
             </a:extLst>
           </p:spPr>
@@ -7993,29 +8251,24 @@
             <a:p>
               <a:pPr lvl="0"/>
               <a:r>
-                <a:rPr b="1" sz="2200">
+                <a:rPr sz="2200" b="1">
                   <a:solidFill>
                     <a:srgbClr val="FFFFFF"/>
                   </a:solidFill>
                 </a:rPr>
                 <a:t>Software Release</a:t>
               </a:r>
-              <a:endParaRPr b="1" sz="2200">
+            </a:p>
+            <a:p>
+              <a:pPr lvl="0"/>
+              <a:endParaRPr sz="2200" b="1">
                 <a:solidFill>
                   <a:srgbClr val="FFFFFF"/>
                 </a:solidFill>
               </a:endParaRPr>
             </a:p>
             <a:p>
-              <a:pPr lvl="0"/>
-              <a:endParaRPr b="1" sz="2200">
-                <a:solidFill>
-                  <a:srgbClr val="FFFFFF"/>
-                </a:solidFill>
-              </a:endParaRPr>
-            </a:p>
-            <a:p>
-              <a:pPr lvl="1" marL="561473" indent="-180473">
+              <a:pPr marL="561473" lvl="1" indent="-180473">
                 <a:buSzPct val="100000"/>
                 <a:buChar char="•"/>
               </a:pPr>
@@ -8025,24 +8278,11 @@
                     <a:srgbClr val="DDDDDD"/>
                   </a:solidFill>
                 </a:rPr>
-                <a:t>System will be bundled as </a:t>
+                <a:t>System will be bundled as deployable</a:t>
               </a:r>
-              <a:r>
-                <a:rPr>
-                  <a:solidFill>
-                    <a:srgbClr val="DDDDDD"/>
-                  </a:solidFill>
-                </a:rPr>
-                <a:t>deployable</a:t>
-              </a:r>
-              <a:endParaRPr>
-                <a:solidFill>
-                  <a:srgbClr val="DDDDDD"/>
-                </a:solidFill>
-              </a:endParaRPr>
             </a:p>
             <a:p>
-              <a:pPr lvl="1" marL="561473" indent="-180473">
+              <a:pPr marL="561473" lvl="1" indent="-180473">
                 <a:buSzPct val="100000"/>
                 <a:buChar char="•"/>
               </a:pPr>
@@ -8054,14 +8294,9 @@
                 </a:rPr>
                 <a:t>Design documents</a:t>
               </a:r>
-              <a:endParaRPr>
-                <a:solidFill>
-                  <a:srgbClr val="DDDDDD"/>
-                </a:solidFill>
-              </a:endParaRPr>
             </a:p>
             <a:p>
-              <a:pPr lvl="1" marL="561473" indent="-180473">
+              <a:pPr marL="561473" lvl="1" indent="-180473">
                 <a:buSzPct val="100000"/>
                 <a:buChar char="•"/>
               </a:pPr>
@@ -8073,14 +8308,9 @@
                 </a:rPr>
                 <a:t>Test reports</a:t>
               </a:r>
-              <a:endParaRPr>
-                <a:solidFill>
-                  <a:srgbClr val="DDDDDD"/>
-                </a:solidFill>
-              </a:endParaRPr>
             </a:p>
             <a:p>
-              <a:pPr lvl="1" marL="561473" indent="-180473">
+              <a:pPr marL="561473" lvl="1" indent="-180473">
                 <a:buSzPct val="100000"/>
                 <a:buChar char="•"/>
               </a:pPr>
@@ -8092,14 +8322,9 @@
                 </a:rPr>
                 <a:t>Installation guide</a:t>
               </a:r>
-              <a:endParaRPr>
-                <a:solidFill>
-                  <a:srgbClr val="DDDDDD"/>
-                </a:solidFill>
-              </a:endParaRPr>
             </a:p>
             <a:p>
-              <a:pPr lvl="1" marL="561473" indent="-180473">
+              <a:pPr marL="561473" lvl="1" indent="-180473">
                 <a:buSzPct val="100000"/>
                 <a:buChar char="•"/>
               </a:pPr>
@@ -8120,12 +8345,12 @@
   <p:clrMapOvr>
     <a:masterClrMapping/>
   </p:clrMapOvr>
-  <p:transition spd="med" advClick="1"/>
+  <p:transition spd="med"/>
 </p:sld>
 </file>
 
 <file path=ppt/slides/slide15.xml><?xml version="1.0" encoding="utf-8"?>
-<p:sld xmlns:a="http://schemas.openxmlformats.org/drawingml/2006/main" xmlns:r="http://schemas.openxmlformats.org/officeDocument/2006/relationships" xmlns:p="http://schemas.openxmlformats.org/presentationml/2006/main" showMasterSp="1" showMasterPhAnim="1">
+<p:sld xmlns:a="http://schemas.openxmlformats.org/drawingml/2006/main" xmlns:r="http://schemas.openxmlformats.org/officeDocument/2006/relationships" xmlns:p="http://schemas.openxmlformats.org/presentationml/2006/main">
   <p:cSld>
     <p:spTree>
       <p:nvGrpSpPr>
@@ -8144,7 +8369,9 @@
       <p:sp>
         <p:nvSpPr>
           <p:cNvPr id="212" name="Shape 212"/>
-          <p:cNvSpPr/>
+          <p:cNvSpPr>
+            <a:spLocks noGrp="1"/>
+          </p:cNvSpPr>
           <p:nvPr>
             <p:ph type="title"/>
           </p:nvPr>
@@ -8201,7 +8428,7 @@
           </a:ln>
           <a:extLst>
             <a:ext uri="{C572A759-6A51-4108-AA02-DFA0A04FC94B}">
-              <ma14:wrappingTextBoxFlag xmlns:ma14="http://schemas.microsoft.com/office/mac/drawingml/2011/main" val="1"/>
+              <ma14:wrappingTextBoxFlag xmlns="" xmlns:ma14="http://schemas.microsoft.com/office/mac/drawingml/2011/main" val="1"/>
             </a:ext>
           </a:extLst>
         </p:spPr>
@@ -8213,13 +8440,12 @@
           <a:p>
             <a:pPr lvl="0"/>
             <a:r>
-              <a:rPr b="1" sz="2400"/>
+              <a:rPr sz="2400" b="1"/>
               <a:t>SeeNowDo</a:t>
             </a:r>
-            <a:endParaRPr b="1" sz="2400"/>
-          </a:p>
-          <a:p>
-            <a:pPr lvl="1" marL="742950" indent="-285750">
+          </a:p>
+          <a:p>
+            <a:pPr marL="742950" lvl="1" indent="-285750">
               <a:buSzPct val="100000"/>
               <a:buFont typeface="Wingdings"/>
               <a:buChar char="❖"/>
@@ -8229,25 +8455,13 @@
             </a:r>
             <a:r>
               <a:rPr>
-                <a:hlinkClick r:id="rId2" invalidUrl="" action="" tgtFrame="" tooltip="" history="1" highlightClick="0" endSnd="0"/>
+                <a:hlinkClick r:id="rId2"/>
               </a:rPr>
-              <a:t>https</a:t>
+              <a:t>https://www.seenowdo.com/pages/login/index.html</a:t>
             </a:r>
-            <a:r>
-              <a:rPr>
-                <a:hlinkClick r:id="rId2" invalidUrl="" action="" tgtFrame="" tooltip="" history="1" highlightClick="0" endSnd="0"/>
-              </a:rPr>
-              <a:t>://</a:t>
-            </a:r>
-            <a:r>
-              <a:rPr>
-                <a:hlinkClick r:id="rId2" invalidUrl="" action="" tgtFrame="" tooltip="" history="1" highlightClick="0" endSnd="0"/>
-              </a:rPr>
-              <a:t>www.seenowdo.com/pages/login/index.html</a:t>
-            </a:r>
-          </a:p>
-          <a:p>
-            <a:pPr lvl="1" marL="742950" indent="-285750">
+          </a:p>
+          <a:p>
+            <a:pPr marL="742950" lvl="1" indent="-285750">
               <a:buSzPct val="100000"/>
               <a:buFont typeface="Wingdings"/>
               <a:buChar char="❖"/>
@@ -8259,10 +8473,9 @@
               <a:rPr b="1"/>
               <a:t>OEE(Android)</a:t>
             </a:r>
-            <a:endParaRPr b="1"/>
-          </a:p>
-          <a:p>
-            <a:pPr lvl="1" marL="742950" indent="-285750">
+          </a:p>
+          <a:p>
+            <a:pPr marL="742950" lvl="1" indent="-285750">
               <a:buSzPct val="100000"/>
               <a:buFont typeface="Wingdings"/>
               <a:buChar char="❖"/>
@@ -8270,7 +8483,7 @@
             <a:endParaRPr b="1"/>
           </a:p>
           <a:p>
-            <a:pPr lvl="1" marL="742950" indent="-285750">
+            <a:pPr marL="742950" lvl="1" indent="-285750">
               <a:buSzPct val="100000"/>
               <a:buFont typeface="Wingdings"/>
               <a:buChar char="❖"/>
@@ -8313,12 +8526,12 @@
   <p:clrMapOvr>
     <a:masterClrMapping/>
   </p:clrMapOvr>
-  <p:transition spd="med" advClick="1"/>
+  <p:transition spd="med"/>
 </p:sld>
 </file>
 
 <file path=ppt/slides/slide16.xml><?xml version="1.0" encoding="utf-8"?>
-<p:sld xmlns:a="http://schemas.openxmlformats.org/drawingml/2006/main" xmlns:r="http://schemas.openxmlformats.org/officeDocument/2006/relationships" xmlns:p="http://schemas.openxmlformats.org/presentationml/2006/main" showMasterSp="1" showMasterPhAnim="1">
+<p:sld xmlns:a="http://schemas.openxmlformats.org/drawingml/2006/main" xmlns:r="http://schemas.openxmlformats.org/officeDocument/2006/relationships" xmlns:p="http://schemas.openxmlformats.org/presentationml/2006/main">
   <p:cSld>
     <p:spTree>
       <p:nvGrpSpPr>
@@ -8337,7 +8550,9 @@
       <p:sp>
         <p:nvSpPr>
           <p:cNvPr id="216" name="Shape 216"/>
-          <p:cNvSpPr/>
+          <p:cNvSpPr>
+            <a:spLocks noGrp="1"/>
+          </p:cNvSpPr>
           <p:nvPr>
             <p:ph type="title"/>
           </p:nvPr>
@@ -8394,7 +8609,7 @@
           </a:ln>
           <a:extLst>
             <a:ext uri="{C572A759-6A51-4108-AA02-DFA0A04FC94B}">
-              <ma14:wrappingTextBoxFlag xmlns:ma14="http://schemas.microsoft.com/office/mac/drawingml/2011/main" val="1"/>
+              <ma14:wrappingTextBoxFlag xmlns="" xmlns:ma14="http://schemas.microsoft.com/office/mac/drawingml/2011/main" val="1"/>
             </a:ext>
           </a:extLst>
         </p:spPr>
@@ -8406,13 +8621,12 @@
           <a:p>
             <a:pPr lvl="0"/>
             <a:r>
-              <a:rPr b="1" sz="2400"/>
+              <a:rPr sz="2400" b="1"/>
               <a:t>SeeNowDo</a:t>
             </a:r>
-            <a:endParaRPr b="1" sz="2400"/>
-          </a:p>
-          <a:p>
-            <a:pPr lvl="1" marL="742950" indent="-285750">
+          </a:p>
+          <a:p>
+            <a:pPr marL="742950" lvl="1" indent="-285750">
               <a:buSzPct val="100000"/>
               <a:buFont typeface="Wingdings"/>
               <a:buChar char="❖"/>
@@ -8420,7 +8634,7 @@
             <a:endParaRPr b="1"/>
           </a:p>
           <a:p>
-            <a:pPr lvl="1" marL="742950" indent="-285750">
+            <a:pPr marL="742950" lvl="1" indent="-285750">
               <a:buSzPct val="100000"/>
               <a:buFont typeface="Wingdings"/>
               <a:buChar char="❖"/>
@@ -8463,12 +8677,12 @@
   <p:clrMapOvr>
     <a:masterClrMapping/>
   </p:clrMapOvr>
-  <p:transition spd="med" advClick="1"/>
+  <p:transition spd="med"/>
 </p:sld>
 </file>
 
 <file path=ppt/slides/slide17.xml><?xml version="1.0" encoding="utf-8"?>
-<p:sld xmlns:a="http://schemas.openxmlformats.org/drawingml/2006/main" xmlns:r="http://schemas.openxmlformats.org/officeDocument/2006/relationships" xmlns:p="http://schemas.openxmlformats.org/presentationml/2006/main" showMasterSp="1" showMasterPhAnim="1">
+<p:sld xmlns:a="http://schemas.openxmlformats.org/drawingml/2006/main" xmlns:r="http://schemas.openxmlformats.org/officeDocument/2006/relationships" xmlns:p="http://schemas.openxmlformats.org/presentationml/2006/main">
   <p:cSld>
     <p:spTree>
       <p:nvGrpSpPr>
@@ -8487,7 +8701,9 @@
       <p:sp>
         <p:nvSpPr>
           <p:cNvPr id="220" name="Shape 220"/>
-          <p:cNvSpPr/>
+          <p:cNvSpPr>
+            <a:spLocks noGrp="1"/>
+          </p:cNvSpPr>
           <p:nvPr>
             <p:ph type="title"/>
           </p:nvPr>
@@ -8544,7 +8760,7 @@
           </a:ln>
           <a:extLst>
             <a:ext uri="{C572A759-6A51-4108-AA02-DFA0A04FC94B}">
-              <ma14:wrappingTextBoxFlag xmlns:ma14="http://schemas.microsoft.com/office/mac/drawingml/2011/main" val="1"/>
+              <ma14:wrappingTextBoxFlag xmlns="" xmlns:ma14="http://schemas.microsoft.com/office/mac/drawingml/2011/main" val="1"/>
             </a:ext>
           </a:extLst>
         </p:spPr>
@@ -8556,13 +8772,12 @@
           <a:p>
             <a:pPr lvl="0"/>
             <a:r>
-              <a:rPr b="1" sz="2400"/>
+              <a:rPr sz="2400" b="1"/>
               <a:t>SeeNowDo</a:t>
             </a:r>
-            <a:endParaRPr b="1" sz="2400"/>
-          </a:p>
-          <a:p>
-            <a:pPr lvl="1" marL="742950" indent="-285750">
+          </a:p>
+          <a:p>
+            <a:pPr marL="742950" lvl="1" indent="-285750">
               <a:buSzPct val="100000"/>
               <a:buFont typeface="Wingdings"/>
               <a:buChar char="❖"/>
@@ -8570,7 +8785,7 @@
             <a:endParaRPr b="1"/>
           </a:p>
           <a:p>
-            <a:pPr lvl="1" marL="742950" indent="-285750">
+            <a:pPr marL="742950" lvl="1" indent="-285750">
               <a:buSzPct val="100000"/>
               <a:buFont typeface="Wingdings"/>
               <a:buChar char="❖"/>
@@ -8613,12 +8828,12 @@
   <p:clrMapOvr>
     <a:masterClrMapping/>
   </p:clrMapOvr>
-  <p:transition spd="med" advClick="1"/>
+  <p:transition spd="med"/>
 </p:sld>
 </file>
 
 <file path=ppt/slides/slide18.xml><?xml version="1.0" encoding="utf-8"?>
-<p:sld xmlns:a="http://schemas.openxmlformats.org/drawingml/2006/main" xmlns:r="http://schemas.openxmlformats.org/officeDocument/2006/relationships" xmlns:p="http://schemas.openxmlformats.org/presentationml/2006/main" showMasterSp="1" showMasterPhAnim="1">
+<p:sld xmlns:a="http://schemas.openxmlformats.org/drawingml/2006/main" xmlns:r="http://schemas.openxmlformats.org/officeDocument/2006/relationships" xmlns:p="http://schemas.openxmlformats.org/presentationml/2006/main">
   <p:cSld>
     <p:spTree>
       <p:nvGrpSpPr>
@@ -8637,7 +8852,9 @@
       <p:sp>
         <p:nvSpPr>
           <p:cNvPr id="224" name="Shape 224"/>
-          <p:cNvSpPr/>
+          <p:cNvSpPr>
+            <a:spLocks noGrp="1"/>
+          </p:cNvSpPr>
           <p:nvPr>
             <p:ph type="title"/>
           </p:nvPr>
@@ -8716,7 +8933,7 @@
               <a:bevel/>
             </a:ln>
             <a:effectLst>
-              <a:outerShdw sx="100000" sy="100000" kx="0" ky="0" algn="b" rotWithShape="0" blurRad="38100" dist="25400" dir="6600000">
+              <a:outerShdw blurRad="38100" dist="25400" dir="6600000" rotWithShape="0">
                 <a:srgbClr val="000000">
                   <a:alpha val="75000"/>
                 </a:srgbClr>
@@ -8736,6 +8953,7 @@
                   </a:solidFill>
                 </a:defRPr>
               </a:pPr>
+              <a:endParaRPr/>
             </a:p>
           </p:txBody>
         </p:sp>
@@ -8761,7 +8979,7 @@
             <a:effectLst/>
             <a:extLst>
               <a:ext uri="{C572A759-6A51-4108-AA02-DFA0A04FC94B}">
-                <ma14:wrappingTextBoxFlag xmlns:ma14="http://schemas.microsoft.com/office/mac/drawingml/2011/main" val="1"/>
+                <ma14:wrappingTextBoxFlag xmlns="" xmlns:ma14="http://schemas.microsoft.com/office/mac/drawingml/2011/main" val="1"/>
               </a:ext>
             </a:extLst>
           </p:spPr>
@@ -8804,11 +9022,6 @@
                 </a:rPr>
                 <a:t>As visitor, when I use mobile devices (phones and pads) to access the website, I want to see that the framework (the header, footer and buttons) of this website is suitable for my using behavior on mobile devices</a:t>
               </a:r>
-              <a:endParaRPr>
-                <a:solidFill>
-                  <a:srgbClr val="FFFFFF"/>
-                </a:solidFill>
-              </a:endParaRPr>
             </a:p>
             <a:p>
               <a:pPr lvl="0"/>
@@ -8829,12 +9042,12 @@
   <p:clrMapOvr>
     <a:masterClrMapping/>
   </p:clrMapOvr>
-  <p:transition spd="med" advClick="1"/>
+  <p:transition spd="med"/>
 </p:sld>
 </file>
 
 <file path=ppt/slides/slide19.xml><?xml version="1.0" encoding="utf-8"?>
-<p:sld xmlns:a="http://schemas.openxmlformats.org/drawingml/2006/main" xmlns:r="http://schemas.openxmlformats.org/officeDocument/2006/relationships" xmlns:p="http://schemas.openxmlformats.org/presentationml/2006/main" showMasterSp="1" showMasterPhAnim="1">
+<p:sld xmlns:a="http://schemas.openxmlformats.org/drawingml/2006/main" xmlns:r="http://schemas.openxmlformats.org/officeDocument/2006/relationships" xmlns:p="http://schemas.openxmlformats.org/presentationml/2006/main">
   <p:cSld>
     <p:spTree>
       <p:nvGrpSpPr>
@@ -8853,7 +9066,9 @@
       <p:sp>
         <p:nvSpPr>
           <p:cNvPr id="229" name="Shape 229"/>
-          <p:cNvSpPr/>
+          <p:cNvSpPr>
+            <a:spLocks noGrp="1"/>
+          </p:cNvSpPr>
           <p:nvPr>
             <p:ph type="title"/>
           </p:nvPr>
@@ -8910,7 +9125,7 @@
           </a:ln>
           <a:extLst>
             <a:ext uri="{C572A759-6A51-4108-AA02-DFA0A04FC94B}">
-              <ma14:wrappingTextBoxFlag xmlns:ma14="http://schemas.microsoft.com/office/mac/drawingml/2011/main" val="1"/>
+              <ma14:wrappingTextBoxFlag xmlns="" xmlns:ma14="http://schemas.microsoft.com/office/mac/drawingml/2011/main" val="1"/>
             </a:ext>
           </a:extLst>
         </p:spPr>
@@ -8986,12 +9201,12 @@
   <p:clrMapOvr>
     <a:masterClrMapping/>
   </p:clrMapOvr>
-  <p:transition spd="med" advClick="1"/>
+  <p:transition spd="med"/>
 </p:sld>
 </file>
 
 <file path=ppt/slides/slide2.xml><?xml version="1.0" encoding="utf-8"?>
-<p:sld xmlns:a="http://schemas.openxmlformats.org/drawingml/2006/main" xmlns:r="http://schemas.openxmlformats.org/officeDocument/2006/relationships" xmlns:p="http://schemas.openxmlformats.org/presentationml/2006/main" showMasterSp="1" showMasterPhAnim="1">
+<p:sld xmlns:a="http://schemas.openxmlformats.org/drawingml/2006/main" xmlns:r="http://schemas.openxmlformats.org/officeDocument/2006/relationships" xmlns:p="http://schemas.openxmlformats.org/presentationml/2006/main">
   <p:cSld>
     <p:spTree>
       <p:nvGrpSpPr>
@@ -9010,7 +9225,9 @@
       <p:sp>
         <p:nvSpPr>
           <p:cNvPr id="153" name="Shape 153"/>
-          <p:cNvSpPr/>
+          <p:cNvSpPr>
+            <a:spLocks noGrp="1"/>
+          </p:cNvSpPr>
           <p:nvPr>
             <p:ph type="title"/>
           </p:nvPr>
@@ -9094,7 +9311,7 @@
               <a:miter lim="400000"/>
             </a:ln>
             <a:effectLst>
-              <a:outerShdw sx="100000" sy="100000" kx="0" ky="0" algn="b" rotWithShape="0" blurRad="38100" dist="25400" dir="6600000">
+              <a:outerShdw blurRad="38100" dist="25400" dir="6600000" rotWithShape="0">
                 <a:srgbClr val="000000">
                   <a:alpha val="75000"/>
                 </a:srgbClr>
@@ -9108,6 +9325,7 @@
             <a:lstStyle/>
             <a:p>
               <a:pPr lvl="0"/>
+              <a:endParaRPr/>
             </a:p>
           </p:txBody>
         </p:sp>
@@ -9133,7 +9351,7 @@
             <a:effectLst/>
             <a:extLst>
               <a:ext uri="{C572A759-6A51-4108-AA02-DFA0A04FC94B}">
-                <ma14:wrappingTextBoxFlag xmlns:ma14="http://schemas.microsoft.com/office/mac/drawingml/2011/main" val="1"/>
+                <ma14:wrappingTextBoxFlag xmlns="" xmlns:ma14="http://schemas.microsoft.com/office/mac/drawingml/2011/main" val="1"/>
               </a:ext>
             </a:extLst>
           </p:spPr>
@@ -9148,10 +9366,9 @@
                 <a:rPr sz="2800"/>
                 <a:t>Agenda</a:t>
               </a:r>
-              <a:endParaRPr sz="2800"/>
             </a:p>
             <a:p>
-              <a:pPr lvl="0" marL="677221" indent="-677221">
+              <a:pPr marL="677221" lvl="0" indent="-677221">
                 <a:buSzPct val="100000"/>
                 <a:buChar char="•"/>
               </a:pPr>
@@ -9159,10 +9376,9 @@
                 <a:rPr sz="5332"/>
                 <a:t>1. Team VEL</a:t>
               </a:r>
-              <a:endParaRPr sz="5332"/>
             </a:p>
             <a:p>
-              <a:pPr lvl="0" marL="677221" indent="-677221">
+              <a:pPr marL="677221" lvl="0" indent="-677221">
                 <a:buSzPct val="100000"/>
                 <a:buChar char="•"/>
               </a:pPr>
@@ -9170,10 +9386,9 @@
                 <a:rPr sz="5332"/>
                 <a:t>2. Product Owner</a:t>
               </a:r>
-              <a:endParaRPr sz="5332"/>
             </a:p>
             <a:p>
-              <a:pPr lvl="0" marL="677221" indent="-677221">
+              <a:pPr marL="677221" lvl="0" indent="-677221">
                 <a:buSzPct val="100000"/>
                 <a:buChar char="•"/>
               </a:pPr>
@@ -9181,10 +9396,9 @@
                 <a:rPr sz="5332"/>
                 <a:t>3. Project Goal &amp; Major Capability</a:t>
               </a:r>
-              <a:endParaRPr sz="5332"/>
             </a:p>
             <a:p>
-              <a:pPr lvl="0" marL="677221" indent="-677221">
+              <a:pPr marL="677221" lvl="0" indent="-677221">
                 <a:buSzPct val="100000"/>
                 <a:buChar char="•"/>
               </a:pPr>
@@ -9192,10 +9406,9 @@
                 <a:rPr sz="5332"/>
                 <a:t>4. Product Backlog</a:t>
               </a:r>
-              <a:endParaRPr sz="5332"/>
             </a:p>
             <a:p>
-              <a:pPr lvl="0" marL="677221" indent="-677221">
+              <a:pPr marL="677221" lvl="0" indent="-677221">
                 <a:buSzPct val="100000"/>
                 <a:buChar char="•"/>
               </a:pPr>
@@ -9203,10 +9416,9 @@
                 <a:rPr sz="5332"/>
                 <a:t>5. Development Plan</a:t>
               </a:r>
-              <a:endParaRPr sz="5332"/>
             </a:p>
             <a:p>
-              <a:pPr lvl="0" marL="677221" indent="-677221">
+              <a:pPr marL="677221" lvl="0" indent="-677221">
                 <a:buSzPct val="100000"/>
                 <a:buChar char="•"/>
               </a:pPr>
@@ -9214,10 +9426,9 @@
                 <a:rPr sz="5332"/>
                 <a:t>6. Scrum PM Tool</a:t>
               </a:r>
-              <a:endParaRPr sz="5332"/>
             </a:p>
             <a:p>
-              <a:pPr lvl="0" marL="677221" indent="-677221">
+              <a:pPr marL="677221" lvl="0" indent="-677221">
                 <a:buSzPct val="100000"/>
                 <a:buChar char="•"/>
               </a:pPr>
@@ -9225,10 +9436,9 @@
                 <a:rPr sz="5332"/>
                 <a:t>7. One User Story</a:t>
               </a:r>
-              <a:endParaRPr sz="5332"/>
             </a:p>
             <a:p>
-              <a:pPr lvl="0" marL="677221" indent="-677221">
+              <a:pPr marL="677221" lvl="0" indent="-677221">
                 <a:buSzPct val="100000"/>
                 <a:buChar char="•"/>
               </a:pPr>
@@ -9245,12 +9455,12 @@
   <p:clrMapOvr>
     <a:masterClrMapping/>
   </p:clrMapOvr>
-  <p:transition spd="med" advClick="1"/>
+  <p:transition spd="med"/>
 </p:sld>
 </file>
 
 <file path=ppt/slides/slide20.xml><?xml version="1.0" encoding="utf-8"?>
-<p:sld xmlns:a="http://schemas.openxmlformats.org/drawingml/2006/main" xmlns:r="http://schemas.openxmlformats.org/officeDocument/2006/relationships" xmlns:p="http://schemas.openxmlformats.org/presentationml/2006/main" showMasterSp="1" showMasterPhAnim="1">
+<p:sld xmlns:a="http://schemas.openxmlformats.org/drawingml/2006/main" xmlns:r="http://schemas.openxmlformats.org/officeDocument/2006/relationships" xmlns:p="http://schemas.openxmlformats.org/presentationml/2006/main">
   <p:cSld>
     <p:spTree>
       <p:nvGrpSpPr>
@@ -9269,7 +9479,9 @@
       <p:sp>
         <p:nvSpPr>
           <p:cNvPr id="234" name="Shape 234"/>
-          <p:cNvSpPr/>
+          <p:cNvSpPr>
+            <a:spLocks noGrp="1"/>
+          </p:cNvSpPr>
           <p:nvPr>
             <p:ph type="title"/>
           </p:nvPr>
@@ -9348,7 +9560,7 @@
               <a:bevel/>
             </a:ln>
             <a:effectLst>
-              <a:outerShdw sx="100000" sy="100000" kx="0" ky="0" algn="b" rotWithShape="0" blurRad="38100" dist="25400" dir="6600000">
+              <a:outerShdw blurRad="38100" dist="25400" dir="6600000" rotWithShape="0">
                 <a:srgbClr val="000000">
                   <a:alpha val="75000"/>
                 </a:srgbClr>
@@ -9368,6 +9580,7 @@
                   </a:solidFill>
                 </a:defRPr>
               </a:pPr>
+              <a:endParaRPr/>
             </a:p>
           </p:txBody>
         </p:sp>
@@ -9393,7 +9606,7 @@
             <a:effectLst/>
             <a:extLst>
               <a:ext uri="{C572A759-6A51-4108-AA02-DFA0A04FC94B}">
-                <ma14:wrappingTextBoxFlag xmlns:ma14="http://schemas.microsoft.com/office/mac/drawingml/2011/main" val="1"/>
+                <ma14:wrappingTextBoxFlag xmlns="" xmlns:ma14="http://schemas.microsoft.com/office/mac/drawingml/2011/main" val="1"/>
               </a:ext>
             </a:extLst>
           </p:spPr>
@@ -9436,11 +9649,6 @@
                 </a:rPr>
                 <a:t>As visitor, when I use mobile devices (phones and pads) to access the website, I want to see that the framework (the header, footer and buttons) of this website is suitable for my using behavior on mobile devices</a:t>
               </a:r>
-              <a:endParaRPr>
-                <a:solidFill>
-                  <a:srgbClr val="FFFFFF"/>
-                </a:solidFill>
-              </a:endParaRPr>
             </a:p>
             <a:p>
               <a:pPr lvl="0"/>
@@ -9525,6 +9733,7 @@
                     </a:solidFill>
                   </a:defRPr>
                 </a:pPr>
+                <a:endParaRPr/>
               </a:p>
             </p:txBody>
           </p:sp>
@@ -9550,7 +9759,7 @@
               <a:effectLst/>
               <a:extLst>
                 <a:ext uri="{C572A759-6A51-4108-AA02-DFA0A04FC94B}">
-                  <ma14:wrappingTextBoxFlag xmlns:ma14="http://schemas.microsoft.com/office/mac/drawingml/2011/main" val="1"/>
+                  <ma14:wrappingTextBoxFlag xmlns="" xmlns:ma14="http://schemas.microsoft.com/office/mac/drawingml/2011/main" val="1"/>
                 </a:ext>
               </a:extLst>
             </p:spPr>
@@ -9620,6 +9829,7 @@
             <a:lstStyle/>
             <a:p>
               <a:pPr lvl="0"/>
+              <a:endParaRPr/>
             </a:p>
           </p:txBody>
         </p:sp>
@@ -9678,6 +9888,7 @@
                     </a:solidFill>
                   </a:defRPr>
                 </a:pPr>
+                <a:endParaRPr/>
               </a:p>
             </p:txBody>
           </p:sp>
@@ -9703,7 +9914,7 @@
               <a:effectLst/>
               <a:extLst>
                 <a:ext uri="{C572A759-6A51-4108-AA02-DFA0A04FC94B}">
-                  <ma14:wrappingTextBoxFlag xmlns:ma14="http://schemas.microsoft.com/office/mac/drawingml/2011/main" val="1"/>
+                  <ma14:wrappingTextBoxFlag xmlns="" xmlns:ma14="http://schemas.microsoft.com/office/mac/drawingml/2011/main" val="1"/>
                 </a:ext>
               </a:extLst>
             </p:spPr>
@@ -9773,6 +9984,7 @@
             <a:lstStyle/>
             <a:p>
               <a:pPr lvl="0"/>
+              <a:endParaRPr/>
             </a:p>
           </p:txBody>
         </p:sp>
@@ -9831,6 +10043,7 @@
                     </a:solidFill>
                   </a:defRPr>
                 </a:pPr>
+                <a:endParaRPr/>
               </a:p>
             </p:txBody>
           </p:sp>
@@ -9856,7 +10069,7 @@
               <a:effectLst/>
               <a:extLst>
                 <a:ext uri="{C572A759-6A51-4108-AA02-DFA0A04FC94B}">
-                  <ma14:wrappingTextBoxFlag xmlns:ma14="http://schemas.microsoft.com/office/mac/drawingml/2011/main" val="1"/>
+                  <ma14:wrappingTextBoxFlag xmlns="" xmlns:ma14="http://schemas.microsoft.com/office/mac/drawingml/2011/main" val="1"/>
                 </a:ext>
               </a:extLst>
             </p:spPr>
@@ -9899,12 +10112,12 @@
   <p:clrMapOvr>
     <a:masterClrMapping/>
   </p:clrMapOvr>
-  <p:transition spd="med" advClick="1"/>
+  <p:transition spd="med"/>
 </p:sld>
 </file>
 
 <file path=ppt/slides/slide21.xml><?xml version="1.0" encoding="utf-8"?>
-<p:sld xmlns:a="http://schemas.openxmlformats.org/drawingml/2006/main" xmlns:r="http://schemas.openxmlformats.org/officeDocument/2006/relationships" xmlns:p="http://schemas.openxmlformats.org/presentationml/2006/main" showMasterSp="1" showMasterPhAnim="1">
+<p:sld xmlns:a="http://schemas.openxmlformats.org/drawingml/2006/main" xmlns:r="http://schemas.openxmlformats.org/officeDocument/2006/relationships" xmlns:p="http://schemas.openxmlformats.org/presentationml/2006/main">
   <p:cSld>
     <p:spTree>
       <p:nvGrpSpPr>
@@ -9923,7 +10136,9 @@
       <p:sp>
         <p:nvSpPr>
           <p:cNvPr id="251" name="Shape 251"/>
-          <p:cNvSpPr/>
+          <p:cNvSpPr>
+            <a:spLocks noGrp="1"/>
+          </p:cNvSpPr>
           <p:nvPr>
             <p:ph type="title"/>
           </p:nvPr>
@@ -9966,12 +10181,12 @@
   <p:clrMapOvr>
     <a:masterClrMapping/>
   </p:clrMapOvr>
-  <p:transition spd="med" advClick="1"/>
+  <p:transition spd="med"/>
 </p:sld>
 </file>
 
 <file path=ppt/slides/slide3.xml><?xml version="1.0" encoding="utf-8"?>
-<p:sld xmlns:a="http://schemas.openxmlformats.org/drawingml/2006/main" xmlns:r="http://schemas.openxmlformats.org/officeDocument/2006/relationships" xmlns:p="http://schemas.openxmlformats.org/presentationml/2006/main" showMasterSp="1" showMasterPhAnim="1">
+<p:sld xmlns:a="http://schemas.openxmlformats.org/drawingml/2006/main" xmlns:r="http://schemas.openxmlformats.org/officeDocument/2006/relationships" xmlns:p="http://schemas.openxmlformats.org/presentationml/2006/main">
   <p:cSld>
     <p:spTree>
       <p:nvGrpSpPr>
@@ -9990,7 +10205,9 @@
       <p:sp>
         <p:nvSpPr>
           <p:cNvPr id="158" name="Shape 158"/>
-          <p:cNvSpPr/>
+          <p:cNvSpPr>
+            <a:spLocks noGrp="1"/>
+          </p:cNvSpPr>
           <p:nvPr>
             <p:ph type="title"/>
           </p:nvPr>
@@ -10033,12 +10250,12 @@
   <p:clrMapOvr>
     <a:masterClrMapping/>
   </p:clrMapOvr>
-  <p:transition spd="med" advClick="1"/>
+  <p:transition spd="med"/>
 </p:sld>
 </file>
 
 <file path=ppt/slides/slide4.xml><?xml version="1.0" encoding="utf-8"?>
-<p:sld xmlns:a="http://schemas.openxmlformats.org/drawingml/2006/main" xmlns:r="http://schemas.openxmlformats.org/officeDocument/2006/relationships" xmlns:p="http://schemas.openxmlformats.org/presentationml/2006/main" showMasterSp="1" showMasterPhAnim="1">
+<p:sld xmlns:a="http://schemas.openxmlformats.org/drawingml/2006/main" xmlns:r="http://schemas.openxmlformats.org/officeDocument/2006/relationships" xmlns:p="http://schemas.openxmlformats.org/presentationml/2006/main">
   <p:cSld>
     <p:spTree>
       <p:nvGrpSpPr>
@@ -10057,7 +10274,9 @@
       <p:sp>
         <p:nvSpPr>
           <p:cNvPr id="160" name="Shape 160"/>
-          <p:cNvSpPr/>
+          <p:cNvSpPr>
+            <a:spLocks noGrp="1"/>
+          </p:cNvSpPr>
           <p:nvPr>
             <p:ph type="title"/>
           </p:nvPr>
@@ -10100,12 +10319,12 @@
   <p:clrMapOvr>
     <a:masterClrMapping/>
   </p:clrMapOvr>
-  <p:transition spd="med" advClick="1"/>
+  <p:transition spd="med"/>
 </p:sld>
 </file>
 
 <file path=ppt/slides/slide5.xml><?xml version="1.0" encoding="utf-8"?>
-<p:sld xmlns:a="http://schemas.openxmlformats.org/drawingml/2006/main" xmlns:r="http://schemas.openxmlformats.org/officeDocument/2006/relationships" xmlns:p="http://schemas.openxmlformats.org/presentationml/2006/main" showMasterSp="1" showMasterPhAnim="1">
+<p:sld xmlns:a="http://schemas.openxmlformats.org/drawingml/2006/main" xmlns:r="http://schemas.openxmlformats.org/officeDocument/2006/relationships" xmlns:p="http://schemas.openxmlformats.org/presentationml/2006/main">
   <p:cSld>
     <p:spTree>
       <p:nvGrpSpPr>
@@ -10124,7 +10343,9 @@
       <p:sp>
         <p:nvSpPr>
           <p:cNvPr id="162" name="Shape 162"/>
-          <p:cNvSpPr/>
+          <p:cNvSpPr>
+            <a:spLocks noGrp="1"/>
+          </p:cNvSpPr>
           <p:nvPr>
             <p:ph type="title"/>
           </p:nvPr>
@@ -10167,12 +10388,12 @@
   <p:clrMapOvr>
     <a:masterClrMapping/>
   </p:clrMapOvr>
-  <p:transition spd="med" advClick="1"/>
+  <p:transition spd="med"/>
 </p:sld>
 </file>
 
 <file path=ppt/slides/slide6.xml><?xml version="1.0" encoding="utf-8"?>
-<p:sld xmlns:a="http://schemas.openxmlformats.org/drawingml/2006/main" xmlns:r="http://schemas.openxmlformats.org/officeDocument/2006/relationships" xmlns:p="http://schemas.openxmlformats.org/presentationml/2006/main" showMasterSp="1" showMasterPhAnim="1">
+<p:sld xmlns:a="http://schemas.openxmlformats.org/drawingml/2006/main" xmlns:r="http://schemas.openxmlformats.org/officeDocument/2006/relationships" xmlns:p="http://schemas.openxmlformats.org/presentationml/2006/main">
   <p:cSld>
     <p:spTree>
       <p:nvGrpSpPr>
@@ -10191,7 +10412,9 @@
       <p:sp>
         <p:nvSpPr>
           <p:cNvPr id="164" name="Shape 164"/>
-          <p:cNvSpPr/>
+          <p:cNvSpPr>
+            <a:spLocks noGrp="1"/>
+          </p:cNvSpPr>
           <p:nvPr>
             <p:ph type="title"/>
           </p:nvPr>
@@ -10234,12 +10457,12 @@
   <p:clrMapOvr>
     <a:masterClrMapping/>
   </p:clrMapOvr>
-  <p:transition spd="med" advClick="1"/>
+  <p:transition spd="med"/>
 </p:sld>
 </file>
 
 <file path=ppt/slides/slide7.xml><?xml version="1.0" encoding="utf-8"?>
-<p:sld xmlns:a="http://schemas.openxmlformats.org/drawingml/2006/main" xmlns:r="http://schemas.openxmlformats.org/officeDocument/2006/relationships" xmlns:p="http://schemas.openxmlformats.org/presentationml/2006/main" showMasterSp="1" showMasterPhAnim="1">
+<p:sld xmlns:a="http://schemas.openxmlformats.org/drawingml/2006/main" xmlns:r="http://schemas.openxmlformats.org/officeDocument/2006/relationships" xmlns:p="http://schemas.openxmlformats.org/presentationml/2006/main">
   <p:cSld>
     <p:spTree>
       <p:nvGrpSpPr>
@@ -10258,7 +10481,9 @@
       <p:sp>
         <p:nvSpPr>
           <p:cNvPr id="166" name="Shape 166"/>
-          <p:cNvSpPr/>
+          <p:cNvSpPr>
+            <a:spLocks noGrp="1"/>
+          </p:cNvSpPr>
           <p:nvPr>
             <p:ph type="title"/>
           </p:nvPr>
@@ -10282,12 +10507,20 @@
               </a:defRPr>
             </a:pPr>
             <a:r>
-              <a:rPr sz="4200">
+              <a:rPr sz="4200" dirty="0" smtClean="0">
                 <a:solidFill>
                   <a:srgbClr val="FFFFFF"/>
                 </a:solidFill>
               </a:rPr>
-              <a:t>5. Development Plan (1)</a:t>
+              <a:t>5. Development </a:t>
+            </a:r>
+            <a:r>
+              <a:rPr sz="4200" dirty="0">
+                <a:solidFill>
+                  <a:srgbClr val="FFFFFF"/>
+                </a:solidFill>
+              </a:rPr>
+              <a:t>Plan (1)</a:t>
             </a:r>
           </a:p>
         </p:txBody>
@@ -10295,7 +10528,9 @@
       <p:sp>
         <p:nvSpPr>
           <p:cNvPr id="167" name="Shape 167"/>
-          <p:cNvSpPr/>
+          <p:cNvSpPr>
+            <a:spLocks noGrp="1"/>
+          </p:cNvSpPr>
           <p:nvPr>
             <p:ph type="sldNum" sz="quarter" idx="2"/>
           </p:nvPr>
@@ -10306,7 +10541,7 @@
           </a:prstGeom>
           <a:extLst>
             <a:ext uri="{C572A759-6A51-4108-AA02-DFA0A04FC94B}">
-              <ma14:wrappingTextBoxFlag xmlns:ma14="http://schemas.microsoft.com/office/mac/drawingml/2011/main" val="1"/>
+              <ma14:wrappingTextBoxFlag xmlns="" xmlns:ma14="http://schemas.microsoft.com/office/mac/drawingml/2011/main" val="1"/>
             </a:ext>
           </a:extLst>
         </p:spPr>
@@ -10315,19 +10550,25 @@
           <a:lstStyle/>
           <a:p>
             <a:pPr lvl="0">
-              <a:defRPr b="0" sz="1800">
+              <a:defRPr sz="1800" b="0">
                 <a:solidFill>
                   <a:srgbClr val="000000"/>
                 </a:solidFill>
               </a:defRPr>
             </a:pPr>
             <a:fld id="{86CB4B4D-7CA3-9044-876B-883B54F8677D}" type="slidenum">
-              <a:rPr b="1" sz="1400">
+              <a:rPr sz="1400" b="1">
                 <a:solidFill>
                   <a:srgbClr val="262626"/>
                 </a:solidFill>
               </a:rPr>
+              <a:t>7</a:t>
             </a:fld>
+            <a:endParaRPr sz="1400" b="1">
+              <a:solidFill>
+                <a:srgbClr val="262626"/>
+              </a:solidFill>
+            </a:endParaRPr>
           </a:p>
         </p:txBody>
       </p:sp>
@@ -10363,12 +10604,12 @@
   <p:clrMapOvr>
     <a:masterClrMapping/>
   </p:clrMapOvr>
-  <p:transition spd="med" advClick="1"/>
+  <p:transition spd="med"/>
 </p:sld>
 </file>
 
 <file path=ppt/slides/slide8.xml><?xml version="1.0" encoding="utf-8"?>
-<p:sld xmlns:a="http://schemas.openxmlformats.org/drawingml/2006/main" xmlns:r="http://schemas.openxmlformats.org/officeDocument/2006/relationships" xmlns:p="http://schemas.openxmlformats.org/presentationml/2006/main" showMasterSp="1" showMasterPhAnim="1">
+<p:sld xmlns:a="http://schemas.openxmlformats.org/drawingml/2006/main" xmlns:r="http://schemas.openxmlformats.org/officeDocument/2006/relationships" xmlns:p="http://schemas.openxmlformats.org/presentationml/2006/main">
   <p:cSld>
     <p:spTree>
       <p:nvGrpSpPr>
@@ -10387,7 +10628,9 @@
       <p:sp>
         <p:nvSpPr>
           <p:cNvPr id="170" name="Shape 170"/>
-          <p:cNvSpPr/>
+          <p:cNvSpPr>
+            <a:spLocks noGrp="1"/>
+          </p:cNvSpPr>
           <p:nvPr>
             <p:ph type="title"/>
           </p:nvPr>
@@ -10444,7 +10687,7 @@
           </a:ln>
           <a:extLst>
             <a:ext uri="{C572A759-6A51-4108-AA02-DFA0A04FC94B}">
-              <ma14:wrappingTextBoxFlag xmlns:ma14="http://schemas.microsoft.com/office/mac/drawingml/2011/main" val="1"/>
+              <ma14:wrappingTextBoxFlag xmlns="" xmlns:ma14="http://schemas.microsoft.com/office/mac/drawingml/2011/main" val="1"/>
             </a:ext>
           </a:extLst>
         </p:spPr>
@@ -10455,9 +10698,11 @@
           <a:lstStyle/>
           <a:p>
             <a:pPr lvl="0"/>
+            <a:endParaRPr/>
           </a:p>
           <a:p>
             <a:pPr lvl="0"/>
+            <a:endParaRPr/>
           </a:p>
         </p:txBody>
       </p:sp>
@@ -10502,7 +10747,7 @@
               <a:bevel/>
             </a:ln>
             <a:effectLst>
-              <a:outerShdw sx="100000" sy="100000" kx="0" ky="0" algn="b" rotWithShape="0" blurRad="38100" dist="25400" dir="6600000">
+              <a:outerShdw blurRad="38100" dist="25400" dir="6600000" rotWithShape="0">
                 <a:srgbClr val="000000">
                   <a:alpha val="75000"/>
                 </a:srgbClr>
@@ -10522,6 +10767,7 @@
                   </a:solidFill>
                 </a:defRPr>
               </a:pPr>
+              <a:endParaRPr/>
             </a:p>
           </p:txBody>
         </p:sp>
@@ -10547,7 +10793,7 @@
             <a:effectLst/>
             <a:extLst>
               <a:ext uri="{C572A759-6A51-4108-AA02-DFA0A04FC94B}">
-                <ma14:wrappingTextBoxFlag xmlns:ma14="http://schemas.microsoft.com/office/mac/drawingml/2011/main" val="1"/>
+                <ma14:wrappingTextBoxFlag xmlns="" xmlns:ma14="http://schemas.microsoft.com/office/mac/drawingml/2011/main" val="1"/>
               </a:ext>
             </a:extLst>
           </p:spPr>
@@ -10559,22 +10805,17 @@
             <a:p>
               <a:pPr lvl="0"/>
               <a:r>
-                <a:rPr b="1" sz="2200">
+                <a:rPr sz="2200" b="1" dirty="0">
                   <a:solidFill>
                     <a:srgbClr val="FFFFFF"/>
                   </a:solidFill>
                 </a:rPr>
                 <a:t>Design Workshop</a:t>
               </a:r>
-              <a:endParaRPr b="1" sz="2200">
-                <a:solidFill>
-                  <a:srgbClr val="FFFFFF"/>
-                </a:solidFill>
-              </a:endParaRPr>
             </a:p>
             <a:p>
               <a:pPr lvl="0"/>
-              <a:endParaRPr b="1" sz="2200">
+              <a:endParaRPr sz="2200" b="1" dirty="0">
                 <a:solidFill>
                   <a:srgbClr val="FFFFFF"/>
                 </a:solidFill>
@@ -10583,7 +10824,7 @@
             <a:p>
               <a:pPr lvl="1"/>
               <a:r>
-                <a:rPr b="1" sz="2000">
+                <a:rPr sz="2000" b="1" dirty="0">
                   <a:solidFill>
                     <a:srgbClr val="FFFFFF"/>
                   </a:solidFill>
@@ -10591,22 +10832,54 @@
                 <a:t>Mock up system</a:t>
               </a:r>
               <a:r>
-                <a:rPr>
+                <a:rPr dirty="0">
                   <a:solidFill>
                     <a:srgbClr val="DDDDDD"/>
                   </a:solidFill>
                 </a:rPr>
-                <a:t> with minimum functionality and show case of adaption to different size of device will be developed.</a:t>
+                <a:t> with minimum functionality and show case of adaption </a:t>
               </a:r>
-              <a:endParaRPr>
-                <a:solidFill>
-                  <a:srgbClr val="DDDDDD"/>
-                </a:solidFill>
-              </a:endParaRPr>
-            </a:p>
-            <a:p>
-              <a:pPr lvl="0"/>
-              <a:endParaRPr>
+              <a:r>
+                <a:rPr dirty="0" smtClean="0">
+                  <a:solidFill>
+                    <a:srgbClr val="DDDDDD"/>
+                  </a:solidFill>
+                </a:rPr>
+                <a:t>to</a:t>
+              </a:r>
+              <a:r>
+                <a:rPr lang="en-NZ" dirty="0" smtClean="0">
+                  <a:solidFill>
+                    <a:srgbClr val="DDDDDD"/>
+                  </a:solidFill>
+                </a:rPr>
+                <a:t> 	</a:t>
+              </a:r>
+              <a:r>
+                <a:rPr dirty="0" smtClean="0">
+                  <a:solidFill>
+                    <a:srgbClr val="DDDDDD"/>
+                  </a:solidFill>
+                </a:rPr>
+                <a:t>different </a:t>
+              </a:r>
+              <a:r>
+                <a:rPr dirty="0">
+                  <a:solidFill>
+                    <a:srgbClr val="DDDDDD"/>
+                  </a:solidFill>
+                </a:rPr>
+                <a:t>size of device will be developed</a:t>
+              </a:r>
+              <a:r>
+                <a:rPr dirty="0" smtClean="0">
+                  <a:solidFill>
+                    <a:srgbClr val="DDDDDD"/>
+                  </a:solidFill>
+                </a:rPr>
+                <a:t>.</a:t>
+              </a:r>
+              <a:endParaRPr dirty="0">
                 <a:solidFill>
                   <a:srgbClr val="DDDDDD"/>
                 </a:solidFill>
@@ -10615,22 +10888,33 @@
             <a:p>
               <a:pPr lvl="1"/>
               <a:r>
-                <a:rPr>
+                <a:rPr dirty="0">
                   <a:solidFill>
                     <a:srgbClr val="DDDDDD"/>
                   </a:solidFill>
                 </a:rPr>
-                <a:t>Fully customised to adapt desktop/laptop, tablet and mobile phone.</a:t>
+                <a:t>Fully </a:t>
               </a:r>
-              <a:endParaRPr>
-                <a:solidFill>
-                  <a:srgbClr val="DDDDDD"/>
-                </a:solidFill>
-              </a:endParaRPr>
+              <a:r>
+                <a:rPr dirty="0" smtClean="0">
+                  <a:solidFill>
+                    <a:srgbClr val="DDDDDD"/>
+                  </a:solidFill>
+                </a:rPr>
+                <a:t>customized </a:t>
+              </a:r>
+              <a:r>
+                <a:rPr dirty="0">
+                  <a:solidFill>
+                    <a:srgbClr val="DDDDDD"/>
+                  </a:solidFill>
+                </a:rPr>
+                <a:t>to adapt desktop/laptop, tablet and mobile phone.</a:t>
+              </a:r>
             </a:p>
             <a:p>
               <a:pPr lvl="1"/>
-              <a:endParaRPr>
+              <a:endParaRPr dirty="0">
                 <a:solidFill>
                   <a:srgbClr val="FFFFFF"/>
                 </a:solidFill>
@@ -10639,7 +10923,7 @@
             <a:p>
               <a:pPr lvl="1"/>
               <a:r>
-                <a:rPr b="1" sz="2100">
+                <a:rPr sz="2100" b="1" dirty="0">
                   <a:solidFill>
                     <a:srgbClr val="FFFFFF"/>
                   </a:solidFill>
@@ -10647,7 +10931,7 @@
                 <a:t>Deliverable</a:t>
               </a:r>
               <a:r>
-                <a:rPr>
+                <a:rPr dirty="0">
                   <a:solidFill>
                     <a:srgbClr val="FFFFFF"/>
                   </a:solidFill>
@@ -10655,7 +10939,7 @@
                 <a:t> </a:t>
               </a:r>
               <a:r>
-                <a:rPr>
+                <a:rPr dirty="0">
                   <a:solidFill>
                     <a:srgbClr val="DDDDDD"/>
                   </a:solidFill>
@@ -10663,7 +10947,7 @@
                 <a:t>consist of a demo system with mock</a:t>
               </a:r>
               <a:r>
-                <a:rPr>
+                <a:rPr dirty="0">
                   <a:solidFill>
                     <a:srgbClr val="FFFFFF"/>
                   </a:solidFill>
@@ -10679,12 +10963,12 @@
   <p:clrMapOvr>
     <a:masterClrMapping/>
   </p:clrMapOvr>
-  <p:transition spd="med" advClick="1"/>
+  <p:transition spd="med"/>
 </p:sld>
 </file>
 
 <file path=ppt/slides/slide9.xml><?xml version="1.0" encoding="utf-8"?>
-<p:sld xmlns:a="http://schemas.openxmlformats.org/drawingml/2006/main" xmlns:r="http://schemas.openxmlformats.org/officeDocument/2006/relationships" xmlns:p="http://schemas.openxmlformats.org/presentationml/2006/main" showMasterSp="1" showMasterPhAnim="1">
+<p:sld xmlns:a="http://schemas.openxmlformats.org/drawingml/2006/main" xmlns:r="http://schemas.openxmlformats.org/officeDocument/2006/relationships" xmlns:p="http://schemas.openxmlformats.org/presentationml/2006/main">
   <p:cSld>
     <p:spTree>
       <p:nvGrpSpPr>
@@ -10703,7 +10987,9 @@
       <p:sp>
         <p:nvSpPr>
           <p:cNvPr id="176" name="Shape 176"/>
-          <p:cNvSpPr/>
+          <p:cNvSpPr>
+            <a:spLocks noGrp="1"/>
+          </p:cNvSpPr>
           <p:nvPr>
             <p:ph type="title"/>
           </p:nvPr>
@@ -10760,7 +11046,7 @@
           </a:ln>
           <a:extLst>
             <a:ext uri="{C572A759-6A51-4108-AA02-DFA0A04FC94B}">
-              <ma14:wrappingTextBoxFlag xmlns:ma14="http://schemas.microsoft.com/office/mac/drawingml/2011/main" val="1"/>
+              <ma14:wrappingTextBoxFlag xmlns="" xmlns:ma14="http://schemas.microsoft.com/office/mac/drawingml/2011/main" val="1"/>
             </a:ext>
           </a:extLst>
         </p:spPr>
@@ -10771,9 +11057,11 @@
           <a:lstStyle/>
           <a:p>
             <a:pPr lvl="0"/>
+            <a:endParaRPr/>
           </a:p>
           <a:p>
             <a:pPr lvl="0"/>
+            <a:endParaRPr/>
           </a:p>
         </p:txBody>
       </p:sp>
@@ -10818,7 +11106,7 @@
               <a:bevel/>
             </a:ln>
             <a:effectLst>
-              <a:outerShdw sx="100000" sy="100000" kx="0" ky="0" algn="b" rotWithShape="0" blurRad="38100" dist="25400" dir="6600000">
+              <a:outerShdw blurRad="38100" dist="25400" dir="6600000" rotWithShape="0">
                 <a:srgbClr val="000000">
                   <a:alpha val="75000"/>
                 </a:srgbClr>
@@ -10838,6 +11126,7 @@
                   </a:solidFill>
                 </a:defRPr>
               </a:pPr>
+              <a:endParaRPr/>
             </a:p>
           </p:txBody>
         </p:sp>
@@ -10863,7 +11152,7 @@
             <a:effectLst/>
             <a:extLst>
               <a:ext uri="{C572A759-6A51-4108-AA02-DFA0A04FC94B}">
-                <ma14:wrappingTextBoxFlag xmlns:ma14="http://schemas.microsoft.com/office/mac/drawingml/2011/main" val="1"/>
+                <ma14:wrappingTextBoxFlag xmlns="" xmlns:ma14="http://schemas.microsoft.com/office/mac/drawingml/2011/main" val="1"/>
               </a:ext>
             </a:extLst>
           </p:spPr>
@@ -10875,22 +11164,17 @@
             <a:p>
               <a:pPr lvl="0"/>
               <a:r>
-                <a:rPr b="1" sz="2200">
+                <a:rPr sz="2200" b="1" dirty="0">
                   <a:solidFill>
                     <a:srgbClr val="FFFFFF"/>
                   </a:solidFill>
                 </a:rPr>
                 <a:t>Sprint 1</a:t>
               </a:r>
-              <a:endParaRPr b="1" sz="2200">
-                <a:solidFill>
-                  <a:srgbClr val="FFFFFF"/>
-                </a:solidFill>
-              </a:endParaRPr>
             </a:p>
             <a:p>
               <a:pPr lvl="0"/>
-              <a:endParaRPr b="1" sz="2200">
+              <a:endParaRPr sz="2200" b="1" dirty="0">
                 <a:solidFill>
                   <a:srgbClr val="FFFFFF"/>
                 </a:solidFill>
@@ -10899,7 +11183,7 @@
             <a:p>
               <a:pPr lvl="1"/>
               <a:r>
-                <a:rPr b="1" sz="2000">
+                <a:rPr sz="2000" b="1" dirty="0">
                   <a:solidFill>
                     <a:srgbClr val="FFFFFF"/>
                   </a:solidFill>
@@ -10907,63 +11191,77 @@
                 <a:t>Core function</a:t>
               </a:r>
               <a:r>
-                <a:rPr>
+                <a:rPr dirty="0">
                   <a:solidFill>
                     <a:srgbClr val="DDDDDD"/>
                   </a:solidFill>
                 </a:rPr>
-                <a:t> including main page, course list and course detail, dynamic menu, course category. </a:t>
+                <a:t> including main page, course list and course detail, dynamic menu, </a:t>
               </a:r>
-              <a:endParaRPr>
-                <a:solidFill>
-                  <a:srgbClr val="DDDDDD"/>
+              <a:r>
+                <a:rPr lang="en-NZ" dirty="0" smtClean="0">
+                  <a:solidFill>
+                    <a:srgbClr val="DDDDDD"/>
+                  </a:solidFill>
+                </a:rPr>
+                <a:t>	</a:t>
+              </a:r>
+              <a:r>
+                <a:rPr dirty="0" smtClean="0">
+                  <a:solidFill>
+                    <a:srgbClr val="DDDDDD"/>
+                  </a:solidFill>
+                </a:rPr>
+                <a:t>course </a:t>
+              </a:r>
+              <a:r>
+                <a:rPr dirty="0">
+                  <a:solidFill>
+                    <a:srgbClr val="DDDDDD"/>
+                  </a:solidFill>
+                </a:rPr>
+                <a:t>category. </a:t>
+              </a:r>
+            </a:p>
+            <a:p>
+              <a:pPr lvl="1"/>
+              <a:r>
+                <a:rPr dirty="0">
+                  <a:solidFill>
+                    <a:srgbClr val="DDDDDD"/>
+                  </a:solidFill>
+                </a:rPr>
+                <a:t>Each page will be applied by size adaption framework</a:t>
+              </a:r>
+            </a:p>
+            <a:p>
+              <a:pPr lvl="1"/>
+              <a:r>
+                <a:rPr dirty="0">
+                  <a:solidFill>
+                    <a:srgbClr val="DDDDDD"/>
+                  </a:solidFill>
+                </a:rPr>
+                <a:t>Server interaction will be concurrently developed in this sprint</a:t>
+              </a:r>
+              <a:r>
+                <a:rPr dirty="0" smtClean="0">
+                  <a:solidFill>
+                    <a:srgbClr val="DDDDDD"/>
+                  </a:solidFill>
+                </a:rPr>
+                <a:t>.</a:t>
+              </a:r>
+              <a:endParaRPr dirty="0">
+                <a:solidFill>
+                  <a:srgbClr val="FFFFFF"/>
                 </a:solidFill>
               </a:endParaRPr>
             </a:p>
             <a:p>
               <a:pPr lvl="1"/>
               <a:r>
-                <a:rPr>
-                  <a:solidFill>
-                    <a:srgbClr val="DDDDDD"/>
-                  </a:solidFill>
-                </a:rPr>
-                <a:t>Each page will be applied by size adaption framework</a:t>
-              </a:r>
-              <a:endParaRPr>
-                <a:solidFill>
-                  <a:srgbClr val="DDDDDD"/>
-                </a:solidFill>
-              </a:endParaRPr>
-            </a:p>
-            <a:p>
-              <a:pPr lvl="1"/>
-              <a:r>
-                <a:rPr>
-                  <a:solidFill>
-                    <a:srgbClr val="DDDDDD"/>
-                  </a:solidFill>
-                </a:rPr>
-                <a:t>Server interaction will be concurrently developed in this sprint.</a:t>
-              </a:r>
-              <a:endParaRPr>
-                <a:solidFill>
-                  <a:srgbClr val="DDDDDD"/>
-                </a:solidFill>
-              </a:endParaRPr>
-            </a:p>
-            <a:p>
-              <a:pPr lvl="1"/>
-              <a:endParaRPr>
-                <a:solidFill>
-                  <a:srgbClr val="FFFFFF"/>
-                </a:solidFill>
-              </a:endParaRPr>
-            </a:p>
-            <a:p>
-              <a:pPr lvl="1"/>
-              <a:r>
-                <a:rPr b="1" sz="2000">
+                <a:rPr sz="2000" b="1" dirty="0">
                   <a:solidFill>
                     <a:srgbClr val="FFFFFF"/>
                   </a:solidFill>
@@ -10971,7 +11269,7 @@
                 <a:t>Deliverable</a:t>
               </a:r>
               <a:r>
-                <a:rPr>
+                <a:rPr dirty="0">
                   <a:solidFill>
                     <a:srgbClr val="FFFFFF"/>
                   </a:solidFill>
@@ -10979,12 +11277,36 @@
                 <a:t> </a:t>
               </a:r>
               <a:r>
-                <a:rPr>
+                <a:rPr dirty="0">
                   <a:solidFill>
                     <a:srgbClr val="DDDDDD"/>
                   </a:solidFill>
                 </a:rPr>
-                <a:t>minimum fully functional online course web site, with well tuned adaption to each screen size device</a:t>
+                <a:t>minimum fully functional online course web site, with well tuned </a:t>
+              </a:r>
+              <a:r>
+                <a:rPr lang="en-NZ" dirty="0" smtClean="0">
+                  <a:solidFill>
+                    <a:srgbClr val="DDDDDD"/>
+                  </a:solidFill>
+                </a:rPr>
+                <a:t>	</a:t>
+              </a:r>
+              <a:r>
+                <a:rPr dirty="0" smtClean="0">
+                  <a:solidFill>
+                    <a:srgbClr val="DDDDDD"/>
+                  </a:solidFill>
+                </a:rPr>
+                <a:t>adaption </a:t>
+              </a:r>
+              <a:r>
+                <a:rPr dirty="0">
+                  <a:solidFill>
+                    <a:srgbClr val="DDDDDD"/>
+                  </a:solidFill>
+                </a:rPr>
+                <a:t>to each screen size device</a:t>
               </a:r>
             </a:p>
           </p:txBody>
@@ -10995,12 +11317,12 @@
   <p:clrMapOvr>
     <a:masterClrMapping/>
   </p:clrMapOvr>
-  <p:transition spd="med" advClick="1"/>
+  <p:transition spd="med"/>
 </p:sld>
 </file>
 
 <file path=ppt/theme/theme1.xml><?xml version="1.0" encoding="utf-8"?>
-<a:theme xmlns:a="http://schemas.openxmlformats.org/drawingml/2006/main" xmlns:r="http://schemas.openxmlformats.org/officeDocument/2006/relationships" name="Default">
+<a:theme xmlns:a="http://schemas.openxmlformats.org/drawingml/2006/main" name="Default">
   <a:themeElements>
     <a:clrScheme name="Default">
       <a:dk1>
@@ -11126,7 +11448,7 @@
       <a:effectStyleLst>
         <a:effectStyle>
           <a:effectLst>
-            <a:outerShdw sx="100000" sy="100000" kx="0" ky="0" algn="b" rotWithShape="0" blurRad="38100" dist="25400" dir="6600000">
+            <a:outerShdw blurRad="38100" dist="25400" dir="6600000" rotWithShape="0">
               <a:srgbClr val="000000">
                 <a:alpha val="75000"/>
               </a:srgbClr>
@@ -11135,7 +11457,7 @@
         </a:effectStyle>
         <a:effectStyle>
           <a:effectLst>
-            <a:outerShdw sx="100000" sy="100000" kx="0" ky="0" algn="b" rotWithShape="0" blurRad="38100" dist="25400" dir="6600000">
+            <a:outerShdw blurRad="38100" dist="25400" dir="6600000" rotWithShape="0">
               <a:srgbClr val="000000">
                 <a:alpha val="75000"/>
               </a:srgbClr>
@@ -11212,14 +11534,14 @@
           <a:bevel/>
         </a:ln>
         <a:effectLst>
-          <a:outerShdw sx="100000" sy="100000" kx="0" ky="0" algn="b" rotWithShape="0" blurRad="38100" dist="25400" dir="6600000">
+          <a:outerShdw blurRad="38100" dist="25400" dir="6600000" rotWithShape="0">
             <a:srgbClr val="000000">
               <a:alpha val="75000"/>
             </a:srgbClr>
           </a:outerShdw>
         </a:effectLst>
       </a:spPr>
-      <a:bodyPr rot="0" spcFirstLastPara="1" vertOverflow="overflow" horzOverflow="overflow" vert="horz" wrap="square" lIns="45719" tIns="45719" rIns="45719" bIns="45719" numCol="1" spcCol="38100" rtlCol="0" anchor="ctr" upright="0">
+      <a:bodyPr rot="0" spcFirstLastPara="1" vertOverflow="overflow" horzOverflow="overflow" vert="horz" wrap="square" lIns="45719" tIns="45719" rIns="45719" bIns="45719" numCol="1" spcCol="38100" rtlCol="0" anchor="ctr">
         <a:spAutoFit/>
       </a:bodyPr>
       <a:lstStyle>
@@ -11238,7 +11560,7 @@
           <a:buFontTx/>
           <a:buNone/>
           <a:tabLst/>
-          <a:defRPr b="0" baseline="0" cap="none" i="0" spc="0" strike="noStrike" sz="1800" u="none" kumimoji="0" normalizeH="0">
+          <a:defRPr kumimoji="0" sz="1800" b="0" i="0" u="none" strike="noStrike" cap="none" spc="0" normalizeH="0" baseline="0">
             <a:ln>
               <a:noFill/>
             </a:ln>
@@ -11268,7 +11590,7 @@
           <a:buFontTx/>
           <a:buNone/>
           <a:tabLst/>
-          <a:defRPr b="0" baseline="0" cap="none" i="0" spc="0" strike="noStrike" sz="1800" u="none" kumimoji="0" normalizeH="0">
+          <a:defRPr kumimoji="0" sz="1800" b="0" i="0" u="none" strike="noStrike" cap="none" spc="0" normalizeH="0" baseline="0">
             <a:ln>
               <a:noFill/>
             </a:ln>
@@ -11294,7 +11616,7 @@
           <a:buFontTx/>
           <a:buNone/>
           <a:tabLst/>
-          <a:defRPr b="0" baseline="0" cap="none" i="0" spc="0" strike="noStrike" sz="1800" u="none" kumimoji="0" normalizeH="0">
+          <a:defRPr kumimoji="0" sz="1800" b="0" i="0" u="none" strike="noStrike" cap="none" spc="0" normalizeH="0" baseline="0">
             <a:ln>
               <a:noFill/>
             </a:ln>
@@ -11320,7 +11642,7 @@
           <a:buFontTx/>
           <a:buNone/>
           <a:tabLst/>
-          <a:defRPr b="0" baseline="0" cap="none" i="0" spc="0" strike="noStrike" sz="1800" u="none" kumimoji="0" normalizeH="0">
+          <a:defRPr kumimoji="0" sz="1800" b="0" i="0" u="none" strike="noStrike" cap="none" spc="0" normalizeH="0" baseline="0">
             <a:ln>
               <a:noFill/>
             </a:ln>
@@ -11346,7 +11668,7 @@
           <a:buFontTx/>
           <a:buNone/>
           <a:tabLst/>
-          <a:defRPr b="0" baseline="0" cap="none" i="0" spc="0" strike="noStrike" sz="1800" u="none" kumimoji="0" normalizeH="0">
+          <a:defRPr kumimoji="0" sz="1800" b="0" i="0" u="none" strike="noStrike" cap="none" spc="0" normalizeH="0" baseline="0">
             <a:ln>
               <a:noFill/>
             </a:ln>
@@ -11372,7 +11694,7 @@
           <a:buFontTx/>
           <a:buNone/>
           <a:tabLst/>
-          <a:defRPr b="0" baseline="0" cap="none" i="0" spc="0" strike="noStrike" sz="1800" u="none" kumimoji="0" normalizeH="0">
+          <a:defRPr kumimoji="0" sz="1800" b="0" i="0" u="none" strike="noStrike" cap="none" spc="0" normalizeH="0" baseline="0">
             <a:ln>
               <a:noFill/>
             </a:ln>
@@ -11398,7 +11720,7 @@
           <a:buFontTx/>
           <a:buNone/>
           <a:tabLst/>
-          <a:defRPr b="0" baseline="0" cap="none" i="0" spc="0" strike="noStrike" sz="1800" u="none" kumimoji="0" normalizeH="0">
+          <a:defRPr kumimoji="0" sz="1800" b="0" i="0" u="none" strike="noStrike" cap="none" spc="0" normalizeH="0" baseline="0">
             <a:ln>
               <a:noFill/>
             </a:ln>
@@ -11424,7 +11746,7 @@
           <a:buFontTx/>
           <a:buNone/>
           <a:tabLst/>
-          <a:defRPr b="0" baseline="0" cap="none" i="0" spc="0" strike="noStrike" sz="1800" u="none" kumimoji="0" normalizeH="0">
+          <a:defRPr kumimoji="0" sz="1800" b="0" i="0" u="none" strike="noStrike" cap="none" spc="0" normalizeH="0" baseline="0">
             <a:ln>
               <a:noFill/>
             </a:ln>
@@ -11450,7 +11772,7 @@
           <a:buFontTx/>
           <a:buNone/>
           <a:tabLst/>
-          <a:defRPr b="0" baseline="0" cap="none" i="0" spc="0" strike="noStrike" sz="1800" u="none" kumimoji="0" normalizeH="0">
+          <a:defRPr kumimoji="0" sz="1800" b="0" i="0" u="none" strike="noStrike" cap="none" spc="0" normalizeH="0" baseline="0">
             <a:ln>
               <a:noFill/>
             </a:ln>
@@ -11476,7 +11798,7 @@
           <a:buFontTx/>
           <a:buNone/>
           <a:tabLst/>
-          <a:defRPr b="0" baseline="0" cap="none" i="0" spc="0" strike="noStrike" sz="1800" u="none" kumimoji="0" normalizeH="0">
+          <a:defRPr kumimoji="0" sz="1800" b="0" i="0" u="none" strike="noStrike" cap="none" spc="0" normalizeH="0" baseline="0">
             <a:ln>
               <a:noFill/>
             </a:ln>
@@ -11489,9 +11811,15 @@
         </a:lvl9pPr>
       </a:lstStyle>
       <a:style>
-        <a:lnRef idx="0"/>
-        <a:fillRef idx="0"/>
-        <a:effectRef idx="0"/>
+        <a:lnRef idx="0">
+          <a:scrgbClr r="0" g="0" b="0"/>
+        </a:lnRef>
+        <a:fillRef idx="0">
+          <a:scrgbClr r="0" g="0" b="0"/>
+        </a:fillRef>
+        <a:effectRef idx="0">
+          <a:scrgbClr r="0" g="0" b="0"/>
+        </a:effectRef>
         <a:fontRef idx="none"/>
       </a:style>
     </a:spDef>
@@ -11507,7 +11835,7 @@
         </a:ln>
         <a:effectLst/>
       </a:spPr>
-      <a:bodyPr rot="0" spcFirstLastPara="1" vertOverflow="overflow" horzOverflow="overflow" vert="horz" wrap="square" lIns="91439" tIns="45719" rIns="91439" bIns="45719" numCol="1" spcCol="38100" rtlCol="0" anchor="t" upright="0">
+      <a:bodyPr rot="0" spcFirstLastPara="1" vertOverflow="overflow" horzOverflow="overflow" vert="horz" wrap="square" lIns="91439" tIns="45719" rIns="91439" bIns="45719" numCol="1" spcCol="38100" rtlCol="0" anchor="t">
         <a:noAutofit/>
       </a:bodyPr>
       <a:lstStyle>
@@ -11526,7 +11854,7 @@
           <a:buFontTx/>
           <a:buNone/>
           <a:tabLst/>
-          <a:defRPr b="0" baseline="0" cap="none" i="0" spc="0" strike="noStrike" sz="1800" u="none" kumimoji="0" normalizeH="0">
+          <a:defRPr kumimoji="0" sz="1800" b="0" i="0" u="none" strike="noStrike" cap="none" spc="0" normalizeH="0" baseline="0">
             <a:ln>
               <a:noFill/>
             </a:ln>
@@ -11552,7 +11880,7 @@
           <a:buFontTx/>
           <a:buNone/>
           <a:tabLst/>
-          <a:defRPr b="0" baseline="0" cap="none" i="0" spc="0" strike="noStrike" sz="1800" u="none" kumimoji="0" normalizeH="0">
+          <a:defRPr kumimoji="0" sz="1800" b="0" i="0" u="none" strike="noStrike" cap="none" spc="0" normalizeH="0" baseline="0">
             <a:ln>
               <a:noFill/>
             </a:ln>
@@ -11578,7 +11906,7 @@
           <a:buFontTx/>
           <a:buNone/>
           <a:tabLst/>
-          <a:defRPr b="0" baseline="0" cap="none" i="0" spc="0" strike="noStrike" sz="1800" u="none" kumimoji="0" normalizeH="0">
+          <a:defRPr kumimoji="0" sz="1800" b="0" i="0" u="none" strike="noStrike" cap="none" spc="0" normalizeH="0" baseline="0">
             <a:ln>
               <a:noFill/>
             </a:ln>
@@ -11604,7 +11932,7 @@
           <a:buFontTx/>
           <a:buNone/>
           <a:tabLst/>
-          <a:defRPr b="0" baseline="0" cap="none" i="0" spc="0" strike="noStrike" sz="1800" u="none" kumimoji="0" normalizeH="0">
+          <a:defRPr kumimoji="0" sz="1800" b="0" i="0" u="none" strike="noStrike" cap="none" spc="0" normalizeH="0" baseline="0">
             <a:ln>
               <a:noFill/>
             </a:ln>
@@ -11630,7 +11958,7 @@
           <a:buFontTx/>
           <a:buNone/>
           <a:tabLst/>
-          <a:defRPr b="0" baseline="0" cap="none" i="0" spc="0" strike="noStrike" sz="1800" u="none" kumimoji="0" normalizeH="0">
+          <a:defRPr kumimoji="0" sz="1800" b="0" i="0" u="none" strike="noStrike" cap="none" spc="0" normalizeH="0" baseline="0">
             <a:ln>
               <a:noFill/>
             </a:ln>
@@ -11656,7 +11984,7 @@
           <a:buFontTx/>
           <a:buNone/>
           <a:tabLst/>
-          <a:defRPr b="0" baseline="0" cap="none" i="0" spc="0" strike="noStrike" sz="1800" u="none" kumimoji="0" normalizeH="0">
+          <a:defRPr kumimoji="0" sz="1800" b="0" i="0" u="none" strike="noStrike" cap="none" spc="0" normalizeH="0" baseline="0">
             <a:ln>
               <a:noFill/>
             </a:ln>
@@ -11682,7 +12010,7 @@
           <a:buFontTx/>
           <a:buNone/>
           <a:tabLst/>
-          <a:defRPr b="0" baseline="0" cap="none" i="0" spc="0" strike="noStrike" sz="1800" u="none" kumimoji="0" normalizeH="0">
+          <a:defRPr kumimoji="0" sz="1800" b="0" i="0" u="none" strike="noStrike" cap="none" spc="0" normalizeH="0" baseline="0">
             <a:ln>
               <a:noFill/>
             </a:ln>
@@ -11708,7 +12036,7 @@
           <a:buFontTx/>
           <a:buNone/>
           <a:tabLst/>
-          <a:defRPr b="0" baseline="0" cap="none" i="0" spc="0" strike="noStrike" sz="1800" u="none" kumimoji="0" normalizeH="0">
+          <a:defRPr kumimoji="0" sz="1800" b="0" i="0" u="none" strike="noStrike" cap="none" spc="0" normalizeH="0" baseline="0">
             <a:ln>
               <a:noFill/>
             </a:ln>
@@ -11734,7 +12062,7 @@
           <a:buFontTx/>
           <a:buNone/>
           <a:tabLst/>
-          <a:defRPr b="0" baseline="0" cap="none" i="0" spc="0" strike="noStrike" sz="1800" u="none" kumimoji="0" normalizeH="0">
+          <a:defRPr kumimoji="0" sz="1800" b="0" i="0" u="none" strike="noStrike" cap="none" spc="0" normalizeH="0" baseline="0">
             <a:ln>
               <a:noFill/>
             </a:ln>
@@ -11760,7 +12088,7 @@
           <a:buFontTx/>
           <a:buNone/>
           <a:tabLst/>
-          <a:defRPr b="0" baseline="0" cap="none" i="0" spc="0" strike="noStrike" sz="1800" u="none" kumimoji="0" normalizeH="0">
+          <a:defRPr kumimoji="0" sz="1800" b="0" i="0" u="none" strike="noStrike" cap="none" spc="0" normalizeH="0" baseline="0">
             <a:ln>
               <a:noFill/>
             </a:ln>
@@ -11773,9 +12101,15 @@
         </a:lvl9pPr>
       </a:lstStyle>
       <a:style>
-        <a:lnRef idx="0"/>
-        <a:fillRef idx="0"/>
-        <a:effectRef idx="0"/>
+        <a:lnRef idx="0">
+          <a:scrgbClr r="0" g="0" b="0"/>
+        </a:lnRef>
+        <a:fillRef idx="0">
+          <a:scrgbClr r="0" g="0" b="0"/>
+        </a:fillRef>
+        <a:effectRef idx="0">
+          <a:scrgbClr r="0" g="0" b="0"/>
+        </a:effectRef>
         <a:fontRef idx="none"/>
       </a:style>
     </a:lnDef>
@@ -11788,7 +12122,7 @@
         </a:ln>
         <a:effectLst/>
       </a:spPr>
-      <a:bodyPr rot="0" spcFirstLastPara="1" vertOverflow="overflow" horzOverflow="overflow" vert="horz" wrap="square" lIns="45719" tIns="45719" rIns="45719" bIns="45719" numCol="1" spcCol="38100" rtlCol="0" anchor="t" upright="0">
+      <a:bodyPr rot="0" spcFirstLastPara="1" vertOverflow="overflow" horzOverflow="overflow" vert="horz" wrap="square" lIns="45719" tIns="45719" rIns="45719" bIns="45719" numCol="1" spcCol="38100" rtlCol="0" anchor="t">
         <a:spAutoFit/>
       </a:bodyPr>
       <a:lstStyle>
@@ -11807,7 +12141,7 @@
           <a:buFontTx/>
           <a:buNone/>
           <a:tabLst/>
-          <a:defRPr b="0" baseline="0" cap="none" i="0" spc="0" strike="noStrike" sz="1800" u="none" kumimoji="0" normalizeH="0">
+          <a:defRPr kumimoji="0" sz="1800" b="0" i="0" u="none" strike="noStrike" cap="none" spc="0" normalizeH="0" baseline="0">
             <a:ln>
               <a:noFill/>
             </a:ln>
@@ -11837,7 +12171,7 @@
           <a:buFontTx/>
           <a:buNone/>
           <a:tabLst/>
-          <a:defRPr b="0" baseline="0" cap="none" i="0" spc="0" strike="noStrike" sz="1800" u="none" kumimoji="0" normalizeH="0">
+          <a:defRPr kumimoji="0" sz="1800" b="0" i="0" u="none" strike="noStrike" cap="none" spc="0" normalizeH="0" baseline="0">
             <a:ln>
               <a:noFill/>
             </a:ln>
@@ -11863,7 +12197,7 @@
           <a:buFontTx/>
           <a:buNone/>
           <a:tabLst/>
-          <a:defRPr b="0" baseline="0" cap="none" i="0" spc="0" strike="noStrike" sz="1800" u="none" kumimoji="0" normalizeH="0">
+          <a:defRPr kumimoji="0" sz="1800" b="0" i="0" u="none" strike="noStrike" cap="none" spc="0" normalizeH="0" baseline="0">
             <a:ln>
               <a:noFill/>
             </a:ln>
@@ -11889,7 +12223,7 @@
           <a:buFontTx/>
           <a:buNone/>
           <a:tabLst/>
-          <a:defRPr b="0" baseline="0" cap="none" i="0" spc="0" strike="noStrike" sz="1800" u="none" kumimoji="0" normalizeH="0">
+          <a:defRPr kumimoji="0" sz="1800" b="0" i="0" u="none" strike="noStrike" cap="none" spc="0" normalizeH="0" baseline="0">
             <a:ln>
               <a:noFill/>
             </a:ln>
@@ -11915,7 +12249,7 @@
           <a:buFontTx/>
           <a:buNone/>
           <a:tabLst/>
-          <a:defRPr b="0" baseline="0" cap="none" i="0" spc="0" strike="noStrike" sz="1800" u="none" kumimoji="0" normalizeH="0">
+          <a:defRPr kumimoji="0" sz="1800" b="0" i="0" u="none" strike="noStrike" cap="none" spc="0" normalizeH="0" baseline="0">
             <a:ln>
               <a:noFill/>
             </a:ln>
@@ -11941,7 +12275,7 @@
           <a:buFontTx/>
           <a:buNone/>
           <a:tabLst/>
-          <a:defRPr b="0" baseline="0" cap="none" i="0" spc="0" strike="noStrike" sz="1800" u="none" kumimoji="0" normalizeH="0">
+          <a:defRPr kumimoji="0" sz="1800" b="0" i="0" u="none" strike="noStrike" cap="none" spc="0" normalizeH="0" baseline="0">
             <a:ln>
               <a:noFill/>
             </a:ln>
@@ -11967,7 +12301,7 @@
           <a:buFontTx/>
           <a:buNone/>
           <a:tabLst/>
-          <a:defRPr b="0" baseline="0" cap="none" i="0" spc="0" strike="noStrike" sz="1800" u="none" kumimoji="0" normalizeH="0">
+          <a:defRPr kumimoji="0" sz="1800" b="0" i="0" u="none" strike="noStrike" cap="none" spc="0" normalizeH="0" baseline="0">
             <a:ln>
               <a:noFill/>
             </a:ln>
@@ -11993,7 +12327,7 @@
           <a:buFontTx/>
           <a:buNone/>
           <a:tabLst/>
-          <a:defRPr b="0" baseline="0" cap="none" i="0" spc="0" strike="noStrike" sz="1800" u="none" kumimoji="0" normalizeH="0">
+          <a:defRPr kumimoji="0" sz="1800" b="0" i="0" u="none" strike="noStrike" cap="none" spc="0" normalizeH="0" baseline="0">
             <a:ln>
               <a:noFill/>
             </a:ln>
@@ -12019,7 +12353,7 @@
           <a:buFontTx/>
           <a:buNone/>
           <a:tabLst/>
-          <a:defRPr b="0" baseline="0" cap="none" i="0" spc="0" strike="noStrike" sz="1800" u="none" kumimoji="0" normalizeH="0">
+          <a:defRPr kumimoji="0" sz="1800" b="0" i="0" u="none" strike="noStrike" cap="none" spc="0" normalizeH="0" baseline="0">
             <a:ln>
               <a:noFill/>
             </a:ln>
@@ -12045,7 +12379,7 @@
           <a:buFontTx/>
           <a:buNone/>
           <a:tabLst/>
-          <a:defRPr b="0" baseline="0" cap="none" i="0" spc="0" strike="noStrike" sz="1800" u="none" kumimoji="0" normalizeH="0">
+          <a:defRPr kumimoji="0" sz="1800" b="0" i="0" u="none" strike="noStrike" cap="none" spc="0" normalizeH="0" baseline="0">
             <a:ln>
               <a:noFill/>
             </a:ln>
@@ -12058,18 +12392,25 @@
         </a:lvl9pPr>
       </a:lstStyle>
       <a:style>
-        <a:lnRef idx="0"/>
-        <a:fillRef idx="0"/>
-        <a:effectRef idx="0"/>
+        <a:lnRef idx="0">
+          <a:scrgbClr r="0" g="0" b="0"/>
+        </a:lnRef>
+        <a:fillRef idx="0">
+          <a:scrgbClr r="0" g="0" b="0"/>
+        </a:fillRef>
+        <a:effectRef idx="0">
+          <a:scrgbClr r="0" g="0" b="0"/>
+        </a:effectRef>
         <a:fontRef idx="none"/>
       </a:style>
     </a:txDef>
   </a:objectDefaults>
+  <a:extraClrSchemeLst/>
 </a:theme>
 </file>
 
 <file path=ppt/theme/theme2.xml><?xml version="1.0" encoding="utf-8"?>
-<a:theme xmlns:a="http://schemas.openxmlformats.org/drawingml/2006/main" xmlns:r="http://schemas.openxmlformats.org/officeDocument/2006/relationships" name="Default">
+<a:theme xmlns:a="http://schemas.openxmlformats.org/drawingml/2006/main" name="Default">
   <a:themeElements>
     <a:clrScheme name="Default">
       <a:dk1>
@@ -12195,7 +12536,7 @@
       <a:effectStyleLst>
         <a:effectStyle>
           <a:effectLst>
-            <a:outerShdw sx="100000" sy="100000" kx="0" ky="0" algn="b" rotWithShape="0" blurRad="38100" dist="25400" dir="6600000">
+            <a:outerShdw blurRad="38100" dist="25400" dir="6600000" rotWithShape="0">
               <a:srgbClr val="000000">
                 <a:alpha val="75000"/>
               </a:srgbClr>
@@ -12204,7 +12545,7 @@
         </a:effectStyle>
         <a:effectStyle>
           <a:effectLst>
-            <a:outerShdw sx="100000" sy="100000" kx="0" ky="0" algn="b" rotWithShape="0" blurRad="38100" dist="25400" dir="6600000">
+            <a:outerShdw blurRad="38100" dist="25400" dir="6600000" rotWithShape="0">
               <a:srgbClr val="000000">
                 <a:alpha val="75000"/>
               </a:srgbClr>
@@ -12281,14 +12622,14 @@
           <a:bevel/>
         </a:ln>
         <a:effectLst>
-          <a:outerShdw sx="100000" sy="100000" kx="0" ky="0" algn="b" rotWithShape="0" blurRad="38100" dist="25400" dir="6600000">
+          <a:outerShdw blurRad="38100" dist="25400" dir="6600000" rotWithShape="0">
             <a:srgbClr val="000000">
               <a:alpha val="75000"/>
             </a:srgbClr>
           </a:outerShdw>
         </a:effectLst>
       </a:spPr>
-      <a:bodyPr rot="0" spcFirstLastPara="1" vertOverflow="overflow" horzOverflow="overflow" vert="horz" wrap="square" lIns="45719" tIns="45719" rIns="45719" bIns="45719" numCol="1" spcCol="38100" rtlCol="0" anchor="ctr" upright="0">
+      <a:bodyPr rot="0" spcFirstLastPara="1" vertOverflow="overflow" horzOverflow="overflow" vert="horz" wrap="square" lIns="45719" tIns="45719" rIns="45719" bIns="45719" numCol="1" spcCol="38100" rtlCol="0" anchor="ctr">
         <a:spAutoFit/>
       </a:bodyPr>
       <a:lstStyle>
@@ -12307,7 +12648,7 @@
           <a:buFontTx/>
           <a:buNone/>
           <a:tabLst/>
-          <a:defRPr b="0" baseline="0" cap="none" i="0" spc="0" strike="noStrike" sz="1800" u="none" kumimoji="0" normalizeH="0">
+          <a:defRPr kumimoji="0" sz="1800" b="0" i="0" u="none" strike="noStrike" cap="none" spc="0" normalizeH="0" baseline="0">
             <a:ln>
               <a:noFill/>
             </a:ln>
@@ -12337,7 +12678,7 @@
           <a:buFontTx/>
           <a:buNone/>
           <a:tabLst/>
-          <a:defRPr b="0" baseline="0" cap="none" i="0" spc="0" strike="noStrike" sz="1800" u="none" kumimoji="0" normalizeH="0">
+          <a:defRPr kumimoji="0" sz="1800" b="0" i="0" u="none" strike="noStrike" cap="none" spc="0" normalizeH="0" baseline="0">
             <a:ln>
               <a:noFill/>
             </a:ln>
@@ -12363,7 +12704,7 @@
           <a:buFontTx/>
           <a:buNone/>
           <a:tabLst/>
-          <a:defRPr b="0" baseline="0" cap="none" i="0" spc="0" strike="noStrike" sz="1800" u="none" kumimoji="0" normalizeH="0">
+          <a:defRPr kumimoji="0" sz="1800" b="0" i="0" u="none" strike="noStrike" cap="none" spc="0" normalizeH="0" baseline="0">
             <a:ln>
               <a:noFill/>
             </a:ln>
@@ -12389,7 +12730,7 @@
           <a:buFontTx/>
           <a:buNone/>
           <a:tabLst/>
-          <a:defRPr b="0" baseline="0" cap="none" i="0" spc="0" strike="noStrike" sz="1800" u="none" kumimoji="0" normalizeH="0">
+          <a:defRPr kumimoji="0" sz="1800" b="0" i="0" u="none" strike="noStrike" cap="none" spc="0" normalizeH="0" baseline="0">
             <a:ln>
               <a:noFill/>
             </a:ln>
@@ -12415,7 +12756,7 @@
           <a:buFontTx/>
           <a:buNone/>
           <a:tabLst/>
-          <a:defRPr b="0" baseline="0" cap="none" i="0" spc="0" strike="noStrike" sz="1800" u="none" kumimoji="0" normalizeH="0">
+          <a:defRPr kumimoji="0" sz="1800" b="0" i="0" u="none" strike="noStrike" cap="none" spc="0" normalizeH="0" baseline="0">
             <a:ln>
               <a:noFill/>
             </a:ln>
@@ -12441,7 +12782,7 @@
           <a:buFontTx/>
           <a:buNone/>
           <a:tabLst/>
-          <a:defRPr b="0" baseline="0" cap="none" i="0" spc="0" strike="noStrike" sz="1800" u="none" kumimoji="0" normalizeH="0">
+          <a:defRPr kumimoji="0" sz="1800" b="0" i="0" u="none" strike="noStrike" cap="none" spc="0" normalizeH="0" baseline="0">
             <a:ln>
               <a:noFill/>
             </a:ln>
@@ -12467,7 +12808,7 @@
           <a:buFontTx/>
           <a:buNone/>
           <a:tabLst/>
-          <a:defRPr b="0" baseline="0" cap="none" i="0" spc="0" strike="noStrike" sz="1800" u="none" kumimoji="0" normalizeH="0">
+          <a:defRPr kumimoji="0" sz="1800" b="0" i="0" u="none" strike="noStrike" cap="none" spc="0" normalizeH="0" baseline="0">
             <a:ln>
               <a:noFill/>
             </a:ln>
@@ -12493,7 +12834,7 @@
           <a:buFontTx/>
           <a:buNone/>
           <a:tabLst/>
-          <a:defRPr b="0" baseline="0" cap="none" i="0" spc="0" strike="noStrike" sz="1800" u="none" kumimoji="0" normalizeH="0">
+          <a:defRPr kumimoji="0" sz="1800" b="0" i="0" u="none" strike="noStrike" cap="none" spc="0" normalizeH="0" baseline="0">
             <a:ln>
               <a:noFill/>
             </a:ln>
@@ -12519,7 +12860,7 @@
           <a:buFontTx/>
           <a:buNone/>
           <a:tabLst/>
-          <a:defRPr b="0" baseline="0" cap="none" i="0" spc="0" strike="noStrike" sz="1800" u="none" kumimoji="0" normalizeH="0">
+          <a:defRPr kumimoji="0" sz="1800" b="0" i="0" u="none" strike="noStrike" cap="none" spc="0" normalizeH="0" baseline="0">
             <a:ln>
               <a:noFill/>
             </a:ln>
@@ -12545,7 +12886,7 @@
           <a:buFontTx/>
           <a:buNone/>
           <a:tabLst/>
-          <a:defRPr b="0" baseline="0" cap="none" i="0" spc="0" strike="noStrike" sz="1800" u="none" kumimoji="0" normalizeH="0">
+          <a:defRPr kumimoji="0" sz="1800" b="0" i="0" u="none" strike="noStrike" cap="none" spc="0" normalizeH="0" baseline="0">
             <a:ln>
               <a:noFill/>
             </a:ln>
@@ -12558,9 +12899,15 @@
         </a:lvl9pPr>
       </a:lstStyle>
       <a:style>
-        <a:lnRef idx="0"/>
-        <a:fillRef idx="0"/>
-        <a:effectRef idx="0"/>
+        <a:lnRef idx="0">
+          <a:scrgbClr r="0" g="0" b="0"/>
+        </a:lnRef>
+        <a:fillRef idx="0">
+          <a:scrgbClr r="0" g="0" b="0"/>
+        </a:fillRef>
+        <a:effectRef idx="0">
+          <a:scrgbClr r="0" g="0" b="0"/>
+        </a:effectRef>
         <a:fontRef idx="none"/>
       </a:style>
     </a:spDef>
@@ -12576,7 +12923,7 @@
         </a:ln>
         <a:effectLst/>
       </a:spPr>
-      <a:bodyPr rot="0" spcFirstLastPara="1" vertOverflow="overflow" horzOverflow="overflow" vert="horz" wrap="square" lIns="91439" tIns="45719" rIns="91439" bIns="45719" numCol="1" spcCol="38100" rtlCol="0" anchor="t" upright="0">
+      <a:bodyPr rot="0" spcFirstLastPara="1" vertOverflow="overflow" horzOverflow="overflow" vert="horz" wrap="square" lIns="91439" tIns="45719" rIns="91439" bIns="45719" numCol="1" spcCol="38100" rtlCol="0" anchor="t">
         <a:noAutofit/>
       </a:bodyPr>
       <a:lstStyle>
@@ -12595,7 +12942,7 @@
           <a:buFontTx/>
           <a:buNone/>
           <a:tabLst/>
-          <a:defRPr b="0" baseline="0" cap="none" i="0" spc="0" strike="noStrike" sz="1800" u="none" kumimoji="0" normalizeH="0">
+          <a:defRPr kumimoji="0" sz="1800" b="0" i="0" u="none" strike="noStrike" cap="none" spc="0" normalizeH="0" baseline="0">
             <a:ln>
               <a:noFill/>
             </a:ln>
@@ -12621,7 +12968,7 @@
           <a:buFontTx/>
           <a:buNone/>
           <a:tabLst/>
-          <a:defRPr b="0" baseline="0" cap="none" i="0" spc="0" strike="noStrike" sz="1800" u="none" kumimoji="0" normalizeH="0">
+          <a:defRPr kumimoji="0" sz="1800" b="0" i="0" u="none" strike="noStrike" cap="none" spc="0" normalizeH="0" baseline="0">
             <a:ln>
               <a:noFill/>
             </a:ln>
@@ -12647,7 +12994,7 @@
           <a:buFontTx/>
           <a:buNone/>
           <a:tabLst/>
-          <a:defRPr b="0" baseline="0" cap="none" i="0" spc="0" strike="noStrike" sz="1800" u="none" kumimoji="0" normalizeH="0">
+          <a:defRPr kumimoji="0" sz="1800" b="0" i="0" u="none" strike="noStrike" cap="none" spc="0" normalizeH="0" baseline="0">
             <a:ln>
               <a:noFill/>
             </a:ln>
@@ -12673,7 +13020,7 @@
           <a:buFontTx/>
           <a:buNone/>
           <a:tabLst/>
-          <a:defRPr b="0" baseline="0" cap="none" i="0" spc="0" strike="noStrike" sz="1800" u="none" kumimoji="0" normalizeH="0">
+          <a:defRPr kumimoji="0" sz="1800" b="0" i="0" u="none" strike="noStrike" cap="none" spc="0" normalizeH="0" baseline="0">
             <a:ln>
               <a:noFill/>
             </a:ln>
@@ -12699,7 +13046,7 @@
           <a:buFontTx/>
           <a:buNone/>
           <a:tabLst/>
-          <a:defRPr b="0" baseline="0" cap="none" i="0" spc="0" strike="noStrike" sz="1800" u="none" kumimoji="0" normalizeH="0">
+          <a:defRPr kumimoji="0" sz="1800" b="0" i="0" u="none" strike="noStrike" cap="none" spc="0" normalizeH="0" baseline="0">
             <a:ln>
               <a:noFill/>
             </a:ln>
@@ -12725,7 +13072,7 @@
           <a:buFontTx/>
           <a:buNone/>
           <a:tabLst/>
-          <a:defRPr b="0" baseline="0" cap="none" i="0" spc="0" strike="noStrike" sz="1800" u="none" kumimoji="0" normalizeH="0">
+          <a:defRPr kumimoji="0" sz="1800" b="0" i="0" u="none" strike="noStrike" cap="none" spc="0" normalizeH="0" baseline="0">
             <a:ln>
               <a:noFill/>
             </a:ln>
@@ -12751,7 +13098,7 @@
           <a:buFontTx/>
           <a:buNone/>
           <a:tabLst/>
-          <a:defRPr b="0" baseline="0" cap="none" i="0" spc="0" strike="noStrike" sz="1800" u="none" kumimoji="0" normalizeH="0">
+          <a:defRPr kumimoji="0" sz="1800" b="0" i="0" u="none" strike="noStrike" cap="none" spc="0" normalizeH="0" baseline="0">
             <a:ln>
               <a:noFill/>
             </a:ln>
@@ -12777,7 +13124,7 @@
           <a:buFontTx/>
           <a:buNone/>
           <a:tabLst/>
-          <a:defRPr b="0" baseline="0" cap="none" i="0" spc="0" strike="noStrike" sz="1800" u="none" kumimoji="0" normalizeH="0">
+          <a:defRPr kumimoji="0" sz="1800" b="0" i="0" u="none" strike="noStrike" cap="none" spc="0" normalizeH="0" baseline="0">
             <a:ln>
               <a:noFill/>
             </a:ln>
@@ -12803,7 +13150,7 @@
           <a:buFontTx/>
           <a:buNone/>
           <a:tabLst/>
-          <a:defRPr b="0" baseline="0" cap="none" i="0" spc="0" strike="noStrike" sz="1800" u="none" kumimoji="0" normalizeH="0">
+          <a:defRPr kumimoji="0" sz="1800" b="0" i="0" u="none" strike="noStrike" cap="none" spc="0" normalizeH="0" baseline="0">
             <a:ln>
               <a:noFill/>
             </a:ln>
@@ -12829,7 +13176,7 @@
           <a:buFontTx/>
           <a:buNone/>
           <a:tabLst/>
-          <a:defRPr b="0" baseline="0" cap="none" i="0" spc="0" strike="noStrike" sz="1800" u="none" kumimoji="0" normalizeH="0">
+          <a:defRPr kumimoji="0" sz="1800" b="0" i="0" u="none" strike="noStrike" cap="none" spc="0" normalizeH="0" baseline="0">
             <a:ln>
               <a:noFill/>
             </a:ln>
@@ -12842,9 +13189,15 @@
         </a:lvl9pPr>
       </a:lstStyle>
       <a:style>
-        <a:lnRef idx="0"/>
-        <a:fillRef idx="0"/>
-        <a:effectRef idx="0"/>
+        <a:lnRef idx="0">
+          <a:scrgbClr r="0" g="0" b="0"/>
+        </a:lnRef>
+        <a:fillRef idx="0">
+          <a:scrgbClr r="0" g="0" b="0"/>
+        </a:fillRef>
+        <a:effectRef idx="0">
+          <a:scrgbClr r="0" g="0" b="0"/>
+        </a:effectRef>
         <a:fontRef idx="none"/>
       </a:style>
     </a:lnDef>
@@ -12857,7 +13210,7 @@
         </a:ln>
         <a:effectLst/>
       </a:spPr>
-      <a:bodyPr rot="0" spcFirstLastPara="1" vertOverflow="overflow" horzOverflow="overflow" vert="horz" wrap="square" lIns="45719" tIns="45719" rIns="45719" bIns="45719" numCol="1" spcCol="38100" rtlCol="0" anchor="t" upright="0">
+      <a:bodyPr rot="0" spcFirstLastPara="1" vertOverflow="overflow" horzOverflow="overflow" vert="horz" wrap="square" lIns="45719" tIns="45719" rIns="45719" bIns="45719" numCol="1" spcCol="38100" rtlCol="0" anchor="t">
         <a:spAutoFit/>
       </a:bodyPr>
       <a:lstStyle>
@@ -12876,7 +13229,7 @@
           <a:buFontTx/>
           <a:buNone/>
           <a:tabLst/>
-          <a:defRPr b="0" baseline="0" cap="none" i="0" spc="0" strike="noStrike" sz="1800" u="none" kumimoji="0" normalizeH="0">
+          <a:defRPr kumimoji="0" sz="1800" b="0" i="0" u="none" strike="noStrike" cap="none" spc="0" normalizeH="0" baseline="0">
             <a:ln>
               <a:noFill/>
             </a:ln>
@@ -12906,7 +13259,7 @@
           <a:buFontTx/>
           <a:buNone/>
           <a:tabLst/>
-          <a:defRPr b="0" baseline="0" cap="none" i="0" spc="0" strike="noStrike" sz="1800" u="none" kumimoji="0" normalizeH="0">
+          <a:defRPr kumimoji="0" sz="1800" b="0" i="0" u="none" strike="noStrike" cap="none" spc="0" normalizeH="0" baseline="0">
             <a:ln>
               <a:noFill/>
             </a:ln>
@@ -12932,7 +13285,7 @@
           <a:buFontTx/>
           <a:buNone/>
           <a:tabLst/>
-          <a:defRPr b="0" baseline="0" cap="none" i="0" spc="0" strike="noStrike" sz="1800" u="none" kumimoji="0" normalizeH="0">
+          <a:defRPr kumimoji="0" sz="1800" b="0" i="0" u="none" strike="noStrike" cap="none" spc="0" normalizeH="0" baseline="0">
             <a:ln>
               <a:noFill/>
             </a:ln>
@@ -12958,7 +13311,7 @@
           <a:buFontTx/>
           <a:buNone/>
           <a:tabLst/>
-          <a:defRPr b="0" baseline="0" cap="none" i="0" spc="0" strike="noStrike" sz="1800" u="none" kumimoji="0" normalizeH="0">
+          <a:defRPr kumimoji="0" sz="1800" b="0" i="0" u="none" strike="noStrike" cap="none" spc="0" normalizeH="0" baseline="0">
             <a:ln>
               <a:noFill/>
             </a:ln>
@@ -12984,7 +13337,7 @@
           <a:buFontTx/>
           <a:buNone/>
           <a:tabLst/>
-          <a:defRPr b="0" baseline="0" cap="none" i="0" spc="0" strike="noStrike" sz="1800" u="none" kumimoji="0" normalizeH="0">
+          <a:defRPr kumimoji="0" sz="1800" b="0" i="0" u="none" strike="noStrike" cap="none" spc="0" normalizeH="0" baseline="0">
             <a:ln>
               <a:noFill/>
             </a:ln>
@@ -13010,7 +13363,7 @@
           <a:buFontTx/>
           <a:buNone/>
           <a:tabLst/>
-          <a:defRPr b="0" baseline="0" cap="none" i="0" spc="0" strike="noStrike" sz="1800" u="none" kumimoji="0" normalizeH="0">
+          <a:defRPr kumimoji="0" sz="1800" b="0" i="0" u="none" strike="noStrike" cap="none" spc="0" normalizeH="0" baseline="0">
             <a:ln>
               <a:noFill/>
             </a:ln>
@@ -13036,7 +13389,7 @@
           <a:buFontTx/>
           <a:buNone/>
           <a:tabLst/>
-          <a:defRPr b="0" baseline="0" cap="none" i="0" spc="0" strike="noStrike" sz="1800" u="none" kumimoji="0" normalizeH="0">
+          <a:defRPr kumimoji="0" sz="1800" b="0" i="0" u="none" strike="noStrike" cap="none" spc="0" normalizeH="0" baseline="0">
             <a:ln>
               <a:noFill/>
             </a:ln>
@@ -13062,7 +13415,7 @@
           <a:buFontTx/>
           <a:buNone/>
           <a:tabLst/>
-          <a:defRPr b="0" baseline="0" cap="none" i="0" spc="0" strike="noStrike" sz="1800" u="none" kumimoji="0" normalizeH="0">
+          <a:defRPr kumimoji="0" sz="1800" b="0" i="0" u="none" strike="noStrike" cap="none" spc="0" normalizeH="0" baseline="0">
             <a:ln>
               <a:noFill/>
             </a:ln>
@@ -13088,7 +13441,7 @@
           <a:buFontTx/>
           <a:buNone/>
           <a:tabLst/>
-          <a:defRPr b="0" baseline="0" cap="none" i="0" spc="0" strike="noStrike" sz="1800" u="none" kumimoji="0" normalizeH="0">
+          <a:defRPr kumimoji="0" sz="1800" b="0" i="0" u="none" strike="noStrike" cap="none" spc="0" normalizeH="0" baseline="0">
             <a:ln>
               <a:noFill/>
             </a:ln>
@@ -13114,7 +13467,7 @@
           <a:buFontTx/>
           <a:buNone/>
           <a:tabLst/>
-          <a:defRPr b="0" baseline="0" cap="none" i="0" spc="0" strike="noStrike" sz="1800" u="none" kumimoji="0" normalizeH="0">
+          <a:defRPr kumimoji="0" sz="1800" b="0" i="0" u="none" strike="noStrike" cap="none" spc="0" normalizeH="0" baseline="0">
             <a:ln>
               <a:noFill/>
             </a:ln>
@@ -13127,12 +13480,19 @@
         </a:lvl9pPr>
       </a:lstStyle>
       <a:style>
-        <a:lnRef idx="0"/>
-        <a:fillRef idx="0"/>
-        <a:effectRef idx="0"/>
+        <a:lnRef idx="0">
+          <a:scrgbClr r="0" g="0" b="0"/>
+        </a:lnRef>
+        <a:fillRef idx="0">
+          <a:scrgbClr r="0" g="0" b="0"/>
+        </a:fillRef>
+        <a:effectRef idx="0">
+          <a:scrgbClr r="0" g="0" b="0"/>
+        </a:effectRef>
         <a:fontRef idx="none"/>
       </a:style>
     </a:txDef>
   </a:objectDefaults>
+  <a:extraClrSchemeLst/>
 </a:theme>
 </file>